--- a/答辩/开题答辩.pptx
+++ b/答辩/开题答辩.pptx
@@ -4,6 +4,9 @@
   <p:sldMasterIdLst>
     <p:sldMasterId id="2147483648" r:id="rId1"/>
   </p:sldMasterIdLst>
+  <p:notesMasterIdLst>
+    <p:notesMasterId r:id="rId19"/>
+  </p:notesMasterIdLst>
   <p:sldIdLst>
     <p:sldId id="261" r:id="rId3"/>
     <p:sldId id="258" r:id="rId4"/>
@@ -13,8 +16,16 @@
     <p:sldId id="270" r:id="rId8"/>
     <p:sldId id="273" r:id="rId9"/>
     <p:sldId id="266" r:id="rId10"/>
-    <p:sldId id="267" r:id="rId11"/>
-    <p:sldId id="275" r:id="rId12"/>
+    <p:sldId id="287" r:id="rId11"/>
+    <p:sldId id="286" r:id="rId12"/>
+    <p:sldId id="288" r:id="rId13"/>
+    <p:sldId id="267" r:id="rId14"/>
+    <p:sldId id="275" r:id="rId15"/>
+    <p:sldId id="283" r:id="rId16"/>
+    <p:sldId id="280" r:id="rId17"/>
+    <p:sldId id="281" r:id="rId18"/>
+    <p:sldId id="284" r:id="rId20"/>
+    <p:sldId id="285" r:id="rId21"/>
   </p:sldIdLst>
   <p:sldSz cx="12192000" cy="6858000"/>
   <p:notesSz cx="7103745" cy="10234295"/>
@@ -116,6 +127,397 @@
 </p:presentation>
 </file>
 
+<file path=ppt/notesMasters/notesMaster1.xml><?xml version="1.0" encoding="utf-8"?>
+<p:notesMaster xmlns:a="http://schemas.openxmlformats.org/drawingml/2006/main" xmlns:r="http://schemas.openxmlformats.org/officeDocument/2006/relationships" xmlns:p="http://schemas.openxmlformats.org/presentationml/2006/main">
+  <p:cSld>
+    <p:bg>
+      <p:bgRef idx="1001">
+        <a:schemeClr val="bg1"/>
+      </p:bgRef>
+    </p:bg>
+    <p:spTree>
+      <p:nvGrpSpPr>
+        <p:cNvPr id="1" name=""/>
+        <p:cNvGrpSpPr/>
+        <p:nvPr/>
+      </p:nvGrpSpPr>
+      <p:grpSpPr>
+        <a:xfrm>
+          <a:off x="0" y="0"/>
+          <a:ext cx="0" cy="0"/>
+          <a:chOff x="0" y="0"/>
+          <a:chExt cx="0" cy="0"/>
+        </a:xfrm>
+      </p:grpSpPr>
+      <p:sp>
+        <p:nvSpPr>
+          <p:cNvPr id="2" name="页眉占位符 1"/>
+          <p:cNvSpPr>
+            <a:spLocks noGrp="1"/>
+          </p:cNvSpPr>
+          <p:nvPr>
+            <p:ph type="hdr" sz="quarter"/>
+          </p:nvPr>
+        </p:nvSpPr>
+        <p:spPr>
+          <a:xfrm>
+            <a:off x="0" y="0"/>
+            <a:ext cx="3078290" cy="513492"/>
+          </a:xfrm>
+          <a:prstGeom prst="rect">
+            <a:avLst/>
+          </a:prstGeom>
+        </p:spPr>
+        <p:txBody>
+          <a:bodyPr vert="horz" lIns="91440" tIns="45720" rIns="91440" bIns="45720" rtlCol="0"/>
+          <a:lstStyle>
+            <a:lvl1pPr algn="l">
+              <a:defRPr sz="1200"/>
+            </a:lvl1pPr>
+          </a:lstStyle>
+          <a:p>
+            <a:endParaRPr lang="zh-CN" altLang="en-US"/>
+          </a:p>
+        </p:txBody>
+      </p:sp>
+      <p:sp>
+        <p:nvSpPr>
+          <p:cNvPr id="3" name="日期占位符 2"/>
+          <p:cNvSpPr>
+            <a:spLocks noGrp="1"/>
+          </p:cNvSpPr>
+          <p:nvPr>
+            <p:ph type="dt" idx="1"/>
+          </p:nvPr>
+        </p:nvSpPr>
+        <p:spPr>
+          <a:xfrm>
+            <a:off x="4023812" y="0"/>
+            <a:ext cx="3078290" cy="513492"/>
+          </a:xfrm>
+          <a:prstGeom prst="rect">
+            <a:avLst/>
+          </a:prstGeom>
+        </p:spPr>
+        <p:txBody>
+          <a:bodyPr vert="horz" lIns="91440" tIns="45720" rIns="91440" bIns="45720" rtlCol="0"/>
+          <a:lstStyle>
+            <a:lvl1pPr algn="r">
+              <a:defRPr sz="1200"/>
+            </a:lvl1pPr>
+          </a:lstStyle>
+          <a:p>
+            <a:fld id="{D2A48B96-639E-45A3-A0BA-2464DFDB1FAA}" type="datetimeFigureOut">
+              <a:rPr lang="zh-CN" altLang="en-US" smtClean="0"/>
+            </a:fld>
+            <a:endParaRPr lang="zh-CN" altLang="en-US"/>
+          </a:p>
+        </p:txBody>
+      </p:sp>
+      <p:sp>
+        <p:nvSpPr>
+          <p:cNvPr id="4" name="幻灯片图像占位符 3"/>
+          <p:cNvSpPr>
+            <a:spLocks noGrp="1" noRot="1" noChangeAspect="1"/>
+          </p:cNvSpPr>
+          <p:nvPr>
+            <p:ph type="sldImg" idx="2"/>
+          </p:nvPr>
+        </p:nvSpPr>
+        <p:spPr>
+          <a:xfrm>
+            <a:off x="481584" y="1279287"/>
+            <a:ext cx="6140577" cy="3454075"/>
+          </a:xfrm>
+          <a:prstGeom prst="rect">
+            <a:avLst/>
+          </a:prstGeom>
+          <a:noFill/>
+          <a:ln w="12700">
+            <a:solidFill>
+              <a:prstClr val="black"/>
+            </a:solidFill>
+          </a:ln>
+        </p:spPr>
+        <p:txBody>
+          <a:bodyPr vert="horz" lIns="91440" tIns="45720" rIns="91440" bIns="45720" rtlCol="0" anchor="ctr"/>
+          <a:lstStyle/>
+          <a:p>
+            <a:endParaRPr lang="zh-CN" altLang="en-US"/>
+          </a:p>
+        </p:txBody>
+      </p:sp>
+      <p:sp>
+        <p:nvSpPr>
+          <p:cNvPr id="5" name="备注占位符 4"/>
+          <p:cNvSpPr>
+            <a:spLocks noGrp="1"/>
+          </p:cNvSpPr>
+          <p:nvPr>
+            <p:ph type="body" sz="quarter" idx="3"/>
+          </p:nvPr>
+        </p:nvSpPr>
+        <p:spPr>
+          <a:xfrm>
+            <a:off x="710375" y="4925254"/>
+            <a:ext cx="5682996" cy="4029754"/>
+          </a:xfrm>
+          <a:prstGeom prst="rect">
+            <a:avLst/>
+          </a:prstGeom>
+        </p:spPr>
+        <p:txBody>
+          <a:bodyPr vert="horz" lIns="91440" tIns="45720" rIns="91440" bIns="45720" rtlCol="0"/>
+          <a:lstStyle/>
+          <a:p>
+            <a:pPr lvl="0"/>
+            <a:r>
+              <a:rPr lang="zh-CN" altLang="en-US" smtClean="0"/>
+              <a:t>单击此处编辑母版文本样式</a:t>
+            </a:r>
+            <a:endParaRPr lang="zh-CN" altLang="en-US" smtClean="0"/>
+          </a:p>
+          <a:p>
+            <a:pPr lvl="1"/>
+            <a:r>
+              <a:rPr lang="zh-CN" altLang="en-US" smtClean="0"/>
+              <a:t>第二级</a:t>
+            </a:r>
+            <a:endParaRPr lang="zh-CN" altLang="en-US" smtClean="0"/>
+          </a:p>
+          <a:p>
+            <a:pPr lvl="2"/>
+            <a:r>
+              <a:rPr lang="zh-CN" altLang="en-US" smtClean="0"/>
+              <a:t>第三级</a:t>
+            </a:r>
+            <a:endParaRPr lang="zh-CN" altLang="en-US" smtClean="0"/>
+          </a:p>
+          <a:p>
+            <a:pPr lvl="3"/>
+            <a:r>
+              <a:rPr lang="zh-CN" altLang="en-US" smtClean="0"/>
+              <a:t>第四级</a:t>
+            </a:r>
+            <a:endParaRPr lang="zh-CN" altLang="en-US" smtClean="0"/>
+          </a:p>
+          <a:p>
+            <a:pPr lvl="4"/>
+            <a:r>
+              <a:rPr lang="zh-CN" altLang="en-US" smtClean="0"/>
+              <a:t>第五级</a:t>
+            </a:r>
+            <a:endParaRPr lang="zh-CN" altLang="en-US"/>
+          </a:p>
+        </p:txBody>
+      </p:sp>
+      <p:sp>
+        <p:nvSpPr>
+          <p:cNvPr id="6" name="页脚占位符 5"/>
+          <p:cNvSpPr>
+            <a:spLocks noGrp="1"/>
+          </p:cNvSpPr>
+          <p:nvPr>
+            <p:ph type="ftr" sz="quarter" idx="4"/>
+          </p:nvPr>
+        </p:nvSpPr>
+        <p:spPr>
+          <a:xfrm>
+            <a:off x="0" y="9720804"/>
+            <a:ext cx="3078290" cy="513491"/>
+          </a:xfrm>
+          <a:prstGeom prst="rect">
+            <a:avLst/>
+          </a:prstGeom>
+        </p:spPr>
+        <p:txBody>
+          <a:bodyPr vert="horz" lIns="91440" tIns="45720" rIns="91440" bIns="45720" rtlCol="0" anchor="b"/>
+          <a:lstStyle>
+            <a:lvl1pPr algn="l">
+              <a:defRPr sz="1200"/>
+            </a:lvl1pPr>
+          </a:lstStyle>
+          <a:p>
+            <a:endParaRPr lang="zh-CN" altLang="en-US"/>
+          </a:p>
+        </p:txBody>
+      </p:sp>
+      <p:sp>
+        <p:nvSpPr>
+          <p:cNvPr id="7" name="灯片编号占位符 6"/>
+          <p:cNvSpPr>
+            <a:spLocks noGrp="1"/>
+          </p:cNvSpPr>
+          <p:nvPr>
+            <p:ph type="sldNum" sz="quarter" idx="5"/>
+          </p:nvPr>
+        </p:nvSpPr>
+        <p:spPr>
+          <a:xfrm>
+            <a:off x="4023812" y="9720804"/>
+            <a:ext cx="3078290" cy="513491"/>
+          </a:xfrm>
+          <a:prstGeom prst="rect">
+            <a:avLst/>
+          </a:prstGeom>
+        </p:spPr>
+        <p:txBody>
+          <a:bodyPr vert="horz" lIns="91440" tIns="45720" rIns="91440" bIns="45720" rtlCol="0" anchor="b"/>
+          <a:lstStyle>
+            <a:lvl1pPr algn="r">
+              <a:defRPr sz="1200"/>
+            </a:lvl1pPr>
+          </a:lstStyle>
+          <a:p>
+            <a:fld id="{A6837353-30EB-4A48-80EB-173D804AEFBD}" type="slidenum">
+              <a:rPr lang="zh-CN" altLang="en-US" smtClean="0"/>
+            </a:fld>
+            <a:endParaRPr lang="zh-CN" altLang="en-US"/>
+          </a:p>
+        </p:txBody>
+      </p:sp>
+    </p:spTree>
+  </p:cSld>
+  <p:clrMap bg1="lt1" tx1="dk1" bg2="lt2" tx2="dk2" accent1="accent1" accent2="accent2" accent3="accent3" accent4="accent4" accent5="accent5" accent6="accent6" hlink="hlink" folHlink="folHlink"/>
+  <p:notesStyle>
+    <a:lvl1pPr marL="0" algn="l" defTabSz="914400" rtl="0" eaLnBrk="1" latinLnBrk="0" hangingPunct="1">
+      <a:defRPr sz="1200" kern="1200">
+        <a:solidFill>
+          <a:schemeClr val="tx1"/>
+        </a:solidFill>
+        <a:latin typeface="+mn-lt"/>
+        <a:ea typeface="+mn-ea"/>
+        <a:cs typeface="+mn-cs"/>
+      </a:defRPr>
+    </a:lvl1pPr>
+    <a:lvl2pPr marL="457200" algn="l" defTabSz="914400" rtl="0" eaLnBrk="1" latinLnBrk="0" hangingPunct="1">
+      <a:defRPr sz="1200" kern="1200">
+        <a:solidFill>
+          <a:schemeClr val="tx1"/>
+        </a:solidFill>
+        <a:latin typeface="+mn-lt"/>
+        <a:ea typeface="+mn-ea"/>
+        <a:cs typeface="+mn-cs"/>
+      </a:defRPr>
+    </a:lvl2pPr>
+    <a:lvl3pPr marL="914400" algn="l" defTabSz="914400" rtl="0" eaLnBrk="1" latinLnBrk="0" hangingPunct="1">
+      <a:defRPr sz="1200" kern="1200">
+        <a:solidFill>
+          <a:schemeClr val="tx1"/>
+        </a:solidFill>
+        <a:latin typeface="+mn-lt"/>
+        <a:ea typeface="+mn-ea"/>
+        <a:cs typeface="+mn-cs"/>
+      </a:defRPr>
+    </a:lvl3pPr>
+    <a:lvl4pPr marL="1371600" algn="l" defTabSz="914400" rtl="0" eaLnBrk="1" latinLnBrk="0" hangingPunct="1">
+      <a:defRPr sz="1200" kern="1200">
+        <a:solidFill>
+          <a:schemeClr val="tx1"/>
+        </a:solidFill>
+        <a:latin typeface="+mn-lt"/>
+        <a:ea typeface="+mn-ea"/>
+        <a:cs typeface="+mn-cs"/>
+      </a:defRPr>
+    </a:lvl4pPr>
+    <a:lvl5pPr marL="1828800" algn="l" defTabSz="914400" rtl="0" eaLnBrk="1" latinLnBrk="0" hangingPunct="1">
+      <a:defRPr sz="1200" kern="1200">
+        <a:solidFill>
+          <a:schemeClr val="tx1"/>
+        </a:solidFill>
+        <a:latin typeface="+mn-lt"/>
+        <a:ea typeface="+mn-ea"/>
+        <a:cs typeface="+mn-cs"/>
+      </a:defRPr>
+    </a:lvl5pPr>
+    <a:lvl6pPr marL="2286000" algn="l" defTabSz="914400" rtl="0" eaLnBrk="1" latinLnBrk="0" hangingPunct="1">
+      <a:defRPr sz="1200" kern="1200">
+        <a:solidFill>
+          <a:schemeClr val="tx1"/>
+        </a:solidFill>
+        <a:latin typeface="+mn-lt"/>
+        <a:ea typeface="+mn-ea"/>
+        <a:cs typeface="+mn-cs"/>
+      </a:defRPr>
+    </a:lvl6pPr>
+    <a:lvl7pPr marL="2743200" algn="l" defTabSz="914400" rtl="0" eaLnBrk="1" latinLnBrk="0" hangingPunct="1">
+      <a:defRPr sz="1200" kern="1200">
+        <a:solidFill>
+          <a:schemeClr val="tx1"/>
+        </a:solidFill>
+        <a:latin typeface="+mn-lt"/>
+        <a:ea typeface="+mn-ea"/>
+        <a:cs typeface="+mn-cs"/>
+      </a:defRPr>
+    </a:lvl7pPr>
+    <a:lvl8pPr marL="3200400" algn="l" defTabSz="914400" rtl="0" eaLnBrk="1" latinLnBrk="0" hangingPunct="1">
+      <a:defRPr sz="1200" kern="1200">
+        <a:solidFill>
+          <a:schemeClr val="tx1"/>
+        </a:solidFill>
+        <a:latin typeface="+mn-lt"/>
+        <a:ea typeface="+mn-ea"/>
+        <a:cs typeface="+mn-cs"/>
+      </a:defRPr>
+    </a:lvl8pPr>
+    <a:lvl9pPr marL="3657600" algn="l" defTabSz="914400" rtl="0" eaLnBrk="1" latinLnBrk="0" hangingPunct="1">
+      <a:defRPr sz="1200" kern="1200">
+        <a:solidFill>
+          <a:schemeClr val="tx1"/>
+        </a:solidFill>
+        <a:latin typeface="+mn-lt"/>
+        <a:ea typeface="+mn-ea"/>
+        <a:cs typeface="+mn-cs"/>
+      </a:defRPr>
+    </a:lvl9pPr>
+  </p:notesStyle>
+</p:notesMaster>
+</file>
+
+<file path=ppt/notesSlides/notesSlide1.xml><?xml version="1.0" encoding="utf-8"?>
+<p:notes xmlns:a="http://schemas.openxmlformats.org/drawingml/2006/main" xmlns:r="http://schemas.openxmlformats.org/officeDocument/2006/relationships" xmlns:p="http://schemas.openxmlformats.org/presentationml/2006/main">
+  <p:cSld>
+    <p:spTree>
+      <p:nvGrpSpPr>
+        <p:cNvPr id="1" name=""/>
+        <p:cNvGrpSpPr/>
+        <p:nvPr/>
+      </p:nvGrpSpPr>
+      <p:grpSpPr/>
+      <p:sp>
+        <p:nvSpPr>
+          <p:cNvPr id="2" name="幻灯片图像占位符 1"/>
+          <p:cNvSpPr/>
+          <p:nvPr>
+            <p:ph type="sldImg" idx="2"/>
+          </p:nvPr>
+        </p:nvSpPr>
+        <p:spPr/>
+      </p:sp>
+      <p:sp>
+        <p:nvSpPr>
+          <p:cNvPr id="3" name="文本占位符 2"/>
+          <p:cNvSpPr/>
+          <p:nvPr>
+            <p:ph type="body" idx="3"/>
+          </p:nvPr>
+        </p:nvSpPr>
+        <p:spPr/>
+        <p:txBody>
+          <a:bodyPr/>
+          <a:p>
+            <a:endParaRPr lang="zh-CN" altLang="en-US"/>
+          </a:p>
+        </p:txBody>
+      </p:sp>
+    </p:spTree>
+  </p:cSld>
+  <p:clrMapOvr>
+    <a:masterClrMapping/>
+  </p:clrMapOvr>
+</p:notes>
+</file>
+
 <file path=ppt/slideLayouts/slideLayout1.xml><?xml version="1.0" encoding="utf-8"?>
 <p:sldLayout xmlns:a="http://schemas.openxmlformats.org/drawingml/2006/main" xmlns:r="http://schemas.openxmlformats.org/officeDocument/2006/relationships" xmlns:p="http://schemas.openxmlformats.org/presentationml/2006/main" type="title" preserve="1">
   <p:cSld name="标题幻灯片">
@@ -2087,9 +2489,12 @@
 <p:sldMaster xmlns:a="http://schemas.openxmlformats.org/drawingml/2006/main" xmlns:r="http://schemas.openxmlformats.org/officeDocument/2006/relationships" xmlns:p="http://schemas.openxmlformats.org/presentationml/2006/main">
   <p:cSld>
     <p:bg>
-      <p:bgRef idx="1001">
-        <a:schemeClr val="bg1"/>
-      </p:bgRef>
+      <p:bgPr>
+        <a:solidFill>
+          <a:srgbClr val="E4E4E4"/>
+        </a:solidFill>
+        <a:effectLst/>
+      </p:bgPr>
     </p:bg>
     <p:spTree>
       <p:nvGrpSpPr>
@@ -2622,11 +3027,6 @@
 <file path=ppt/slides/slide1.xml><?xml version="1.0" encoding="utf-8"?>
 <p:sld xmlns:a="http://schemas.openxmlformats.org/drawingml/2006/main" xmlns:r="http://schemas.openxmlformats.org/officeDocument/2006/relationships" xmlns:p="http://schemas.openxmlformats.org/presentationml/2006/main">
   <p:cSld>
-    <p:bg>
-      <p:bgRef idx="1001">
-        <a:schemeClr val="bg1"/>
-      </p:bgRef>
-    </p:bg>
     <p:spTree>
       <p:nvGrpSpPr>
         <p:cNvPr id="1" name=""/>
@@ -2726,7 +3126,7 @@
         <p:spPr>
           <a:xfrm>
             <a:off x="9635490" y="5472430"/>
-            <a:ext cx="2275205" cy="1085215"/>
+            <a:ext cx="2275205" cy="1249680"/>
           </a:xfrm>
           <a:prstGeom prst="rect">
             <a:avLst/>
@@ -2745,7 +3145,17 @@
             <a:spAutoFit/>
           </a:bodyPr>
           <a:p>
-            <a:pPr algn="l"/>
+            <a:pPr algn="l">
+              <a:lnSpc>
+                <a:spcPct val="125000"/>
+              </a:lnSpc>
+              <a:spcBef>
+                <a:spcPts val="0"/>
+              </a:spcBef>
+              <a:spcAft>
+                <a:spcPts val="0"/>
+              </a:spcAft>
+            </a:pPr>
             <a:r>
               <a:rPr lang="zh-CN" altLang="en-US" sz="1600">
                 <a:solidFill>
@@ -2765,7 +3175,17 @@
             </a:endParaRPr>
           </a:p>
           <a:p>
-            <a:pPr algn="l"/>
+            <a:pPr algn="l">
+              <a:lnSpc>
+                <a:spcPct val="125000"/>
+              </a:lnSpc>
+              <a:spcBef>
+                <a:spcPts val="0"/>
+              </a:spcBef>
+              <a:spcAft>
+                <a:spcPts val="0"/>
+              </a:spcAft>
+            </a:pPr>
             <a:r>
               <a:rPr lang="zh-CN" altLang="en-US" sz="1600">
                 <a:solidFill>
@@ -2795,7 +3215,17 @@
             </a:endParaRPr>
           </a:p>
           <a:p>
-            <a:pPr algn="l"/>
+            <a:pPr algn="l">
+              <a:lnSpc>
+                <a:spcPct val="125000"/>
+              </a:lnSpc>
+              <a:spcBef>
+                <a:spcPts val="0"/>
+              </a:spcBef>
+              <a:spcAft>
+                <a:spcPts val="0"/>
+              </a:spcAft>
+            </a:pPr>
             <a:r>
               <a:rPr lang="en-US" altLang="zh-CN" sz="1600">
                 <a:solidFill>
@@ -2837,14 +3267,249 @@
 <file path=ppt/slides/slide10.xml><?xml version="1.0" encoding="utf-8"?>
 <p:sld xmlns:a="http://schemas.openxmlformats.org/drawingml/2006/main" xmlns:r="http://schemas.openxmlformats.org/officeDocument/2006/relationships" xmlns:p="http://schemas.openxmlformats.org/presentationml/2006/main">
   <p:cSld>
-    <p:bg>
-      <p:bgPr>
-        <a:solidFill>
-          <a:srgbClr val="E4E4E4"/>
-        </a:solidFill>
-        <a:effectLst/>
-      </p:bgPr>
-    </p:bg>
+    <p:spTree>
+      <p:nvGrpSpPr>
+        <p:cNvPr id="1" name=""/>
+        <p:cNvGrpSpPr/>
+        <p:nvPr/>
+      </p:nvGrpSpPr>
+      <p:grpSpPr/>
+      <p:sp>
+        <p:nvSpPr>
+          <p:cNvPr id="5" name="文本框 4"/>
+          <p:cNvSpPr txBox="1"/>
+          <p:nvPr/>
+        </p:nvSpPr>
+        <p:spPr>
+          <a:xfrm>
+            <a:off x="3205480" y="6300470"/>
+            <a:ext cx="5780405" cy="386715"/>
+          </a:xfrm>
+          <a:prstGeom prst="rect">
+            <a:avLst/>
+          </a:prstGeom>
+          <a:noFill/>
+        </p:spPr>
+        <p:txBody>
+          <a:bodyPr wrap="square" rtlCol="0">
+            <a:spAutoFit/>
+          </a:bodyPr>
+          <a:p>
+            <a:pPr algn="ctr"/>
+            <a:r>
+              <a:rPr lang="zh-CN" altLang="en-US">
+                <a:latin typeface="Microsoft JhengHei" panose="020B0604030504040204" charset="-120"/>
+                <a:ea typeface="Microsoft JhengHei" panose="020B0604030504040204" charset="-120"/>
+              </a:rPr>
+              <a:t>学生端（患者端）原型设计稿概览</a:t>
+            </a:r>
+            <a:endParaRPr lang="zh-CN" altLang="en-US">
+              <a:latin typeface="Microsoft JhengHei" panose="020B0604030504040204" charset="-120"/>
+              <a:ea typeface="Microsoft JhengHei" panose="020B0604030504040204" charset="-120"/>
+            </a:endParaRPr>
+          </a:p>
+        </p:txBody>
+      </p:sp>
+      <p:pic>
+        <p:nvPicPr>
+          <p:cNvPr id="6" name="图片 5"/>
+          <p:cNvPicPr>
+            <a:picLocks noChangeAspect="1"/>
+          </p:cNvPicPr>
+          <p:nvPr/>
+        </p:nvPicPr>
+        <p:blipFill>
+          <a:blip r:embed="rId1"/>
+          <a:stretch>
+            <a:fillRect/>
+          </a:stretch>
+        </p:blipFill>
+        <p:spPr>
+          <a:xfrm>
+            <a:off x="846455" y="306705"/>
+            <a:ext cx="10498455" cy="5517515"/>
+          </a:xfrm>
+          <a:prstGeom prst="rect">
+            <a:avLst/>
+          </a:prstGeom>
+        </p:spPr>
+      </p:pic>
+    </p:spTree>
+  </p:cSld>
+  <p:clrMapOvr>
+    <a:masterClrMapping/>
+  </p:clrMapOvr>
+  <p:transition>
+    <p:fade/>
+  </p:transition>
+</p:sld>
+</file>
+
+<file path=ppt/slides/slide11.xml><?xml version="1.0" encoding="utf-8"?>
+<p:sld xmlns:a="http://schemas.openxmlformats.org/drawingml/2006/main" xmlns:r="http://schemas.openxmlformats.org/officeDocument/2006/relationships" xmlns:p="http://schemas.openxmlformats.org/presentationml/2006/main">
+  <p:cSld>
+    <p:spTree>
+      <p:nvGrpSpPr>
+        <p:cNvPr id="1" name=""/>
+        <p:cNvGrpSpPr/>
+        <p:nvPr/>
+      </p:nvGrpSpPr>
+      <p:grpSpPr/>
+      <p:sp>
+        <p:nvSpPr>
+          <p:cNvPr id="5" name="文本框 4"/>
+          <p:cNvSpPr txBox="1"/>
+          <p:nvPr/>
+        </p:nvSpPr>
+        <p:spPr>
+          <a:xfrm>
+            <a:off x="3205480" y="6300470"/>
+            <a:ext cx="5780405" cy="386715"/>
+          </a:xfrm>
+          <a:prstGeom prst="rect">
+            <a:avLst/>
+          </a:prstGeom>
+          <a:noFill/>
+        </p:spPr>
+        <p:txBody>
+          <a:bodyPr wrap="square" rtlCol="0">
+            <a:spAutoFit/>
+          </a:bodyPr>
+          <a:p>
+            <a:pPr algn="ctr"/>
+            <a:r>
+              <a:rPr lang="zh-CN" altLang="en-US">
+                <a:latin typeface="Microsoft JhengHei" panose="020B0604030504040204" charset="-120"/>
+                <a:ea typeface="Microsoft JhengHei" panose="020B0604030504040204" charset="-120"/>
+              </a:rPr>
+              <a:t>学生端（患者端）原型设计稿概览</a:t>
+            </a:r>
+            <a:endParaRPr lang="zh-CN" altLang="en-US">
+              <a:latin typeface="Microsoft JhengHei" panose="020B0604030504040204" charset="-120"/>
+              <a:ea typeface="Microsoft JhengHei" panose="020B0604030504040204" charset="-120"/>
+            </a:endParaRPr>
+          </a:p>
+        </p:txBody>
+      </p:sp>
+      <p:pic>
+        <p:nvPicPr>
+          <p:cNvPr id="2" name="图片 1"/>
+          <p:cNvPicPr>
+            <a:picLocks noChangeAspect="1"/>
+          </p:cNvPicPr>
+          <p:nvPr/>
+        </p:nvPicPr>
+        <p:blipFill>
+          <a:blip r:embed="rId1"/>
+          <a:stretch>
+            <a:fillRect/>
+          </a:stretch>
+        </p:blipFill>
+        <p:spPr>
+          <a:xfrm>
+            <a:off x="836930" y="589280"/>
+            <a:ext cx="10518775" cy="5679440"/>
+          </a:xfrm>
+          <a:prstGeom prst="rect">
+            <a:avLst/>
+          </a:prstGeom>
+        </p:spPr>
+      </p:pic>
+    </p:spTree>
+  </p:cSld>
+  <p:clrMapOvr>
+    <a:masterClrMapping/>
+  </p:clrMapOvr>
+  <p:transition>
+    <p:fade/>
+  </p:transition>
+</p:sld>
+</file>
+
+<file path=ppt/slides/slide12.xml><?xml version="1.0" encoding="utf-8"?>
+<p:sld xmlns:a="http://schemas.openxmlformats.org/drawingml/2006/main" xmlns:r="http://schemas.openxmlformats.org/officeDocument/2006/relationships" xmlns:p="http://schemas.openxmlformats.org/presentationml/2006/main">
+  <p:cSld>
+    <p:spTree>
+      <p:nvGrpSpPr>
+        <p:cNvPr id="1" name=""/>
+        <p:cNvGrpSpPr/>
+        <p:nvPr/>
+      </p:nvGrpSpPr>
+      <p:grpSpPr/>
+      <p:pic>
+        <p:nvPicPr>
+          <p:cNvPr id="2" name="图片 1"/>
+          <p:cNvPicPr>
+            <a:picLocks noChangeAspect="1"/>
+          </p:cNvPicPr>
+          <p:nvPr/>
+        </p:nvPicPr>
+        <p:blipFill>
+          <a:blip r:embed="rId1"/>
+          <a:stretch>
+            <a:fillRect/>
+          </a:stretch>
+        </p:blipFill>
+        <p:spPr>
+          <a:xfrm>
+            <a:off x="679450" y="-635"/>
+            <a:ext cx="10844530" cy="6670040"/>
+          </a:xfrm>
+          <a:prstGeom prst="rect">
+            <a:avLst/>
+          </a:prstGeom>
+        </p:spPr>
+      </p:pic>
+      <p:sp>
+        <p:nvSpPr>
+          <p:cNvPr id="5" name="文本框 4"/>
+          <p:cNvSpPr txBox="1"/>
+          <p:nvPr/>
+        </p:nvSpPr>
+        <p:spPr>
+          <a:xfrm>
+            <a:off x="3211830" y="6376670"/>
+            <a:ext cx="5780405" cy="386715"/>
+          </a:xfrm>
+          <a:prstGeom prst="rect">
+            <a:avLst/>
+          </a:prstGeom>
+          <a:noFill/>
+        </p:spPr>
+        <p:txBody>
+          <a:bodyPr wrap="square" rtlCol="0">
+            <a:spAutoFit/>
+          </a:bodyPr>
+          <a:p>
+            <a:pPr algn="ctr"/>
+            <a:r>
+              <a:rPr lang="zh-CN" altLang="en-US">
+                <a:latin typeface="Microsoft JhengHei" panose="020B0604030504040204" charset="-120"/>
+                <a:ea typeface="Microsoft JhengHei" panose="020B0604030504040204" charset="-120"/>
+              </a:rPr>
+              <a:t>医生端原型设计稿概览</a:t>
+            </a:r>
+            <a:endParaRPr lang="zh-CN" altLang="en-US">
+              <a:latin typeface="Microsoft JhengHei" panose="020B0604030504040204" charset="-120"/>
+              <a:ea typeface="Microsoft JhengHei" panose="020B0604030504040204" charset="-120"/>
+            </a:endParaRPr>
+          </a:p>
+        </p:txBody>
+      </p:sp>
+    </p:spTree>
+  </p:cSld>
+  <p:clrMapOvr>
+    <a:masterClrMapping/>
+  </p:clrMapOvr>
+  <p:transition>
+    <p:fade/>
+  </p:transition>
+</p:sld>
+</file>
+
+<file path=ppt/slides/slide13.xml><?xml version="1.0" encoding="utf-8"?>
+<p:sld xmlns:a="http://schemas.openxmlformats.org/drawingml/2006/main" xmlns:r="http://schemas.openxmlformats.org/officeDocument/2006/relationships" xmlns:p="http://schemas.openxmlformats.org/presentationml/2006/main">
+  <p:cSld>
     <p:spTree>
       <p:nvGrpSpPr>
         <p:cNvPr id="1" name=""/>
@@ -2916,6 +3581,3586 @@
   </p:cSld>
   <p:clrMapOvr>
     <a:masterClrMapping/>
+  </p:clrMapOvr>
+  <p:transition>
+    <p:fade/>
+  </p:transition>
+</p:sld>
+</file>
+
+<file path=ppt/slides/slide14.xml><?xml version="1.0" encoding="utf-8"?>
+<p:sld xmlns:a="http://schemas.openxmlformats.org/drawingml/2006/main" xmlns:r="http://schemas.openxmlformats.org/officeDocument/2006/relationships" xmlns:p="http://schemas.openxmlformats.org/presentationml/2006/main">
+  <p:cSld>
+    <p:spTree>
+      <p:nvGrpSpPr>
+        <p:cNvPr id="1" name=""/>
+        <p:cNvGrpSpPr/>
+        <p:nvPr/>
+      </p:nvGrpSpPr>
+      <p:grpSpPr/>
+      <p:pic>
+        <p:nvPicPr>
+          <p:cNvPr id="5" name="图片 4" descr="大学生活动中心"/>
+          <p:cNvPicPr>
+            <a:picLocks noChangeAspect="1"/>
+          </p:cNvPicPr>
+          <p:nvPr/>
+        </p:nvPicPr>
+        <p:blipFill>
+          <a:blip r:embed="rId1"/>
+          <a:stretch>
+            <a:fillRect/>
+          </a:stretch>
+        </p:blipFill>
+        <p:spPr>
+          <a:xfrm>
+            <a:off x="-16510" y="-9525"/>
+            <a:ext cx="12225655" cy="6877050"/>
+          </a:xfrm>
+          <a:prstGeom prst="rect">
+            <a:avLst/>
+          </a:prstGeom>
+        </p:spPr>
+      </p:pic>
+      <p:pic>
+        <p:nvPicPr>
+          <p:cNvPr id="2" name="图片 1" descr="设计"/>
+          <p:cNvPicPr>
+            <a:picLocks noChangeAspect="1"/>
+          </p:cNvPicPr>
+          <p:nvPr/>
+        </p:nvPicPr>
+        <p:blipFill>
+          <a:blip r:embed="rId2"/>
+          <a:stretch>
+            <a:fillRect/>
+          </a:stretch>
+        </p:blipFill>
+        <p:spPr>
+          <a:xfrm>
+            <a:off x="490855" y="445770"/>
+            <a:ext cx="337820" cy="337820"/>
+          </a:xfrm>
+          <a:prstGeom prst="rect">
+            <a:avLst/>
+          </a:prstGeom>
+        </p:spPr>
+      </p:pic>
+      <p:sp>
+        <p:nvSpPr>
+          <p:cNvPr id="14" name="文本框 13"/>
+          <p:cNvSpPr txBox="1"/>
+          <p:nvPr/>
+        </p:nvSpPr>
+        <p:spPr>
+          <a:xfrm>
+            <a:off x="904240" y="421640"/>
+            <a:ext cx="1346835" cy="386715"/>
+          </a:xfrm>
+          <a:prstGeom prst="rect">
+            <a:avLst/>
+          </a:prstGeom>
+          <a:noFill/>
+        </p:spPr>
+        <p:txBody>
+          <a:bodyPr wrap="square" rtlCol="0" anchor="t">
+            <a:spAutoFit/>
+          </a:bodyPr>
+          <a:p>
+            <a:r>
+              <a:rPr lang="zh-CN" altLang="en-US" b="1">
+                <a:solidFill>
+                  <a:schemeClr val="bg1"/>
+                </a:solidFill>
+                <a:latin typeface="Microsoft JhengHei" panose="020B0604030504040204" charset="-120"/>
+                <a:ea typeface="Microsoft JhengHei" panose="020B0604030504040204" charset="-120"/>
+                <a:sym typeface="+mn-ea"/>
+              </a:rPr>
+              <a:t>功能点总结</a:t>
+            </a:r>
+            <a:endParaRPr lang="zh-CN" altLang="en-US" b="1">
+              <a:solidFill>
+                <a:schemeClr val="bg1"/>
+              </a:solidFill>
+              <a:latin typeface="Microsoft JhengHei" panose="020B0604030504040204" charset="-120"/>
+              <a:ea typeface="Microsoft JhengHei" panose="020B0604030504040204" charset="-120"/>
+              <a:sym typeface="+mn-ea"/>
+            </a:endParaRPr>
+          </a:p>
+        </p:txBody>
+      </p:sp>
+      <p:sp>
+        <p:nvSpPr>
+          <p:cNvPr id="15" name="文本框 14"/>
+          <p:cNvSpPr txBox="1"/>
+          <p:nvPr/>
+        </p:nvSpPr>
+        <p:spPr>
+          <a:xfrm>
+            <a:off x="2035810" y="1863725"/>
+            <a:ext cx="3396615" cy="2473325"/>
+          </a:xfrm>
+          <a:prstGeom prst="rect">
+            <a:avLst/>
+          </a:prstGeom>
+          <a:noFill/>
+        </p:spPr>
+        <p:txBody>
+          <a:bodyPr wrap="square" rtlCol="0" anchor="t">
+            <a:spAutoFit/>
+          </a:bodyPr>
+          <a:p>
+            <a:pPr algn="l"/>
+            <a:r>
+              <a:rPr lang="zh-CN" altLang="en-US" sz="2400" b="1">
+                <a:solidFill>
+                  <a:schemeClr val="bg1"/>
+                </a:solidFill>
+                <a:latin typeface="Microsoft JhengHei" panose="020B0604030504040204" charset="-120"/>
+                <a:ea typeface="Microsoft JhengHei" panose="020B0604030504040204" charset="-120"/>
+                <a:sym typeface="+mn-ea"/>
+              </a:rPr>
+              <a:t>患者端</a:t>
+            </a:r>
+            <a:endParaRPr lang="zh-CN" altLang="en-US" sz="2400" b="1">
+              <a:solidFill>
+                <a:schemeClr val="bg1"/>
+              </a:solidFill>
+              <a:latin typeface="Microsoft JhengHei" panose="020B0604030504040204" charset="-120"/>
+              <a:ea typeface="Microsoft JhengHei" panose="020B0604030504040204" charset="-120"/>
+              <a:sym typeface="+mn-ea"/>
+            </a:endParaRPr>
+          </a:p>
+          <a:p>
+            <a:pPr marL="285750" indent="-285750" algn="l">
+              <a:buFont typeface="Arial" panose="020B0604020202020204" pitchFamily="34" charset="0"/>
+              <a:buChar char="•"/>
+            </a:pPr>
+            <a:endParaRPr lang="zh-CN" altLang="en-US">
+              <a:solidFill>
+                <a:schemeClr val="bg1"/>
+              </a:solidFill>
+              <a:latin typeface="Microsoft JhengHei" panose="020B0604030504040204" charset="-120"/>
+              <a:ea typeface="Microsoft JhengHei" panose="020B0604030504040204" charset="-120"/>
+              <a:sym typeface="+mn-ea"/>
+            </a:endParaRPr>
+          </a:p>
+          <a:p>
+            <a:pPr marL="285750" indent="-285750" algn="l">
+              <a:lnSpc>
+                <a:spcPct val="125000"/>
+              </a:lnSpc>
+              <a:spcBef>
+                <a:spcPts val="0"/>
+              </a:spcBef>
+              <a:spcAft>
+                <a:spcPts val="0"/>
+              </a:spcAft>
+              <a:buFont typeface="Arial" panose="020B0604020202020204" pitchFamily="34" charset="0"/>
+              <a:buChar char="•"/>
+            </a:pPr>
+            <a:r>
+              <a:rPr lang="zh-CN" altLang="en-US">
+                <a:solidFill>
+                  <a:schemeClr val="bg1"/>
+                </a:solidFill>
+                <a:latin typeface="Microsoft JhengHei" panose="020B0604030504040204" charset="-120"/>
+                <a:ea typeface="Microsoft JhengHei" panose="020B0604030504040204" charset="-120"/>
+                <a:sym typeface="+mn-ea"/>
+              </a:rPr>
+              <a:t>登陆、注册、修改个人信息</a:t>
+            </a:r>
+            <a:endParaRPr lang="zh-CN" altLang="en-US">
+              <a:solidFill>
+                <a:schemeClr val="bg1"/>
+              </a:solidFill>
+              <a:latin typeface="Microsoft JhengHei" panose="020B0604030504040204" charset="-120"/>
+              <a:ea typeface="Microsoft JhengHei" panose="020B0604030504040204" charset="-120"/>
+              <a:sym typeface="+mn-ea"/>
+            </a:endParaRPr>
+          </a:p>
+          <a:p>
+            <a:pPr marL="285750" indent="-285750" algn="l">
+              <a:lnSpc>
+                <a:spcPct val="125000"/>
+              </a:lnSpc>
+              <a:spcBef>
+                <a:spcPts val="0"/>
+              </a:spcBef>
+              <a:spcAft>
+                <a:spcPts val="0"/>
+              </a:spcAft>
+              <a:buFont typeface="Arial" panose="020B0604020202020204" pitchFamily="34" charset="0"/>
+              <a:buChar char="•"/>
+            </a:pPr>
+            <a:r>
+              <a:rPr lang="zh-CN" altLang="en-US">
+                <a:solidFill>
+                  <a:schemeClr val="bg1"/>
+                </a:solidFill>
+                <a:latin typeface="Microsoft JhengHei" panose="020B0604030504040204" charset="-120"/>
+                <a:ea typeface="Microsoft JhengHei" panose="020B0604030504040204" charset="-120"/>
+                <a:sym typeface="+mn-ea"/>
+              </a:rPr>
+              <a:t>在线问诊、实时聊天</a:t>
+            </a:r>
+            <a:endParaRPr lang="zh-CN" altLang="en-US">
+              <a:solidFill>
+                <a:schemeClr val="bg1"/>
+              </a:solidFill>
+              <a:latin typeface="Microsoft JhengHei" panose="020B0604030504040204" charset="-120"/>
+              <a:ea typeface="Microsoft JhengHei" panose="020B0604030504040204" charset="-120"/>
+              <a:sym typeface="+mn-ea"/>
+            </a:endParaRPr>
+          </a:p>
+          <a:p>
+            <a:pPr marL="285750" indent="-285750" algn="l">
+              <a:lnSpc>
+                <a:spcPct val="125000"/>
+              </a:lnSpc>
+              <a:spcBef>
+                <a:spcPts val="0"/>
+              </a:spcBef>
+              <a:spcAft>
+                <a:spcPts val="0"/>
+              </a:spcAft>
+              <a:buFont typeface="Arial" panose="020B0604020202020204" pitchFamily="34" charset="0"/>
+              <a:buChar char="•"/>
+            </a:pPr>
+            <a:r>
+              <a:rPr lang="zh-CN" altLang="en-US">
+                <a:solidFill>
+                  <a:schemeClr val="bg1"/>
+                </a:solidFill>
+                <a:latin typeface="Microsoft JhengHei" panose="020B0604030504040204" charset="-120"/>
+                <a:ea typeface="Microsoft JhengHei" panose="020B0604030504040204" charset="-120"/>
+                <a:sym typeface="+mn-ea"/>
+              </a:rPr>
+              <a:t>查看处方</a:t>
+            </a:r>
+            <a:endParaRPr lang="zh-CN" altLang="en-US">
+              <a:solidFill>
+                <a:schemeClr val="bg1"/>
+              </a:solidFill>
+              <a:latin typeface="Microsoft JhengHei" panose="020B0604030504040204" charset="-120"/>
+              <a:ea typeface="Microsoft JhengHei" panose="020B0604030504040204" charset="-120"/>
+              <a:sym typeface="+mn-ea"/>
+            </a:endParaRPr>
+          </a:p>
+          <a:p>
+            <a:pPr marL="285750" indent="-285750" algn="l">
+              <a:lnSpc>
+                <a:spcPct val="125000"/>
+              </a:lnSpc>
+              <a:spcBef>
+                <a:spcPts val="0"/>
+              </a:spcBef>
+              <a:spcAft>
+                <a:spcPts val="0"/>
+              </a:spcAft>
+              <a:buFont typeface="Arial" panose="020B0604020202020204" pitchFamily="34" charset="0"/>
+              <a:buChar char="•"/>
+            </a:pPr>
+            <a:r>
+              <a:rPr lang="zh-CN" altLang="en-US">
+                <a:solidFill>
+                  <a:schemeClr val="bg1"/>
+                </a:solidFill>
+                <a:latin typeface="Microsoft JhengHei" panose="020B0604030504040204" charset="-120"/>
+                <a:ea typeface="Microsoft JhengHei" panose="020B0604030504040204" charset="-120"/>
+                <a:sym typeface="+mn-ea"/>
+              </a:rPr>
+              <a:t>问诊历史</a:t>
+            </a:r>
+            <a:endParaRPr lang="zh-CN" altLang="en-US">
+              <a:solidFill>
+                <a:schemeClr val="bg1"/>
+              </a:solidFill>
+              <a:latin typeface="Microsoft JhengHei" panose="020B0604030504040204" charset="-120"/>
+              <a:ea typeface="Microsoft JhengHei" panose="020B0604030504040204" charset="-120"/>
+              <a:sym typeface="+mn-ea"/>
+            </a:endParaRPr>
+          </a:p>
+          <a:p>
+            <a:pPr marL="285750" indent="-285750" algn="l">
+              <a:lnSpc>
+                <a:spcPct val="125000"/>
+              </a:lnSpc>
+              <a:spcBef>
+                <a:spcPts val="0"/>
+              </a:spcBef>
+              <a:spcAft>
+                <a:spcPts val="0"/>
+              </a:spcAft>
+              <a:buFont typeface="Arial" panose="020B0604020202020204" pitchFamily="34" charset="0"/>
+              <a:buChar char="•"/>
+            </a:pPr>
+            <a:r>
+              <a:rPr lang="zh-CN" altLang="en-US">
+                <a:solidFill>
+                  <a:schemeClr val="bg1"/>
+                </a:solidFill>
+                <a:latin typeface="Microsoft JhengHei" panose="020B0604030504040204" charset="-120"/>
+                <a:ea typeface="Microsoft JhengHei" panose="020B0604030504040204" charset="-120"/>
+                <a:sym typeface="+mn-ea"/>
+              </a:rPr>
+              <a:t>在线支付</a:t>
+            </a:r>
+            <a:endParaRPr lang="zh-CN" altLang="en-US">
+              <a:solidFill>
+                <a:schemeClr val="bg1"/>
+              </a:solidFill>
+              <a:latin typeface="Microsoft JhengHei" panose="020B0604030504040204" charset="-120"/>
+              <a:ea typeface="Microsoft JhengHei" panose="020B0604030504040204" charset="-120"/>
+              <a:sym typeface="+mn-ea"/>
+            </a:endParaRPr>
+          </a:p>
+        </p:txBody>
+      </p:sp>
+      <p:sp>
+        <p:nvSpPr>
+          <p:cNvPr id="16" name="文本框 15"/>
+          <p:cNvSpPr txBox="1"/>
+          <p:nvPr/>
+        </p:nvSpPr>
+        <p:spPr>
+          <a:xfrm>
+            <a:off x="6968490" y="1863725"/>
+            <a:ext cx="3396615" cy="2473325"/>
+          </a:xfrm>
+          <a:prstGeom prst="rect">
+            <a:avLst/>
+          </a:prstGeom>
+          <a:noFill/>
+        </p:spPr>
+        <p:txBody>
+          <a:bodyPr wrap="square" rtlCol="0" anchor="t">
+            <a:spAutoFit/>
+          </a:bodyPr>
+          <a:p>
+            <a:pPr algn="l"/>
+            <a:r>
+              <a:rPr lang="zh-CN" altLang="en-US" sz="2400" b="1">
+                <a:solidFill>
+                  <a:schemeClr val="bg1"/>
+                </a:solidFill>
+                <a:latin typeface="Microsoft JhengHei" panose="020B0604030504040204" charset="-120"/>
+                <a:ea typeface="Microsoft JhengHei" panose="020B0604030504040204" charset="-120"/>
+                <a:sym typeface="+mn-ea"/>
+              </a:rPr>
+              <a:t>医生</a:t>
+            </a:r>
+            <a:r>
+              <a:rPr lang="zh-CN" altLang="en-US" sz="2400" b="1">
+                <a:solidFill>
+                  <a:schemeClr val="bg1"/>
+                </a:solidFill>
+                <a:latin typeface="Microsoft JhengHei" panose="020B0604030504040204" charset="-120"/>
+                <a:ea typeface="Microsoft JhengHei" panose="020B0604030504040204" charset="-120"/>
+                <a:sym typeface="+mn-ea"/>
+              </a:rPr>
+              <a:t>端</a:t>
+            </a:r>
+            <a:endParaRPr lang="zh-CN" altLang="en-US" sz="2400" b="1">
+              <a:solidFill>
+                <a:schemeClr val="bg1"/>
+              </a:solidFill>
+              <a:latin typeface="Microsoft JhengHei" panose="020B0604030504040204" charset="-120"/>
+              <a:ea typeface="Microsoft JhengHei" panose="020B0604030504040204" charset="-120"/>
+              <a:sym typeface="+mn-ea"/>
+            </a:endParaRPr>
+          </a:p>
+          <a:p>
+            <a:pPr marL="285750" indent="-285750" algn="l">
+              <a:buFont typeface="Arial" panose="020B0604020202020204" pitchFamily="34" charset="0"/>
+              <a:buChar char="•"/>
+            </a:pPr>
+            <a:endParaRPr lang="zh-CN" altLang="en-US">
+              <a:solidFill>
+                <a:schemeClr val="bg1"/>
+              </a:solidFill>
+              <a:latin typeface="Microsoft JhengHei" panose="020B0604030504040204" charset="-120"/>
+              <a:ea typeface="Microsoft JhengHei" panose="020B0604030504040204" charset="-120"/>
+              <a:sym typeface="+mn-ea"/>
+            </a:endParaRPr>
+          </a:p>
+          <a:p>
+            <a:pPr marL="285750" indent="-285750" algn="l">
+              <a:lnSpc>
+                <a:spcPct val="125000"/>
+              </a:lnSpc>
+              <a:spcBef>
+                <a:spcPts val="0"/>
+              </a:spcBef>
+              <a:spcAft>
+                <a:spcPts val="0"/>
+              </a:spcAft>
+              <a:buFont typeface="Arial" panose="020B0604020202020204" pitchFamily="34" charset="0"/>
+              <a:buChar char="•"/>
+            </a:pPr>
+            <a:r>
+              <a:rPr lang="zh-CN" altLang="en-US">
+                <a:solidFill>
+                  <a:schemeClr val="bg1"/>
+                </a:solidFill>
+                <a:latin typeface="Microsoft JhengHei" panose="020B0604030504040204" charset="-120"/>
+                <a:ea typeface="Microsoft JhengHei" panose="020B0604030504040204" charset="-120"/>
+                <a:sym typeface="+mn-ea"/>
+              </a:rPr>
+              <a:t>登陆、修改个人信息</a:t>
+            </a:r>
+            <a:endParaRPr lang="zh-CN" altLang="en-US">
+              <a:solidFill>
+                <a:schemeClr val="bg1"/>
+              </a:solidFill>
+              <a:latin typeface="Microsoft JhengHei" panose="020B0604030504040204" charset="-120"/>
+              <a:ea typeface="Microsoft JhengHei" panose="020B0604030504040204" charset="-120"/>
+              <a:sym typeface="+mn-ea"/>
+            </a:endParaRPr>
+          </a:p>
+          <a:p>
+            <a:pPr marL="285750" indent="-285750" algn="l">
+              <a:lnSpc>
+                <a:spcPct val="125000"/>
+              </a:lnSpc>
+              <a:spcBef>
+                <a:spcPts val="0"/>
+              </a:spcBef>
+              <a:spcAft>
+                <a:spcPts val="0"/>
+              </a:spcAft>
+              <a:buFont typeface="Arial" panose="020B0604020202020204" pitchFamily="34" charset="0"/>
+              <a:buChar char="•"/>
+            </a:pPr>
+            <a:r>
+              <a:rPr lang="zh-CN" altLang="en-US">
+                <a:solidFill>
+                  <a:schemeClr val="bg1"/>
+                </a:solidFill>
+                <a:latin typeface="Microsoft JhengHei" panose="020B0604030504040204" charset="-120"/>
+                <a:ea typeface="Microsoft JhengHei" panose="020B0604030504040204" charset="-120"/>
+                <a:sym typeface="+mn-ea"/>
+              </a:rPr>
+              <a:t>在线问诊、实时聊天</a:t>
+            </a:r>
+            <a:endParaRPr lang="zh-CN" altLang="en-US">
+              <a:solidFill>
+                <a:schemeClr val="bg1"/>
+              </a:solidFill>
+              <a:latin typeface="Microsoft JhengHei" panose="020B0604030504040204" charset="-120"/>
+              <a:ea typeface="Microsoft JhengHei" panose="020B0604030504040204" charset="-120"/>
+              <a:sym typeface="+mn-ea"/>
+            </a:endParaRPr>
+          </a:p>
+          <a:p>
+            <a:pPr marL="285750" indent="-285750" algn="l">
+              <a:lnSpc>
+                <a:spcPct val="125000"/>
+              </a:lnSpc>
+              <a:spcBef>
+                <a:spcPts val="0"/>
+              </a:spcBef>
+              <a:spcAft>
+                <a:spcPts val="0"/>
+              </a:spcAft>
+              <a:buFont typeface="Arial" panose="020B0604020202020204" pitchFamily="34" charset="0"/>
+              <a:buChar char="•"/>
+            </a:pPr>
+            <a:r>
+              <a:rPr lang="zh-CN" altLang="en-US">
+                <a:solidFill>
+                  <a:schemeClr val="bg1"/>
+                </a:solidFill>
+                <a:latin typeface="Microsoft JhengHei" panose="020B0604030504040204" charset="-120"/>
+                <a:ea typeface="Microsoft JhengHei" panose="020B0604030504040204" charset="-120"/>
+                <a:sym typeface="+mn-ea"/>
+              </a:rPr>
+              <a:t>开具处方</a:t>
+            </a:r>
+            <a:endParaRPr lang="zh-CN" altLang="en-US">
+              <a:solidFill>
+                <a:schemeClr val="bg1"/>
+              </a:solidFill>
+              <a:latin typeface="Microsoft JhengHei" panose="020B0604030504040204" charset="-120"/>
+              <a:ea typeface="Microsoft JhengHei" panose="020B0604030504040204" charset="-120"/>
+              <a:sym typeface="+mn-ea"/>
+            </a:endParaRPr>
+          </a:p>
+          <a:p>
+            <a:pPr marL="285750" indent="-285750" algn="l">
+              <a:lnSpc>
+                <a:spcPct val="125000"/>
+              </a:lnSpc>
+              <a:spcBef>
+                <a:spcPts val="0"/>
+              </a:spcBef>
+              <a:spcAft>
+                <a:spcPts val="0"/>
+              </a:spcAft>
+              <a:buFont typeface="Arial" panose="020B0604020202020204" pitchFamily="34" charset="0"/>
+              <a:buChar char="•"/>
+            </a:pPr>
+            <a:r>
+              <a:rPr lang="zh-CN" altLang="en-US">
+                <a:solidFill>
+                  <a:schemeClr val="bg1"/>
+                </a:solidFill>
+                <a:latin typeface="Microsoft JhengHei" panose="020B0604030504040204" charset="-120"/>
+                <a:ea typeface="Microsoft JhengHei" panose="020B0604030504040204" charset="-120"/>
+                <a:sym typeface="+mn-ea"/>
+              </a:rPr>
+              <a:t>问诊历史</a:t>
+            </a:r>
+            <a:endParaRPr lang="zh-CN" altLang="en-US">
+              <a:solidFill>
+                <a:schemeClr val="bg1"/>
+              </a:solidFill>
+              <a:latin typeface="Microsoft JhengHei" panose="020B0604030504040204" charset="-120"/>
+              <a:ea typeface="Microsoft JhengHei" panose="020B0604030504040204" charset="-120"/>
+              <a:sym typeface="+mn-ea"/>
+            </a:endParaRPr>
+          </a:p>
+          <a:p>
+            <a:pPr marL="285750" indent="-285750" algn="l">
+              <a:lnSpc>
+                <a:spcPct val="125000"/>
+              </a:lnSpc>
+              <a:spcBef>
+                <a:spcPts val="0"/>
+              </a:spcBef>
+              <a:spcAft>
+                <a:spcPts val="0"/>
+              </a:spcAft>
+              <a:buFont typeface="Arial" panose="020B0604020202020204" pitchFamily="34" charset="0"/>
+              <a:buChar char="•"/>
+            </a:pPr>
+            <a:r>
+              <a:rPr lang="zh-CN" altLang="en-US">
+                <a:solidFill>
+                  <a:schemeClr val="bg1"/>
+                </a:solidFill>
+                <a:latin typeface="Microsoft JhengHei" panose="020B0604030504040204" charset="-120"/>
+                <a:ea typeface="Microsoft JhengHei" panose="020B0604030504040204" charset="-120"/>
+                <a:sym typeface="+mn-ea"/>
+              </a:rPr>
+              <a:t>药品库管理</a:t>
+            </a:r>
+            <a:endParaRPr lang="zh-CN" altLang="en-US">
+              <a:solidFill>
+                <a:schemeClr val="bg1"/>
+              </a:solidFill>
+              <a:latin typeface="Microsoft JhengHei" panose="020B0604030504040204" charset="-120"/>
+              <a:ea typeface="Microsoft JhengHei" panose="020B0604030504040204" charset="-120"/>
+              <a:sym typeface="+mn-ea"/>
+            </a:endParaRPr>
+          </a:p>
+        </p:txBody>
+      </p:sp>
+      <p:sp>
+        <p:nvSpPr>
+          <p:cNvPr id="17" name="文本框 16"/>
+          <p:cNvSpPr txBox="1"/>
+          <p:nvPr/>
+        </p:nvSpPr>
+        <p:spPr>
+          <a:xfrm>
+            <a:off x="2035810" y="5226685"/>
+            <a:ext cx="5944235" cy="386715"/>
+          </a:xfrm>
+          <a:prstGeom prst="rect">
+            <a:avLst/>
+          </a:prstGeom>
+          <a:noFill/>
+        </p:spPr>
+        <p:txBody>
+          <a:bodyPr wrap="square" rtlCol="0" anchor="t">
+            <a:spAutoFit/>
+          </a:bodyPr>
+          <a:p>
+            <a:r>
+              <a:rPr lang="zh-CN" altLang="en-US">
+                <a:solidFill>
+                  <a:schemeClr val="bg1"/>
+                </a:solidFill>
+                <a:latin typeface="Microsoft JhengHei" panose="020B0604030504040204" charset="-120"/>
+                <a:ea typeface="Microsoft JhengHei" panose="020B0604030504040204" charset="-120"/>
+                <a:sym typeface="+mn-ea"/>
+              </a:rPr>
+              <a:t>计划</a:t>
+            </a:r>
+            <a:r>
+              <a:rPr lang="zh-CN" altLang="en-US">
+                <a:solidFill>
+                  <a:schemeClr val="bg1"/>
+                </a:solidFill>
+                <a:latin typeface="Microsoft JhengHei" panose="020B0604030504040204" charset="-120"/>
+                <a:ea typeface="Microsoft JhengHei" panose="020B0604030504040204" charset="-120"/>
+                <a:sym typeface="+mn-ea"/>
+              </a:rPr>
+              <a:t>加入的功能：药品配送系统，配送员接单、送单等</a:t>
+            </a:r>
+            <a:endParaRPr lang="zh-CN" altLang="en-US">
+              <a:solidFill>
+                <a:schemeClr val="bg1"/>
+              </a:solidFill>
+              <a:latin typeface="Microsoft JhengHei" panose="020B0604030504040204" charset="-120"/>
+              <a:ea typeface="Microsoft JhengHei" panose="020B0604030504040204" charset="-120"/>
+              <a:sym typeface="+mn-ea"/>
+            </a:endParaRPr>
+          </a:p>
+        </p:txBody>
+      </p:sp>
+    </p:spTree>
+  </p:cSld>
+  <p:clrMapOvr>
+    <a:masterClrMapping/>
+  </p:clrMapOvr>
+  <p:transition>
+    <p:fade/>
+  </p:transition>
+  <p:timing>
+    <p:tnLst>
+      <p:par>
+        <p:cTn id="1" dur="indefinite" restart="never" nodeType="tmRoot"/>
+      </p:par>
+    </p:tnLst>
+  </p:timing>
+</p:sld>
+</file>
+
+<file path=ppt/slides/slide15.xml><?xml version="1.0" encoding="utf-8"?>
+<p:sld xmlns:a="http://schemas.openxmlformats.org/drawingml/2006/main" xmlns:r="http://schemas.openxmlformats.org/officeDocument/2006/relationships" xmlns:p="http://schemas.openxmlformats.org/presentationml/2006/main">
+  <p:cSld>
+    <p:spTree>
+      <p:nvGrpSpPr>
+        <p:cNvPr id="1" name=""/>
+        <p:cNvGrpSpPr/>
+        <p:nvPr/>
+      </p:nvGrpSpPr>
+      <p:grpSpPr/>
+      <p:pic>
+        <p:nvPicPr>
+          <p:cNvPr id="5" name="图片 4" descr="大学生活动中心"/>
+          <p:cNvPicPr>
+            <a:picLocks noChangeAspect="1"/>
+          </p:cNvPicPr>
+          <p:nvPr/>
+        </p:nvPicPr>
+        <p:blipFill>
+          <a:blip r:embed="rId1"/>
+          <a:stretch>
+            <a:fillRect/>
+          </a:stretch>
+        </p:blipFill>
+        <p:spPr>
+          <a:xfrm>
+            <a:off x="-16510" y="-9525"/>
+            <a:ext cx="12225655" cy="6877050"/>
+          </a:xfrm>
+          <a:prstGeom prst="rect">
+            <a:avLst/>
+          </a:prstGeom>
+        </p:spPr>
+      </p:pic>
+      <p:grpSp>
+        <p:nvGrpSpPr>
+          <p:cNvPr id="9" name="组合 8"/>
+          <p:cNvGrpSpPr/>
+          <p:nvPr/>
+        </p:nvGrpSpPr>
+        <p:grpSpPr>
+          <a:xfrm>
+            <a:off x="1456055" y="1819910"/>
+            <a:ext cx="1905000" cy="2987675"/>
+            <a:chOff x="2293" y="2866"/>
+            <a:chExt cx="3000" cy="4705"/>
+          </a:xfrm>
+          <a:effectLst/>
+        </p:grpSpPr>
+        <p:pic>
+          <p:nvPicPr>
+            <p:cNvPr id="4" name="图片 3" descr="流程"/>
+            <p:cNvPicPr>
+              <a:picLocks noChangeAspect="1"/>
+            </p:cNvPicPr>
+            <p:nvPr/>
+          </p:nvPicPr>
+          <p:blipFill>
+            <a:blip r:embed="rId2"/>
+            <a:stretch>
+              <a:fillRect/>
+            </a:stretch>
+          </p:blipFill>
+          <p:spPr>
+            <a:xfrm>
+              <a:off x="2293" y="2866"/>
+              <a:ext cx="3000" cy="3000"/>
+            </a:xfrm>
+            <a:prstGeom prst="rect">
+              <a:avLst/>
+            </a:prstGeom>
+          </p:spPr>
+        </p:pic>
+        <p:sp>
+          <p:nvSpPr>
+            <p:cNvPr id="10" name="文本框 9"/>
+            <p:cNvSpPr txBox="1"/>
+            <p:nvPr/>
+          </p:nvSpPr>
+          <p:spPr>
+            <a:xfrm>
+              <a:off x="2717" y="6227"/>
+              <a:ext cx="2151" cy="1344"/>
+            </a:xfrm>
+            <a:prstGeom prst="rect">
+              <a:avLst/>
+            </a:prstGeom>
+            <a:noFill/>
+            <a:effectLst>
+              <a:outerShdw blurRad="635000" dir="2700000" algn="tl" rotWithShape="0">
+                <a:prstClr val="black">
+                  <a:alpha val="40000"/>
+                </a:prstClr>
+              </a:outerShdw>
+            </a:effectLst>
+          </p:spPr>
+          <p:txBody>
+            <a:bodyPr wrap="square" rtlCol="0" anchor="t">
+              <a:spAutoFit/>
+            </a:bodyPr>
+            <a:p>
+              <a:pPr algn="ctr">
+                <a:lnSpc>
+                  <a:spcPct val="125000"/>
+                </a:lnSpc>
+                <a:spcBef>
+                  <a:spcPts val="0"/>
+                </a:spcBef>
+                <a:spcAft>
+                  <a:spcPts val="0"/>
+                </a:spcAft>
+                <a:buFont typeface="Arial" panose="020B0604020202020204" pitchFamily="34" charset="0"/>
+              </a:pPr>
+              <a:r>
+                <a:rPr lang="zh-CN" altLang="en-US" sz="4000" b="1">
+                  <a:solidFill>
+                    <a:schemeClr val="bg1"/>
+                  </a:solidFill>
+                  <a:latin typeface="Microsoft JhengHei" panose="020B0604030504040204" charset="-120"/>
+                  <a:ea typeface="Microsoft JhengHei" panose="020B0604030504040204" charset="-120"/>
+                  <a:sym typeface="+mn-ea"/>
+                </a:rPr>
+                <a:t>流程</a:t>
+              </a:r>
+              <a:endParaRPr lang="en-US" altLang="zh-CN" sz="3200">
+                <a:solidFill>
+                  <a:schemeClr val="bg1"/>
+                </a:solidFill>
+                <a:latin typeface="Microsoft JhengHei" panose="020B0604030504040204" charset="-120"/>
+                <a:ea typeface="宋体" panose="02010600030101010101" pitchFamily="2" charset="-122"/>
+                <a:sym typeface="+mn-ea"/>
+              </a:endParaRPr>
+            </a:p>
+          </p:txBody>
+        </p:sp>
+      </p:grpSp>
+      <p:grpSp>
+        <p:nvGrpSpPr>
+          <p:cNvPr id="11" name="组合 10"/>
+          <p:cNvGrpSpPr/>
+          <p:nvPr/>
+        </p:nvGrpSpPr>
+        <p:grpSpPr>
+          <a:xfrm>
+            <a:off x="4890135" y="1886585"/>
+            <a:ext cx="2411730" cy="2921000"/>
+            <a:chOff x="7701" y="2971"/>
+            <a:chExt cx="3798" cy="4600"/>
+          </a:xfrm>
+          <a:effectLst/>
+        </p:grpSpPr>
+        <p:pic>
+          <p:nvPicPr>
+            <p:cNvPr id="2" name="图片 1" descr="设计"/>
+            <p:cNvPicPr>
+              <a:picLocks noChangeAspect="1"/>
+            </p:cNvPicPr>
+            <p:nvPr/>
+          </p:nvPicPr>
+          <p:blipFill>
+            <a:blip r:embed="rId3"/>
+            <a:stretch>
+              <a:fillRect/>
+            </a:stretch>
+          </p:blipFill>
+          <p:spPr>
+            <a:xfrm>
+              <a:off x="8190" y="2971"/>
+              <a:ext cx="2790" cy="2790"/>
+            </a:xfrm>
+            <a:prstGeom prst="rect">
+              <a:avLst/>
+            </a:prstGeom>
+          </p:spPr>
+        </p:pic>
+        <p:sp>
+          <p:nvSpPr>
+            <p:cNvPr id="7" name="文本框 6"/>
+            <p:cNvSpPr txBox="1"/>
+            <p:nvPr/>
+          </p:nvSpPr>
+          <p:spPr>
+            <a:xfrm>
+              <a:off x="7701" y="6227"/>
+              <a:ext cx="3799" cy="1344"/>
+            </a:xfrm>
+            <a:prstGeom prst="rect">
+              <a:avLst/>
+            </a:prstGeom>
+            <a:noFill/>
+            <a:effectLst>
+              <a:outerShdw blurRad="635000" dir="2700000" algn="tl" rotWithShape="0">
+                <a:prstClr val="black">
+                  <a:alpha val="40000"/>
+                </a:prstClr>
+              </a:outerShdw>
+            </a:effectLst>
+          </p:spPr>
+          <p:txBody>
+            <a:bodyPr wrap="square" rtlCol="0" anchor="t">
+              <a:spAutoFit/>
+            </a:bodyPr>
+            <a:p>
+              <a:pPr algn="ctr">
+                <a:lnSpc>
+                  <a:spcPct val="125000"/>
+                </a:lnSpc>
+                <a:spcBef>
+                  <a:spcPts val="0"/>
+                </a:spcBef>
+                <a:spcAft>
+                  <a:spcPts val="0"/>
+                </a:spcAft>
+                <a:buFont typeface="Arial" panose="020B0604020202020204" pitchFamily="34" charset="0"/>
+              </a:pPr>
+              <a:r>
+                <a:rPr lang="zh-CN" altLang="en-US" sz="4000" b="1">
+                  <a:solidFill>
+                    <a:schemeClr val="bg1"/>
+                  </a:solidFill>
+                  <a:latin typeface="Microsoft JhengHei" panose="020B0604030504040204" charset="-120"/>
+                  <a:ea typeface="Microsoft JhengHei" panose="020B0604030504040204" charset="-120"/>
+                  <a:sym typeface="+mn-ea"/>
+                </a:rPr>
+                <a:t>原型设计</a:t>
+              </a:r>
+              <a:endParaRPr lang="en-US" altLang="zh-CN" sz="3200">
+                <a:solidFill>
+                  <a:schemeClr val="bg1"/>
+                </a:solidFill>
+                <a:latin typeface="Microsoft JhengHei" panose="020B0604030504040204" charset="-120"/>
+                <a:ea typeface="宋体" panose="02010600030101010101" pitchFamily="2" charset="-122"/>
+                <a:sym typeface="+mn-ea"/>
+              </a:endParaRPr>
+            </a:p>
+          </p:txBody>
+        </p:sp>
+      </p:grpSp>
+      <p:grpSp>
+        <p:nvGrpSpPr>
+          <p:cNvPr id="12" name="组合 11"/>
+          <p:cNvGrpSpPr/>
+          <p:nvPr/>
+        </p:nvGrpSpPr>
+        <p:grpSpPr>
+          <a:xfrm>
+            <a:off x="8783320" y="1819910"/>
+            <a:ext cx="2035810" cy="2987675"/>
+            <a:chOff x="13832" y="2866"/>
+            <a:chExt cx="3206" cy="4705"/>
+          </a:xfrm>
+          <a:effectLst/>
+        </p:grpSpPr>
+        <p:pic>
+          <p:nvPicPr>
+            <p:cNvPr id="3" name="图片 2" descr="技术"/>
+            <p:cNvPicPr>
+              <a:picLocks noChangeAspect="1"/>
+            </p:cNvPicPr>
+            <p:nvPr/>
+          </p:nvPicPr>
+          <p:blipFill>
+            <a:blip r:embed="rId4"/>
+            <a:stretch>
+              <a:fillRect/>
+            </a:stretch>
+          </p:blipFill>
+          <p:spPr>
+            <a:xfrm>
+              <a:off x="13832" y="2866"/>
+              <a:ext cx="3207" cy="3207"/>
+            </a:xfrm>
+            <a:prstGeom prst="rect">
+              <a:avLst/>
+            </a:prstGeom>
+          </p:spPr>
+        </p:pic>
+        <p:sp>
+          <p:nvSpPr>
+            <p:cNvPr id="8" name="文本框 7"/>
+            <p:cNvSpPr txBox="1"/>
+            <p:nvPr/>
+          </p:nvSpPr>
+          <p:spPr>
+            <a:xfrm>
+              <a:off x="13918" y="6227"/>
+              <a:ext cx="3035" cy="1344"/>
+            </a:xfrm>
+            <a:prstGeom prst="rect">
+              <a:avLst/>
+            </a:prstGeom>
+            <a:noFill/>
+            <a:effectLst>
+              <a:outerShdw blurRad="635000" dir="2700000" algn="tl" rotWithShape="0">
+                <a:prstClr val="black">
+                  <a:alpha val="40000"/>
+                </a:prstClr>
+              </a:outerShdw>
+            </a:effectLst>
+          </p:spPr>
+          <p:txBody>
+            <a:bodyPr wrap="square" rtlCol="0" anchor="t">
+              <a:spAutoFit/>
+            </a:bodyPr>
+            <a:p>
+              <a:pPr algn="ctr">
+                <a:lnSpc>
+                  <a:spcPct val="125000"/>
+                </a:lnSpc>
+                <a:spcBef>
+                  <a:spcPts val="0"/>
+                </a:spcBef>
+                <a:spcAft>
+                  <a:spcPts val="0"/>
+                </a:spcAft>
+                <a:buFont typeface="Arial" panose="020B0604020202020204" pitchFamily="34" charset="0"/>
+              </a:pPr>
+              <a:r>
+                <a:rPr lang="zh-CN" altLang="en-US" sz="4000" b="1">
+                  <a:solidFill>
+                    <a:schemeClr val="bg1"/>
+                  </a:solidFill>
+                  <a:latin typeface="Microsoft JhengHei" panose="020B0604030504040204" charset="-120"/>
+                  <a:ea typeface="Microsoft JhengHei" panose="020B0604030504040204" charset="-120"/>
+                  <a:sym typeface="+mn-ea"/>
+                </a:rPr>
+                <a:t>技术栈</a:t>
+              </a:r>
+              <a:endParaRPr lang="en-US" altLang="zh-CN" sz="3200">
+                <a:solidFill>
+                  <a:schemeClr val="bg1"/>
+                </a:solidFill>
+                <a:latin typeface="Microsoft JhengHei" panose="020B0604030504040204" charset="-120"/>
+                <a:ea typeface="宋体" panose="02010600030101010101" pitchFamily="2" charset="-122"/>
+                <a:sym typeface="+mn-ea"/>
+              </a:endParaRPr>
+            </a:p>
+          </p:txBody>
+        </p:sp>
+      </p:grpSp>
+    </p:spTree>
+  </p:cSld>
+  <p:clrMapOvr>
+    <a:masterClrMapping/>
+  </p:clrMapOvr>
+  <p:transition>
+    <p:fade/>
+  </p:transition>
+  <p:timing>
+    <p:tnLst>
+      <p:par>
+        <p:cTn id="1" dur="indefinite" restart="never" nodeType="tmRoot">
+          <p:childTnLst>
+            <p:seq concurrent="1" nextAc="seek">
+              <p:cTn id="2" dur="indefinite" nodeType="mainSeq">
+                <p:childTnLst>
+                  <p:par>
+                    <p:cTn id="3" fill="hold">
+                      <p:stCondLst>
+                        <p:cond delay="indefinite"/>
+                      </p:stCondLst>
+                      <p:childTnLst>
+                        <p:par>
+                          <p:cTn id="4" fill="hold">
+                            <p:stCondLst>
+                              <p:cond delay="0"/>
+                            </p:stCondLst>
+                            <p:childTnLst>
+                              <p:par>
+                                <p:cTn id="5" presetID="35" presetClass="path" presetSubtype="0" accel="50000" decel="50000" fill="hold" nodeType="clickEffect">
+                                  <p:stCondLst>
+                                    <p:cond delay="0"/>
+                                  </p:stCondLst>
+                                  <p:childTnLst>
+                                    <p:animMotion origin="layout" path="M 0.000000 0.000000 L -0.304375 0.000000 " pathEditMode="relative" rAng="0" ptsTypes="">
+                                      <p:cBhvr>
+                                        <p:cTn id="6" dur="1000" fill="hold"/>
+                                        <p:tgtEl>
+                                          <p:spTgt spid="12"/>
+                                        </p:tgtEl>
+                                        <p:attrNameLst>
+                                          <p:attrName>ppt_x</p:attrName>
+                                          <p:attrName>ppt_y</p:attrName>
+                                        </p:attrNameLst>
+                                      </p:cBhvr>
+                                      <p:rCtr x="-156" y="0"/>
+                                    </p:animMotion>
+                                  </p:childTnLst>
+                                </p:cTn>
+                              </p:par>
+                              <p:par>
+                                <p:cTn id="7" presetID="10" presetClass="exit" presetSubtype="0" fill="hold" nodeType="withEffect">
+                                  <p:stCondLst>
+                                    <p:cond delay="0"/>
+                                  </p:stCondLst>
+                                  <p:childTnLst>
+                                    <p:animEffect transition="out" filter="fade">
+                                      <p:cBhvr>
+                                        <p:cTn id="8" dur="500"/>
+                                        <p:tgtEl>
+                                          <p:spTgt spid="11"/>
+                                        </p:tgtEl>
+                                      </p:cBhvr>
+                                    </p:animEffect>
+                                    <p:set>
+                                      <p:cBhvr>
+                                        <p:cTn id="9" dur="1" fill="hold">
+                                          <p:stCondLst>
+                                            <p:cond delay="499"/>
+                                          </p:stCondLst>
+                                        </p:cTn>
+                                        <p:tgtEl>
+                                          <p:spTgt spid="11"/>
+                                        </p:tgtEl>
+                                        <p:attrNameLst>
+                                          <p:attrName>style.visibility</p:attrName>
+                                        </p:attrNameLst>
+                                      </p:cBhvr>
+                                      <p:to>
+                                        <p:strVal val="hidden"/>
+                                      </p:to>
+                                    </p:set>
+                                  </p:childTnLst>
+                                </p:cTn>
+                              </p:par>
+                              <p:par>
+                                <p:cTn id="10" presetID="10" presetClass="exit" presetSubtype="0" fill="hold" nodeType="withEffect">
+                                  <p:stCondLst>
+                                    <p:cond delay="0"/>
+                                  </p:stCondLst>
+                                  <p:childTnLst>
+                                    <p:animEffect transition="out" filter="fade">
+                                      <p:cBhvr>
+                                        <p:cTn id="11" dur="500"/>
+                                        <p:tgtEl>
+                                          <p:spTgt spid="9"/>
+                                        </p:tgtEl>
+                                      </p:cBhvr>
+                                    </p:animEffect>
+                                    <p:set>
+                                      <p:cBhvr>
+                                        <p:cTn id="12" dur="1" fill="hold">
+                                          <p:stCondLst>
+                                            <p:cond delay="499"/>
+                                          </p:stCondLst>
+                                        </p:cTn>
+                                        <p:tgtEl>
+                                          <p:spTgt spid="9"/>
+                                        </p:tgtEl>
+                                        <p:attrNameLst>
+                                          <p:attrName>style.visibility</p:attrName>
+                                        </p:attrNameLst>
+                                      </p:cBhvr>
+                                      <p:to>
+                                        <p:strVal val="hidden"/>
+                                      </p:to>
+                                    </p:set>
+                                  </p:childTnLst>
+                                </p:cTn>
+                              </p:par>
+                            </p:childTnLst>
+                          </p:cTn>
+                        </p:par>
+                      </p:childTnLst>
+                    </p:cTn>
+                  </p:par>
+                </p:childTnLst>
+              </p:cTn>
+              <p:prevCondLst>
+                <p:cond evt="onPrev" delay="0">
+                  <p:tgtEl>
+                    <p:sldTgt/>
+                  </p:tgtEl>
+                </p:cond>
+              </p:prevCondLst>
+              <p:nextCondLst>
+                <p:cond evt="onNext" delay="0">
+                  <p:tgtEl>
+                    <p:sldTgt/>
+                  </p:tgtEl>
+                </p:cond>
+              </p:nextCondLst>
+            </p:seq>
+          </p:childTnLst>
+        </p:cTn>
+      </p:par>
+    </p:tnLst>
+  </p:timing>
+</p:sld>
+</file>
+
+<file path=ppt/slides/slide16.xml><?xml version="1.0" encoding="utf-8"?>
+<p:sld xmlns:a="http://schemas.openxmlformats.org/drawingml/2006/main" xmlns:r="http://schemas.openxmlformats.org/officeDocument/2006/relationships" xmlns:p="http://schemas.openxmlformats.org/presentationml/2006/main">
+  <p:cSld>
+    <p:spTree>
+      <p:nvGrpSpPr>
+        <p:cNvPr id="1" name=""/>
+        <p:cNvGrpSpPr/>
+        <p:nvPr/>
+      </p:nvGrpSpPr>
+      <p:grpSpPr/>
+      <p:sp>
+        <p:nvSpPr>
+          <p:cNvPr id="2" name="文本框 1"/>
+          <p:cNvSpPr txBox="1"/>
+          <p:nvPr/>
+        </p:nvSpPr>
+        <p:spPr>
+          <a:xfrm>
+            <a:off x="496570" y="480060"/>
+            <a:ext cx="2485390" cy="484505"/>
+          </a:xfrm>
+          <a:prstGeom prst="rect">
+            <a:avLst/>
+          </a:prstGeom>
+          <a:noFill/>
+        </p:spPr>
+        <p:txBody>
+          <a:bodyPr wrap="square" rtlCol="0" anchor="t">
+            <a:spAutoFit/>
+          </a:bodyPr>
+          <a:p>
+            <a:r>
+              <a:rPr lang="zh-CN" altLang="en-US" sz="2400" b="1">
+                <a:latin typeface="Microsoft JhengHei" panose="020B0604030504040204" charset="-120"/>
+                <a:ea typeface="Microsoft JhengHei" panose="020B0604030504040204" charset="-120"/>
+                <a:sym typeface="+mn-ea"/>
+              </a:rPr>
+              <a:t>技术栈概览</a:t>
+            </a:r>
+            <a:endParaRPr lang="zh-CN" altLang="en-US" sz="2400" b="1">
+              <a:latin typeface="Microsoft JhengHei" panose="020B0604030504040204" charset="-120"/>
+              <a:ea typeface="Microsoft JhengHei" panose="020B0604030504040204" charset="-120"/>
+              <a:sym typeface="+mn-ea"/>
+            </a:endParaRPr>
+          </a:p>
+        </p:txBody>
+      </p:sp>
+      <p:grpSp>
+        <p:nvGrpSpPr>
+          <p:cNvPr id="28" name="组合 27"/>
+          <p:cNvGrpSpPr/>
+          <p:nvPr/>
+        </p:nvGrpSpPr>
+        <p:grpSpPr>
+          <a:xfrm>
+            <a:off x="864235" y="1649730"/>
+            <a:ext cx="1325880" cy="3873500"/>
+            <a:chOff x="1361" y="2598"/>
+            <a:chExt cx="2088" cy="6100"/>
+          </a:xfrm>
+        </p:grpSpPr>
+        <p:sp>
+          <p:nvSpPr>
+            <p:cNvPr id="3" name="文本框 2"/>
+            <p:cNvSpPr txBox="1"/>
+            <p:nvPr/>
+          </p:nvSpPr>
+          <p:spPr>
+            <a:xfrm>
+              <a:off x="1361" y="2598"/>
+              <a:ext cx="1368" cy="609"/>
+            </a:xfrm>
+            <a:prstGeom prst="rect">
+              <a:avLst/>
+            </a:prstGeom>
+            <a:noFill/>
+          </p:spPr>
+          <p:txBody>
+            <a:bodyPr wrap="none" rtlCol="0" anchor="t">
+              <a:spAutoFit/>
+            </a:bodyPr>
+            <a:p>
+              <a:pPr algn="ctr"/>
+              <a:r>
+                <a:rPr lang="zh-CN" altLang="en-US">
+                  <a:latin typeface="Microsoft JhengHei" panose="020B0604030504040204" charset="-120"/>
+                  <a:ea typeface="Microsoft JhengHei" panose="020B0604030504040204" charset="-120"/>
+                  <a:sym typeface="+mn-ea"/>
+                </a:rPr>
+                <a:t>前端</a:t>
+              </a:r>
+              <a:r>
+                <a:rPr lang="zh-CN" altLang="en-US">
+                  <a:latin typeface="Microsoft JhengHei" panose="020B0604030504040204" charset="-120"/>
+                  <a:ea typeface="Microsoft JhengHei" panose="020B0604030504040204" charset="-120"/>
+                  <a:sym typeface="+mn-ea"/>
+                </a:rPr>
+                <a:t>：</a:t>
+              </a:r>
+              <a:endParaRPr lang="zh-CN" altLang="en-US">
+                <a:latin typeface="Microsoft JhengHei" panose="020B0604030504040204" charset="-120"/>
+                <a:ea typeface="Microsoft JhengHei" panose="020B0604030504040204" charset="-120"/>
+                <a:sym typeface="+mn-ea"/>
+              </a:endParaRPr>
+            </a:p>
+          </p:txBody>
+        </p:sp>
+        <p:sp>
+          <p:nvSpPr>
+            <p:cNvPr id="8" name="文本框 7"/>
+            <p:cNvSpPr txBox="1"/>
+            <p:nvPr/>
+          </p:nvSpPr>
+          <p:spPr>
+            <a:xfrm>
+              <a:off x="1361" y="5344"/>
+              <a:ext cx="1368" cy="609"/>
+            </a:xfrm>
+            <a:prstGeom prst="rect">
+              <a:avLst/>
+            </a:prstGeom>
+            <a:noFill/>
+          </p:spPr>
+          <p:txBody>
+            <a:bodyPr wrap="none" rtlCol="0" anchor="t">
+              <a:spAutoFit/>
+            </a:bodyPr>
+            <a:p>
+              <a:pPr algn="ctr"/>
+              <a:r>
+                <a:rPr lang="zh-CN" altLang="en-US">
+                  <a:latin typeface="Microsoft JhengHei" panose="020B0604030504040204" charset="-120"/>
+                  <a:ea typeface="Microsoft JhengHei" panose="020B0604030504040204" charset="-120"/>
+                  <a:sym typeface="+mn-ea"/>
+                </a:rPr>
+                <a:t>后端</a:t>
+              </a:r>
+              <a:r>
+                <a:rPr lang="zh-CN" altLang="en-US">
+                  <a:latin typeface="Microsoft JhengHei" panose="020B0604030504040204" charset="-120"/>
+                  <a:ea typeface="Microsoft JhengHei" panose="020B0604030504040204" charset="-120"/>
+                  <a:sym typeface="+mn-ea"/>
+                </a:rPr>
+                <a:t>：</a:t>
+              </a:r>
+              <a:endParaRPr lang="zh-CN" altLang="en-US">
+                <a:latin typeface="Microsoft JhengHei" panose="020B0604030504040204" charset="-120"/>
+                <a:ea typeface="Microsoft JhengHei" panose="020B0604030504040204" charset="-120"/>
+                <a:sym typeface="+mn-ea"/>
+              </a:endParaRPr>
+            </a:p>
+          </p:txBody>
+        </p:sp>
+        <p:sp>
+          <p:nvSpPr>
+            <p:cNvPr id="9" name="文本框 8"/>
+            <p:cNvSpPr txBox="1"/>
+            <p:nvPr/>
+          </p:nvSpPr>
+          <p:spPr>
+            <a:xfrm>
+              <a:off x="1361" y="8090"/>
+              <a:ext cx="2088" cy="609"/>
+            </a:xfrm>
+            <a:prstGeom prst="rect">
+              <a:avLst/>
+            </a:prstGeom>
+            <a:noFill/>
+          </p:spPr>
+          <p:txBody>
+            <a:bodyPr wrap="none" rtlCol="0" anchor="t">
+              <a:spAutoFit/>
+            </a:bodyPr>
+            <a:p>
+              <a:pPr algn="ctr"/>
+              <a:r>
+                <a:rPr lang="zh-CN" altLang="en-US">
+                  <a:latin typeface="Microsoft JhengHei" panose="020B0604030504040204" charset="-120"/>
+                  <a:ea typeface="Microsoft JhengHei" panose="020B0604030504040204" charset="-120"/>
+                  <a:sym typeface="+mn-ea"/>
+                </a:rPr>
+                <a:t>实时通信</a:t>
+              </a:r>
+              <a:r>
+                <a:rPr lang="zh-CN" altLang="en-US">
+                  <a:latin typeface="Microsoft JhengHei" panose="020B0604030504040204" charset="-120"/>
+                  <a:ea typeface="Microsoft JhengHei" panose="020B0604030504040204" charset="-120"/>
+                  <a:sym typeface="+mn-ea"/>
+                </a:rPr>
+                <a:t>：</a:t>
+              </a:r>
+              <a:endParaRPr lang="zh-CN" altLang="en-US">
+                <a:latin typeface="Microsoft JhengHei" panose="020B0604030504040204" charset="-120"/>
+                <a:ea typeface="Microsoft JhengHei" panose="020B0604030504040204" charset="-120"/>
+                <a:sym typeface="+mn-ea"/>
+              </a:endParaRPr>
+            </a:p>
+          </p:txBody>
+        </p:sp>
+      </p:grpSp>
+      <p:pic>
+        <p:nvPicPr>
+          <p:cNvPr id="11" name="图片 10" descr="mysql"/>
+          <p:cNvPicPr>
+            <a:picLocks noChangeAspect="1"/>
+          </p:cNvPicPr>
+          <p:nvPr/>
+        </p:nvPicPr>
+        <p:blipFill>
+          <a:blip r:embed="rId1"/>
+          <a:srcRect l="19776" r="26460"/>
+          <a:stretch>
+            <a:fillRect/>
+          </a:stretch>
+        </p:blipFill>
+        <p:spPr>
+          <a:xfrm>
+            <a:off x="9594215" y="2771140"/>
+            <a:ext cx="2099310" cy="1772920"/>
+          </a:xfrm>
+          <a:prstGeom prst="rect">
+            <a:avLst/>
+          </a:prstGeom>
+        </p:spPr>
+      </p:pic>
+      <p:grpSp>
+        <p:nvGrpSpPr>
+          <p:cNvPr id="29" name="组合 28"/>
+          <p:cNvGrpSpPr/>
+          <p:nvPr/>
+        </p:nvGrpSpPr>
+        <p:grpSpPr>
+          <a:xfrm>
+            <a:off x="1433195" y="1231265"/>
+            <a:ext cx="4913630" cy="5165090"/>
+            <a:chOff x="2257" y="1939"/>
+            <a:chExt cx="7738" cy="8134"/>
+          </a:xfrm>
+        </p:grpSpPr>
+        <p:pic>
+          <p:nvPicPr>
+            <p:cNvPr id="7" name="图片 6" descr="node"/>
+            <p:cNvPicPr>
+              <a:picLocks noChangeAspect="1"/>
+            </p:cNvPicPr>
+            <p:nvPr/>
+          </p:nvPicPr>
+          <p:blipFill>
+            <a:blip r:embed="rId2"/>
+            <a:stretch>
+              <a:fillRect/>
+            </a:stretch>
+          </p:blipFill>
+          <p:spPr>
+            <a:xfrm>
+              <a:off x="2257" y="4310"/>
+              <a:ext cx="5664" cy="2573"/>
+            </a:xfrm>
+            <a:prstGeom prst="rect">
+              <a:avLst/>
+            </a:prstGeom>
+          </p:spPr>
+        </p:pic>
+        <p:pic>
+          <p:nvPicPr>
+            <p:cNvPr id="13" name="图片 12" descr="socket"/>
+            <p:cNvPicPr>
+              <a:picLocks noChangeAspect="1"/>
+            </p:cNvPicPr>
+            <p:nvPr/>
+          </p:nvPicPr>
+          <p:blipFill>
+            <a:blip r:embed="rId3"/>
+            <a:stretch>
+              <a:fillRect/>
+            </a:stretch>
+          </p:blipFill>
+          <p:spPr>
+            <a:xfrm>
+              <a:off x="2729" y="6773"/>
+              <a:ext cx="7267" cy="3300"/>
+            </a:xfrm>
+            <a:prstGeom prst="rect">
+              <a:avLst/>
+            </a:prstGeom>
+          </p:spPr>
+        </p:pic>
+        <p:grpSp>
+          <p:nvGrpSpPr>
+            <p:cNvPr id="20" name="组合 19"/>
+            <p:cNvGrpSpPr/>
+            <p:nvPr/>
+          </p:nvGrpSpPr>
+          <p:grpSpPr>
+            <a:xfrm>
+              <a:off x="2729" y="1939"/>
+              <a:ext cx="1892" cy="2208"/>
+              <a:chOff x="2729" y="1939"/>
+              <a:chExt cx="1892" cy="2208"/>
+            </a:xfrm>
+          </p:grpSpPr>
+          <p:pic>
+            <p:nvPicPr>
+              <p:cNvPr id="5" name="图片 4" descr="vue"/>
+              <p:cNvPicPr>
+                <a:picLocks noChangeAspect="1"/>
+              </p:cNvPicPr>
+              <p:nvPr/>
+            </p:nvPicPr>
+            <p:blipFill>
+              <a:blip r:embed="rId4"/>
+              <a:stretch>
+                <a:fillRect/>
+              </a:stretch>
+            </p:blipFill>
+            <p:spPr>
+              <a:xfrm>
+                <a:off x="2729" y="1939"/>
+                <a:ext cx="1892" cy="1927"/>
+              </a:xfrm>
+              <a:prstGeom prst="rect">
+                <a:avLst/>
+              </a:prstGeom>
+            </p:spPr>
+          </p:pic>
+          <p:sp>
+            <p:nvSpPr>
+              <p:cNvPr id="14" name="文本框 13"/>
+              <p:cNvSpPr txBox="1"/>
+              <p:nvPr/>
+            </p:nvSpPr>
+            <p:spPr>
+              <a:xfrm>
+                <a:off x="3189" y="3643"/>
+                <a:ext cx="971" cy="505"/>
+              </a:xfrm>
+              <a:prstGeom prst="rect">
+                <a:avLst/>
+              </a:prstGeom>
+              <a:noFill/>
+            </p:spPr>
+            <p:txBody>
+              <a:bodyPr wrap="none" rtlCol="0" anchor="t">
+                <a:spAutoFit/>
+              </a:bodyPr>
+              <a:p>
+                <a:r>
+                  <a:rPr lang="en-US" altLang="zh-CN" sz="1400">
+                    <a:latin typeface="Microsoft JhengHei" panose="020B0604030504040204" charset="-120"/>
+                    <a:ea typeface="Microsoft JhengHei" panose="020B0604030504040204" charset="-120"/>
+                    <a:sym typeface="+mn-ea"/>
+                  </a:rPr>
+                  <a:t>(Vue)</a:t>
+                </a:r>
+                <a:endParaRPr lang="en-US" altLang="zh-CN" sz="1400">
+                  <a:latin typeface="Microsoft JhengHei" panose="020B0604030504040204" charset="-120"/>
+                  <a:ea typeface="Microsoft JhengHei" panose="020B0604030504040204" charset="-120"/>
+                  <a:sym typeface="+mn-ea"/>
+                </a:endParaRPr>
+              </a:p>
+            </p:txBody>
+          </p:sp>
+        </p:grpSp>
+      </p:grpSp>
+      <p:grpSp>
+        <p:nvGrpSpPr>
+          <p:cNvPr id="27" name="组合 26"/>
+          <p:cNvGrpSpPr/>
+          <p:nvPr/>
+        </p:nvGrpSpPr>
+        <p:grpSpPr>
+          <a:xfrm>
+            <a:off x="4030980" y="697865"/>
+            <a:ext cx="5859780" cy="3726180"/>
+            <a:chOff x="6348" y="1099"/>
+            <a:chExt cx="9228" cy="5868"/>
+          </a:xfrm>
+        </p:grpSpPr>
+        <p:pic>
+          <p:nvPicPr>
+            <p:cNvPr id="12" name="图片 11" descr="element"/>
+            <p:cNvPicPr>
+              <a:picLocks noChangeAspect="1"/>
+            </p:cNvPicPr>
+            <p:nvPr/>
+          </p:nvPicPr>
+          <p:blipFill>
+            <a:blip r:embed="rId5"/>
+            <a:stretch>
+              <a:fillRect/>
+            </a:stretch>
+          </p:blipFill>
+          <p:spPr>
+            <a:xfrm>
+              <a:off x="6348" y="1099"/>
+              <a:ext cx="7946" cy="3608"/>
+            </a:xfrm>
+            <a:prstGeom prst="rect">
+              <a:avLst/>
+            </a:prstGeom>
+          </p:spPr>
+        </p:pic>
+        <p:pic>
+          <p:nvPicPr>
+            <p:cNvPr id="16" name="图片 15" descr="nginx"/>
+            <p:cNvPicPr>
+              <a:picLocks noChangeAspect="1"/>
+            </p:cNvPicPr>
+            <p:nvPr/>
+          </p:nvPicPr>
+          <p:blipFill>
+            <a:blip r:embed="rId6"/>
+            <a:stretch>
+              <a:fillRect/>
+            </a:stretch>
+          </p:blipFill>
+          <p:spPr>
+            <a:xfrm>
+              <a:off x="10258" y="4553"/>
+              <a:ext cx="5319" cy="2415"/>
+            </a:xfrm>
+            <a:prstGeom prst="rect">
+              <a:avLst/>
+            </a:prstGeom>
+          </p:spPr>
+        </p:pic>
+      </p:grpSp>
+      <p:grpSp>
+        <p:nvGrpSpPr>
+          <p:cNvPr id="26" name="组合 25"/>
+          <p:cNvGrpSpPr/>
+          <p:nvPr/>
+        </p:nvGrpSpPr>
+        <p:grpSpPr>
+          <a:xfrm>
+            <a:off x="3329940" y="1078230"/>
+            <a:ext cx="8218170" cy="5029200"/>
+            <a:chOff x="5244" y="1698"/>
+            <a:chExt cx="12942" cy="7920"/>
+          </a:xfrm>
+        </p:grpSpPr>
+        <p:pic>
+          <p:nvPicPr>
+            <p:cNvPr id="10" name="图片 9" descr="koa"/>
+            <p:cNvPicPr>
+              <a:picLocks noChangeAspect="1"/>
+            </p:cNvPicPr>
+            <p:nvPr/>
+          </p:nvPicPr>
+          <p:blipFill>
+            <a:blip r:embed="rId7"/>
+            <a:stretch>
+              <a:fillRect/>
+            </a:stretch>
+          </p:blipFill>
+          <p:spPr>
+            <a:xfrm>
+              <a:off x="6767" y="4553"/>
+              <a:ext cx="4826" cy="2191"/>
+            </a:xfrm>
+            <a:prstGeom prst="rect">
+              <a:avLst/>
+            </a:prstGeom>
+          </p:spPr>
+        </p:pic>
+        <p:grpSp>
+          <p:nvGrpSpPr>
+            <p:cNvPr id="21" name="组合 20"/>
+            <p:cNvGrpSpPr/>
+            <p:nvPr/>
+          </p:nvGrpSpPr>
+          <p:grpSpPr>
+            <a:xfrm>
+              <a:off x="5244" y="1698"/>
+              <a:ext cx="2394" cy="2449"/>
+              <a:chOff x="5244" y="1698"/>
+              <a:chExt cx="2394" cy="2449"/>
+            </a:xfrm>
+          </p:grpSpPr>
+          <p:pic>
+            <p:nvPicPr>
+              <p:cNvPr id="6" name="图片 5" descr="mpvue"/>
+              <p:cNvPicPr>
+                <a:picLocks noChangeAspect="1"/>
+              </p:cNvPicPr>
+              <p:nvPr/>
+            </p:nvPicPr>
+            <p:blipFill>
+              <a:blip r:embed="rId8"/>
+              <a:stretch>
+                <a:fillRect/>
+              </a:stretch>
+            </p:blipFill>
+            <p:spPr>
+              <a:xfrm>
+                <a:off x="5244" y="1698"/>
+                <a:ext cx="2395" cy="2439"/>
+              </a:xfrm>
+              <a:prstGeom prst="rect">
+                <a:avLst/>
+              </a:prstGeom>
+            </p:spPr>
+          </p:pic>
+          <p:sp>
+            <p:nvSpPr>
+              <p:cNvPr id="15" name="文本框 14"/>
+              <p:cNvSpPr txBox="1"/>
+              <p:nvPr/>
+            </p:nvSpPr>
+            <p:spPr>
+              <a:xfrm>
+                <a:off x="5748" y="3643"/>
+                <a:ext cx="1387" cy="505"/>
+              </a:xfrm>
+              <a:prstGeom prst="rect">
+                <a:avLst/>
+              </a:prstGeom>
+              <a:noFill/>
+            </p:spPr>
+            <p:txBody>
+              <a:bodyPr wrap="none" rtlCol="0" anchor="t">
+                <a:spAutoFit/>
+              </a:bodyPr>
+              <a:p>
+                <a:r>
+                  <a:rPr lang="en-US" altLang="zh-CN" sz="1400">
+                    <a:latin typeface="Microsoft JhengHei" panose="020B0604030504040204" charset="-120"/>
+                    <a:ea typeface="Microsoft JhengHei" panose="020B0604030504040204" charset="-120"/>
+                    <a:sym typeface="+mn-ea"/>
+                  </a:rPr>
+                  <a:t>(Mpvue)</a:t>
+                </a:r>
+                <a:endParaRPr lang="en-US" altLang="zh-CN" sz="1400">
+                  <a:latin typeface="Microsoft JhengHei" panose="020B0604030504040204" charset="-120"/>
+                  <a:ea typeface="Microsoft JhengHei" panose="020B0604030504040204" charset="-120"/>
+                  <a:sym typeface="+mn-ea"/>
+                </a:endParaRPr>
+              </a:p>
+            </p:txBody>
+          </p:sp>
+        </p:grpSp>
+        <p:grpSp>
+          <p:nvGrpSpPr>
+            <p:cNvPr id="19" name="组合 18"/>
+            <p:cNvGrpSpPr/>
+            <p:nvPr/>
+          </p:nvGrpSpPr>
+          <p:grpSpPr>
+            <a:xfrm>
+              <a:off x="9603" y="7291"/>
+              <a:ext cx="8583" cy="2327"/>
+              <a:chOff x="9663" y="7291"/>
+              <a:chExt cx="8583" cy="2327"/>
+            </a:xfrm>
+          </p:grpSpPr>
+          <p:pic>
+            <p:nvPicPr>
+              <p:cNvPr id="17" name="图片 16" descr="websocket"/>
+              <p:cNvPicPr>
+                <a:picLocks noChangeAspect="1"/>
+              </p:cNvPicPr>
+              <p:nvPr/>
+            </p:nvPicPr>
+            <p:blipFill>
+              <a:blip r:embed="rId9"/>
+              <a:stretch>
+                <a:fillRect/>
+              </a:stretch>
+            </p:blipFill>
+            <p:spPr>
+              <a:xfrm>
+                <a:off x="9663" y="7291"/>
+                <a:ext cx="5123" cy="2327"/>
+              </a:xfrm>
+              <a:prstGeom prst="rect">
+                <a:avLst/>
+              </a:prstGeom>
+            </p:spPr>
+          </p:pic>
+          <p:sp>
+            <p:nvSpPr>
+              <p:cNvPr id="18" name="文本框 17"/>
+              <p:cNvSpPr txBox="1"/>
+              <p:nvPr/>
+            </p:nvSpPr>
+            <p:spPr>
+              <a:xfrm>
+                <a:off x="12275" y="7939"/>
+                <a:ext cx="5971" cy="970"/>
+              </a:xfrm>
+              <a:prstGeom prst="rect">
+                <a:avLst/>
+              </a:prstGeom>
+              <a:noFill/>
+            </p:spPr>
+            <p:txBody>
+              <a:bodyPr wrap="square" rtlCol="0" anchor="t">
+                <a:spAutoFit/>
+              </a:bodyPr>
+              <a:p>
+                <a:r>
+                  <a:rPr lang="en-US" altLang="zh-CN" sz="3200" b="1">
+                    <a:latin typeface="Microsoft JhengHei" panose="020B0604030504040204" charset="-120"/>
+                    <a:ea typeface="Microsoft JhengHei" panose="020B0604030504040204" charset="-120"/>
+                  </a:rPr>
+                  <a:t>weapp.socket.io</a:t>
+                </a:r>
+                <a:endParaRPr lang="en-US" altLang="zh-CN" sz="3200" b="1">
+                  <a:latin typeface="Microsoft JhengHei" panose="020B0604030504040204" charset="-120"/>
+                  <a:ea typeface="Microsoft JhengHei" panose="020B0604030504040204" charset="-120"/>
+                </a:endParaRPr>
+              </a:p>
+            </p:txBody>
+          </p:sp>
+        </p:grpSp>
+      </p:grpSp>
+    </p:spTree>
+  </p:cSld>
+  <p:clrMapOvr>
+    <a:masterClrMapping/>
+  </p:clrMapOvr>
+  <p:transition>
+    <p:fade/>
+  </p:transition>
+  <p:timing>
+    <p:tnLst>
+      <p:par>
+        <p:cTn id="1" dur="indefinite" restart="never" nodeType="tmRoot">
+          <p:childTnLst>
+            <p:seq concurrent="1" nextAc="seek">
+              <p:cTn id="2" dur="indefinite" nodeType="mainSeq">
+                <p:childTnLst>
+                  <p:par>
+                    <p:cTn id="3" fill="hold">
+                      <p:stCondLst>
+                        <p:cond delay="indefinite"/>
+                      </p:stCondLst>
+                      <p:childTnLst>
+                        <p:par>
+                          <p:cTn id="4" fill="hold">
+                            <p:stCondLst>
+                              <p:cond delay="0"/>
+                            </p:stCondLst>
+                            <p:childTnLst>
+                              <p:par>
+                                <p:cTn id="5" presetID="10" presetClass="entr" presetSubtype="0" fill="hold" nodeType="clickEffect">
+                                  <p:stCondLst>
+                                    <p:cond delay="0"/>
+                                  </p:stCondLst>
+                                  <p:childTnLst>
+                                    <p:set>
+                                      <p:cBhvr>
+                                        <p:cTn id="6" dur="1" fill="hold">
+                                          <p:stCondLst>
+                                            <p:cond delay="0"/>
+                                          </p:stCondLst>
+                                        </p:cTn>
+                                        <p:tgtEl>
+                                          <p:spTgt spid="28"/>
+                                        </p:tgtEl>
+                                        <p:attrNameLst>
+                                          <p:attrName>style.visibility</p:attrName>
+                                        </p:attrNameLst>
+                                      </p:cBhvr>
+                                      <p:to>
+                                        <p:strVal val="visible"/>
+                                      </p:to>
+                                    </p:set>
+                                    <p:animEffect transition="in" filter="fade">
+                                      <p:cBhvr>
+                                        <p:cTn id="7" dur="500"/>
+                                        <p:tgtEl>
+                                          <p:spTgt spid="28"/>
+                                        </p:tgtEl>
+                                      </p:cBhvr>
+                                    </p:animEffect>
+                                  </p:childTnLst>
+                                </p:cTn>
+                              </p:par>
+                            </p:childTnLst>
+                          </p:cTn>
+                        </p:par>
+                        <p:par>
+                          <p:cTn id="8" fill="hold">
+                            <p:stCondLst>
+                              <p:cond delay="500"/>
+                            </p:stCondLst>
+                            <p:childTnLst>
+                              <p:par>
+                                <p:cTn id="9" presetID="10" presetClass="entr" presetSubtype="0" fill="hold" nodeType="afterEffect">
+                                  <p:stCondLst>
+                                    <p:cond delay="0"/>
+                                  </p:stCondLst>
+                                  <p:childTnLst>
+                                    <p:set>
+                                      <p:cBhvr>
+                                        <p:cTn id="10" dur="1" fill="hold">
+                                          <p:stCondLst>
+                                            <p:cond delay="0"/>
+                                          </p:stCondLst>
+                                        </p:cTn>
+                                        <p:tgtEl>
+                                          <p:spTgt spid="29"/>
+                                        </p:tgtEl>
+                                        <p:attrNameLst>
+                                          <p:attrName>style.visibility</p:attrName>
+                                        </p:attrNameLst>
+                                      </p:cBhvr>
+                                      <p:to>
+                                        <p:strVal val="visible"/>
+                                      </p:to>
+                                    </p:set>
+                                    <p:animEffect transition="in" filter="fade">
+                                      <p:cBhvr>
+                                        <p:cTn id="11" dur="500"/>
+                                        <p:tgtEl>
+                                          <p:spTgt spid="29"/>
+                                        </p:tgtEl>
+                                      </p:cBhvr>
+                                    </p:animEffect>
+                                  </p:childTnLst>
+                                </p:cTn>
+                              </p:par>
+                            </p:childTnLst>
+                          </p:cTn>
+                        </p:par>
+                        <p:par>
+                          <p:cTn id="12" fill="hold">
+                            <p:stCondLst>
+                              <p:cond delay="1000"/>
+                            </p:stCondLst>
+                            <p:childTnLst>
+                              <p:par>
+                                <p:cTn id="13" presetID="10" presetClass="entr" presetSubtype="0" fill="hold" nodeType="afterEffect">
+                                  <p:stCondLst>
+                                    <p:cond delay="0"/>
+                                  </p:stCondLst>
+                                  <p:childTnLst>
+                                    <p:set>
+                                      <p:cBhvr>
+                                        <p:cTn id="14" dur="1" fill="hold">
+                                          <p:stCondLst>
+                                            <p:cond delay="0"/>
+                                          </p:stCondLst>
+                                        </p:cTn>
+                                        <p:tgtEl>
+                                          <p:spTgt spid="26"/>
+                                        </p:tgtEl>
+                                        <p:attrNameLst>
+                                          <p:attrName>style.visibility</p:attrName>
+                                        </p:attrNameLst>
+                                      </p:cBhvr>
+                                      <p:to>
+                                        <p:strVal val="visible"/>
+                                      </p:to>
+                                    </p:set>
+                                    <p:animEffect transition="in" filter="fade">
+                                      <p:cBhvr>
+                                        <p:cTn id="15" dur="500"/>
+                                        <p:tgtEl>
+                                          <p:spTgt spid="26"/>
+                                        </p:tgtEl>
+                                      </p:cBhvr>
+                                    </p:animEffect>
+                                  </p:childTnLst>
+                                </p:cTn>
+                              </p:par>
+                            </p:childTnLst>
+                          </p:cTn>
+                        </p:par>
+                        <p:par>
+                          <p:cTn id="16" fill="hold">
+                            <p:stCondLst>
+                              <p:cond delay="1500"/>
+                            </p:stCondLst>
+                            <p:childTnLst>
+                              <p:par>
+                                <p:cTn id="17" presetID="10" presetClass="entr" presetSubtype="0" fill="hold" nodeType="afterEffect">
+                                  <p:stCondLst>
+                                    <p:cond delay="0"/>
+                                  </p:stCondLst>
+                                  <p:childTnLst>
+                                    <p:set>
+                                      <p:cBhvr>
+                                        <p:cTn id="18" dur="1" fill="hold">
+                                          <p:stCondLst>
+                                            <p:cond delay="0"/>
+                                          </p:stCondLst>
+                                        </p:cTn>
+                                        <p:tgtEl>
+                                          <p:spTgt spid="27"/>
+                                        </p:tgtEl>
+                                        <p:attrNameLst>
+                                          <p:attrName>style.visibility</p:attrName>
+                                        </p:attrNameLst>
+                                      </p:cBhvr>
+                                      <p:to>
+                                        <p:strVal val="visible"/>
+                                      </p:to>
+                                    </p:set>
+                                    <p:animEffect transition="in" filter="fade">
+                                      <p:cBhvr>
+                                        <p:cTn id="19" dur="500"/>
+                                        <p:tgtEl>
+                                          <p:spTgt spid="27"/>
+                                        </p:tgtEl>
+                                      </p:cBhvr>
+                                    </p:animEffect>
+                                  </p:childTnLst>
+                                </p:cTn>
+                              </p:par>
+                            </p:childTnLst>
+                          </p:cTn>
+                        </p:par>
+                        <p:par>
+                          <p:cTn id="20" fill="hold">
+                            <p:stCondLst>
+                              <p:cond delay="2000"/>
+                            </p:stCondLst>
+                            <p:childTnLst>
+                              <p:par>
+                                <p:cTn id="21" presetID="10" presetClass="entr" presetSubtype="0" fill="hold" nodeType="afterEffect">
+                                  <p:stCondLst>
+                                    <p:cond delay="0"/>
+                                  </p:stCondLst>
+                                  <p:childTnLst>
+                                    <p:set>
+                                      <p:cBhvr>
+                                        <p:cTn id="22" dur="1" fill="hold">
+                                          <p:stCondLst>
+                                            <p:cond delay="0"/>
+                                          </p:stCondLst>
+                                        </p:cTn>
+                                        <p:tgtEl>
+                                          <p:spTgt spid="11"/>
+                                        </p:tgtEl>
+                                        <p:attrNameLst>
+                                          <p:attrName>style.visibility</p:attrName>
+                                        </p:attrNameLst>
+                                      </p:cBhvr>
+                                      <p:to>
+                                        <p:strVal val="visible"/>
+                                      </p:to>
+                                    </p:set>
+                                    <p:animEffect transition="in" filter="fade">
+                                      <p:cBhvr>
+                                        <p:cTn id="23" dur="500"/>
+                                        <p:tgtEl>
+                                          <p:spTgt spid="11"/>
+                                        </p:tgtEl>
+                                      </p:cBhvr>
+                                    </p:animEffect>
+                                  </p:childTnLst>
+                                </p:cTn>
+                              </p:par>
+                            </p:childTnLst>
+                          </p:cTn>
+                        </p:par>
+                      </p:childTnLst>
+                    </p:cTn>
+                  </p:par>
+                </p:childTnLst>
+              </p:cTn>
+              <p:prevCondLst>
+                <p:cond evt="onPrev" delay="0">
+                  <p:tgtEl>
+                    <p:sldTgt/>
+                  </p:tgtEl>
+                </p:cond>
+              </p:prevCondLst>
+              <p:nextCondLst>
+                <p:cond evt="onNext" delay="0">
+                  <p:tgtEl>
+                    <p:sldTgt/>
+                  </p:tgtEl>
+                </p:cond>
+              </p:nextCondLst>
+            </p:seq>
+          </p:childTnLst>
+        </p:cTn>
+      </p:par>
+    </p:tnLst>
+  </p:timing>
+</p:sld>
+</file>
+
+<file path=ppt/slides/slide17.xml><?xml version="1.0" encoding="utf-8"?>
+<p:sld xmlns:a="http://schemas.openxmlformats.org/drawingml/2006/main" xmlns:r="http://schemas.openxmlformats.org/officeDocument/2006/relationships" xmlns:p="http://schemas.openxmlformats.org/presentationml/2006/main">
+  <p:cSld>
+    <p:spTree>
+      <p:nvGrpSpPr>
+        <p:cNvPr id="1" name=""/>
+        <p:cNvGrpSpPr/>
+        <p:nvPr/>
+      </p:nvGrpSpPr>
+      <p:grpSpPr/>
+      <p:sp>
+        <p:nvSpPr>
+          <p:cNvPr id="2" name="文本框 1"/>
+          <p:cNvSpPr txBox="1"/>
+          <p:nvPr/>
+        </p:nvSpPr>
+        <p:spPr>
+          <a:xfrm>
+            <a:off x="496570" y="480060"/>
+            <a:ext cx="1916430" cy="484505"/>
+          </a:xfrm>
+          <a:prstGeom prst="rect">
+            <a:avLst/>
+          </a:prstGeom>
+          <a:noFill/>
+        </p:spPr>
+        <p:txBody>
+          <a:bodyPr wrap="square" rtlCol="0" anchor="t">
+            <a:spAutoFit/>
+          </a:bodyPr>
+          <a:p>
+            <a:r>
+              <a:rPr lang="zh-CN" altLang="en-US" sz="2400" b="1">
+                <a:latin typeface="Microsoft JhengHei" panose="020B0604030504040204" charset="-120"/>
+                <a:ea typeface="Microsoft JhengHei" panose="020B0604030504040204" charset="-120"/>
+                <a:sym typeface="+mn-ea"/>
+              </a:rPr>
+              <a:t>技术</a:t>
+            </a:r>
+            <a:r>
+              <a:rPr lang="zh-CN" altLang="en-US" sz="2400" b="1">
+                <a:latin typeface="Microsoft JhengHei" panose="020B0604030504040204" charset="-120"/>
+                <a:ea typeface="Microsoft JhengHei" panose="020B0604030504040204" charset="-120"/>
+                <a:sym typeface="+mn-ea"/>
+              </a:rPr>
+              <a:t>栈</a:t>
+            </a:r>
+            <a:r>
+              <a:rPr lang="zh-CN" altLang="en-US" sz="2400" b="1">
+                <a:latin typeface="Microsoft JhengHei" panose="020B0604030504040204" charset="-120"/>
+                <a:ea typeface="Microsoft JhengHei" panose="020B0604030504040204" charset="-120"/>
+                <a:sym typeface="+mn-ea"/>
+              </a:rPr>
+              <a:t>概览</a:t>
+            </a:r>
+            <a:endParaRPr lang="zh-CN" altLang="en-US" sz="2400" b="1">
+              <a:latin typeface="Microsoft JhengHei" panose="020B0604030504040204" charset="-120"/>
+              <a:ea typeface="Microsoft JhengHei" panose="020B0604030504040204" charset="-120"/>
+              <a:sym typeface="+mn-ea"/>
+            </a:endParaRPr>
+          </a:p>
+        </p:txBody>
+      </p:sp>
+      <p:grpSp>
+        <p:nvGrpSpPr>
+          <p:cNvPr id="43" name="组合 42"/>
+          <p:cNvGrpSpPr/>
+          <p:nvPr/>
+        </p:nvGrpSpPr>
+        <p:grpSpPr>
+          <a:xfrm>
+            <a:off x="1421130" y="2871470"/>
+            <a:ext cx="8679180" cy="2201545"/>
+            <a:chOff x="2238" y="4522"/>
+            <a:chExt cx="13668" cy="3467"/>
+          </a:xfrm>
+        </p:grpSpPr>
+        <p:sp>
+          <p:nvSpPr>
+            <p:cNvPr id="11" name="文本框 10"/>
+            <p:cNvSpPr txBox="1"/>
+            <p:nvPr/>
+          </p:nvSpPr>
+          <p:spPr>
+            <a:xfrm>
+              <a:off x="4209" y="4522"/>
+              <a:ext cx="2270" cy="609"/>
+            </a:xfrm>
+            <a:prstGeom prst="rect">
+              <a:avLst/>
+            </a:prstGeom>
+            <a:noFill/>
+          </p:spPr>
+          <p:txBody>
+            <a:bodyPr wrap="none" rtlCol="0" anchor="t">
+              <a:spAutoFit/>
+            </a:bodyPr>
+            <a:p>
+              <a:r>
+                <a:rPr lang="en-US" altLang="zh-CN">
+                  <a:latin typeface="Microsoft JhengHei" panose="020B0604030504040204" charset="-120"/>
+                  <a:ea typeface="Microsoft JhengHei" panose="020B0604030504040204" charset="-120"/>
+                  <a:sym typeface="+mn-ea"/>
+                </a:rPr>
+                <a:t>HTTP</a:t>
+              </a:r>
+              <a:r>
+                <a:rPr lang="zh-CN" altLang="en-US">
+                  <a:latin typeface="Microsoft JhengHei" panose="020B0604030504040204" charset="-120"/>
+                  <a:ea typeface="Microsoft JhengHei" panose="020B0604030504040204" charset="-120"/>
+                  <a:sym typeface="+mn-ea"/>
+                </a:rPr>
+                <a:t>服务器</a:t>
+              </a:r>
+              <a:endParaRPr lang="zh-CN" altLang="en-US">
+                <a:latin typeface="Microsoft JhengHei" panose="020B0604030504040204" charset="-120"/>
+                <a:ea typeface="Microsoft JhengHei" panose="020B0604030504040204" charset="-120"/>
+                <a:sym typeface="+mn-ea"/>
+              </a:endParaRPr>
+            </a:p>
+          </p:txBody>
+        </p:sp>
+        <p:sp>
+          <p:nvSpPr>
+            <p:cNvPr id="13" name="文本框 12"/>
+            <p:cNvSpPr txBox="1"/>
+            <p:nvPr/>
+          </p:nvSpPr>
+          <p:spPr>
+            <a:xfrm>
+              <a:off x="12893" y="4522"/>
+              <a:ext cx="2088" cy="609"/>
+            </a:xfrm>
+            <a:prstGeom prst="rect">
+              <a:avLst/>
+            </a:prstGeom>
+            <a:noFill/>
+          </p:spPr>
+          <p:txBody>
+            <a:bodyPr wrap="none" rtlCol="0" anchor="t">
+              <a:spAutoFit/>
+            </a:bodyPr>
+            <a:p>
+              <a:r>
+                <a:rPr lang="zh-CN" altLang="en-US">
+                  <a:latin typeface="Microsoft JhengHei" panose="020B0604030504040204" charset="-120"/>
+                  <a:ea typeface="Microsoft JhengHei" panose="020B0604030504040204" charset="-120"/>
+                  <a:sym typeface="+mn-ea"/>
+                </a:rPr>
+                <a:t>聊天</a:t>
+              </a:r>
+              <a:r>
+                <a:rPr lang="zh-CN" altLang="en-US">
+                  <a:latin typeface="Microsoft JhengHei" panose="020B0604030504040204" charset="-120"/>
+                  <a:ea typeface="Microsoft JhengHei" panose="020B0604030504040204" charset="-120"/>
+                  <a:sym typeface="+mn-ea"/>
+                </a:rPr>
+                <a:t>服务器</a:t>
+              </a:r>
+              <a:endParaRPr lang="zh-CN" altLang="en-US">
+                <a:latin typeface="Microsoft JhengHei" panose="020B0604030504040204" charset="-120"/>
+                <a:ea typeface="Microsoft JhengHei" panose="020B0604030504040204" charset="-120"/>
+                <a:sym typeface="+mn-ea"/>
+              </a:endParaRPr>
+            </a:p>
+          </p:txBody>
+        </p:sp>
+        <p:pic>
+          <p:nvPicPr>
+            <p:cNvPr id="14" name="图片 13" descr="node"/>
+            <p:cNvPicPr>
+              <a:picLocks noChangeAspect="1"/>
+            </p:cNvPicPr>
+            <p:nvPr/>
+          </p:nvPicPr>
+          <p:blipFill>
+            <a:blip r:embed="rId1"/>
+            <a:srcRect l="7521" t="14769" r="6444" b="20715"/>
+            <a:stretch>
+              <a:fillRect/>
+            </a:stretch>
+          </p:blipFill>
+          <p:spPr>
+            <a:xfrm>
+              <a:off x="2684" y="5131"/>
+              <a:ext cx="4873" cy="1660"/>
+            </a:xfrm>
+            <a:prstGeom prst="rect">
+              <a:avLst/>
+            </a:prstGeom>
+          </p:spPr>
+        </p:pic>
+        <p:pic>
+          <p:nvPicPr>
+            <p:cNvPr id="16" name="图片 15" descr="nginx"/>
+            <p:cNvPicPr>
+              <a:picLocks noChangeAspect="1"/>
+            </p:cNvPicPr>
+            <p:nvPr/>
+          </p:nvPicPr>
+          <p:blipFill>
+            <a:blip r:embed="rId2"/>
+            <a:stretch>
+              <a:fillRect/>
+            </a:stretch>
+          </p:blipFill>
+          <p:spPr>
+            <a:xfrm>
+              <a:off x="2238" y="5575"/>
+              <a:ext cx="5319" cy="2415"/>
+            </a:xfrm>
+            <a:prstGeom prst="rect">
+              <a:avLst/>
+            </a:prstGeom>
+          </p:spPr>
+        </p:pic>
+        <p:pic>
+          <p:nvPicPr>
+            <p:cNvPr id="15" name="图片 14" descr="koa"/>
+            <p:cNvPicPr>
+              <a:picLocks noChangeAspect="1"/>
+            </p:cNvPicPr>
+            <p:nvPr/>
+          </p:nvPicPr>
+          <p:blipFill>
+            <a:blip r:embed="rId3"/>
+            <a:srcRect l="22690" t="15290" r="26461" b="19443"/>
+            <a:stretch>
+              <a:fillRect/>
+            </a:stretch>
+          </p:blipFill>
+          <p:spPr>
+            <a:xfrm>
+              <a:off x="4014" y="5025"/>
+              <a:ext cx="2454" cy="1430"/>
+            </a:xfrm>
+            <a:prstGeom prst="rect">
+              <a:avLst/>
+            </a:prstGeom>
+          </p:spPr>
+        </p:pic>
+        <p:grpSp>
+          <p:nvGrpSpPr>
+            <p:cNvPr id="21" name="组合 20"/>
+            <p:cNvGrpSpPr/>
+            <p:nvPr/>
+          </p:nvGrpSpPr>
+          <p:grpSpPr>
+            <a:xfrm>
+              <a:off x="12544" y="5131"/>
+              <a:ext cx="3362" cy="2326"/>
+              <a:chOff x="11318" y="5124"/>
+              <a:chExt cx="3362" cy="2326"/>
+            </a:xfrm>
+          </p:grpSpPr>
+          <p:pic>
+            <p:nvPicPr>
+              <p:cNvPr id="17" name="图片 16" descr="socket"/>
+              <p:cNvPicPr>
+                <a:picLocks noChangeAspect="1"/>
+              </p:cNvPicPr>
+              <p:nvPr/>
+            </p:nvPicPr>
+            <p:blipFill>
+              <a:blip r:embed="rId4"/>
+              <a:srcRect l="10885" t="23333" r="63093" b="21182"/>
+              <a:stretch>
+                <a:fillRect/>
+              </a:stretch>
+            </p:blipFill>
+            <p:spPr>
+              <a:xfrm>
+                <a:off x="11318" y="5372"/>
+                <a:ext cx="1891" cy="1831"/>
+              </a:xfrm>
+              <a:prstGeom prst="rect">
+                <a:avLst/>
+              </a:prstGeom>
+            </p:spPr>
+          </p:pic>
+          <p:pic>
+            <p:nvPicPr>
+              <p:cNvPr id="18" name="图片 17" descr="websocket"/>
+              <p:cNvPicPr>
+                <a:picLocks noChangeAspect="1"/>
+              </p:cNvPicPr>
+              <p:nvPr/>
+            </p:nvPicPr>
+            <p:blipFill>
+              <a:blip r:embed="rId5"/>
+              <a:srcRect r="43314"/>
+              <a:stretch>
+                <a:fillRect/>
+              </a:stretch>
+            </p:blipFill>
+            <p:spPr>
+              <a:xfrm>
+                <a:off x="11776" y="5124"/>
+                <a:ext cx="2904" cy="2327"/>
+              </a:xfrm>
+              <a:prstGeom prst="rect">
+                <a:avLst/>
+              </a:prstGeom>
+            </p:spPr>
+          </p:pic>
+        </p:grpSp>
+      </p:grpSp>
+      <p:grpSp>
+        <p:nvGrpSpPr>
+          <p:cNvPr id="47" name="组合 46"/>
+          <p:cNvGrpSpPr/>
+          <p:nvPr/>
+        </p:nvGrpSpPr>
+        <p:grpSpPr>
+          <a:xfrm>
+            <a:off x="5129530" y="351155"/>
+            <a:ext cx="3027680" cy="2162175"/>
+            <a:chOff x="8125" y="1135"/>
+            <a:chExt cx="4768" cy="3405"/>
+          </a:xfrm>
+        </p:grpSpPr>
+        <p:sp>
+          <p:nvSpPr>
+            <p:cNvPr id="8" name="文本框 7"/>
+            <p:cNvSpPr txBox="1"/>
+            <p:nvPr/>
+          </p:nvSpPr>
+          <p:spPr>
+            <a:xfrm>
+              <a:off x="8916" y="1135"/>
+              <a:ext cx="1368" cy="609"/>
+            </a:xfrm>
+            <a:prstGeom prst="rect">
+              <a:avLst/>
+            </a:prstGeom>
+            <a:noFill/>
+          </p:spPr>
+          <p:txBody>
+            <a:bodyPr wrap="none" rtlCol="0" anchor="t">
+              <a:spAutoFit/>
+            </a:bodyPr>
+            <a:p>
+              <a:r>
+                <a:rPr lang="zh-CN" altLang="en-US">
+                  <a:latin typeface="Microsoft JhengHei" panose="020B0604030504040204" charset="-120"/>
+                  <a:ea typeface="Microsoft JhengHei" panose="020B0604030504040204" charset="-120"/>
+                  <a:sym typeface="+mn-ea"/>
+                </a:rPr>
+                <a:t>客户端</a:t>
+              </a:r>
+              <a:endParaRPr lang="zh-CN" altLang="en-US">
+                <a:latin typeface="Microsoft JhengHei" panose="020B0604030504040204" charset="-120"/>
+                <a:ea typeface="Microsoft JhengHei" panose="020B0604030504040204" charset="-120"/>
+                <a:sym typeface="+mn-ea"/>
+              </a:endParaRPr>
+            </a:p>
+          </p:txBody>
+        </p:sp>
+        <p:pic>
+          <p:nvPicPr>
+            <p:cNvPr id="12" name="图片 11" descr="element"/>
+            <p:cNvPicPr>
+              <a:picLocks noChangeAspect="1"/>
+            </p:cNvPicPr>
+            <p:nvPr/>
+          </p:nvPicPr>
+          <p:blipFill>
+            <a:blip r:embed="rId6"/>
+            <a:srcRect l="23207" t="28187" r="23723" b="28243"/>
+            <a:stretch>
+              <a:fillRect/>
+            </a:stretch>
+          </p:blipFill>
+          <p:spPr>
+            <a:xfrm>
+              <a:off x="8676" y="1519"/>
+              <a:ext cx="4217" cy="1572"/>
+            </a:xfrm>
+            <a:prstGeom prst="rect">
+              <a:avLst/>
+            </a:prstGeom>
+          </p:spPr>
+        </p:pic>
+        <p:pic>
+          <p:nvPicPr>
+            <p:cNvPr id="9" name="图片 8" descr="vue"/>
+            <p:cNvPicPr>
+              <a:picLocks noChangeAspect="1"/>
+            </p:cNvPicPr>
+            <p:nvPr/>
+          </p:nvPicPr>
+          <p:blipFill>
+            <a:blip r:embed="rId7"/>
+            <a:stretch>
+              <a:fillRect/>
+            </a:stretch>
+          </p:blipFill>
+          <p:spPr>
+            <a:xfrm>
+              <a:off x="8125" y="2107"/>
+              <a:ext cx="1892" cy="1927"/>
+            </a:xfrm>
+            <a:prstGeom prst="rect">
+              <a:avLst/>
+            </a:prstGeom>
+          </p:spPr>
+        </p:pic>
+        <p:pic>
+          <p:nvPicPr>
+            <p:cNvPr id="10" name="图片 9" descr="mpvue"/>
+            <p:cNvPicPr>
+              <a:picLocks noChangeAspect="1"/>
+            </p:cNvPicPr>
+            <p:nvPr/>
+          </p:nvPicPr>
+          <p:blipFill>
+            <a:blip r:embed="rId8"/>
+            <a:stretch>
+              <a:fillRect/>
+            </a:stretch>
+          </p:blipFill>
+          <p:spPr>
+            <a:xfrm>
+              <a:off x="8916" y="2101"/>
+              <a:ext cx="2395" cy="2439"/>
+            </a:xfrm>
+            <a:prstGeom prst="rect">
+              <a:avLst/>
+            </a:prstGeom>
+          </p:spPr>
+        </p:pic>
+      </p:grpSp>
+      <p:grpSp>
+        <p:nvGrpSpPr>
+          <p:cNvPr id="48" name="组合 47"/>
+          <p:cNvGrpSpPr/>
+          <p:nvPr/>
+        </p:nvGrpSpPr>
+        <p:grpSpPr>
+          <a:xfrm>
+            <a:off x="3456305" y="1473200"/>
+            <a:ext cx="5382260" cy="2153920"/>
+            <a:chOff x="5443" y="2320"/>
+            <a:chExt cx="8476" cy="3392"/>
+          </a:xfrm>
+        </p:grpSpPr>
+        <p:sp>
+          <p:nvSpPr>
+            <p:cNvPr id="24" name="弧形 23"/>
+            <p:cNvSpPr/>
+            <p:nvPr/>
+          </p:nvSpPr>
+          <p:spPr>
+            <a:xfrm rot="16200000">
+              <a:off x="6027" y="1736"/>
+              <a:ext cx="3255" cy="4423"/>
+            </a:xfrm>
+            <a:prstGeom prst="arc">
+              <a:avLst>
+                <a:gd name="adj1" fmla="val 16200000"/>
+                <a:gd name="adj2" fmla="val 21437072"/>
+              </a:avLst>
+            </a:prstGeom>
+            <a:ln w="28575">
+              <a:solidFill>
+                <a:schemeClr val="tx1"/>
+              </a:solidFill>
+              <a:prstDash val="solid"/>
+              <a:headEnd type="triangle"/>
+              <a:tailEnd type="none"/>
+            </a:ln>
+          </p:spPr>
+          <p:style>
+            <a:lnRef idx="1">
+              <a:schemeClr val="accent1"/>
+            </a:lnRef>
+            <a:fillRef idx="0">
+              <a:schemeClr val="accent1"/>
+            </a:fillRef>
+            <a:effectRef idx="0">
+              <a:schemeClr val="accent1"/>
+            </a:effectRef>
+            <a:fontRef idx="minor">
+              <a:schemeClr val="tx1"/>
+            </a:fontRef>
+          </p:style>
+          <p:txBody>
+            <a:bodyPr rtlCol="0" anchor="ctr"/>
+            <a:p>
+              <a:pPr algn="ctr"/>
+              <a:endParaRPr lang="zh-CN" altLang="en-US"/>
+            </a:p>
+          </p:txBody>
+        </p:sp>
+        <p:sp>
+          <p:nvSpPr>
+            <p:cNvPr id="25" name="弧形 24"/>
+            <p:cNvSpPr/>
+            <p:nvPr/>
+          </p:nvSpPr>
+          <p:spPr>
+            <a:xfrm rot="16200000" flipV="1">
+              <a:off x="10117" y="1910"/>
+              <a:ext cx="3391" cy="4212"/>
+            </a:xfrm>
+            <a:prstGeom prst="arc">
+              <a:avLst>
+                <a:gd name="adj1" fmla="val 16200000"/>
+                <a:gd name="adj2" fmla="val 21437072"/>
+              </a:avLst>
+            </a:prstGeom>
+            <a:ln w="28575">
+              <a:solidFill>
+                <a:schemeClr val="tx1"/>
+              </a:solidFill>
+              <a:prstDash val="solid"/>
+              <a:headEnd type="triangle"/>
+              <a:tailEnd type="none"/>
+            </a:ln>
+          </p:spPr>
+          <p:style>
+            <a:lnRef idx="1">
+              <a:schemeClr val="accent1"/>
+            </a:lnRef>
+            <a:fillRef idx="0">
+              <a:schemeClr val="accent1"/>
+            </a:fillRef>
+            <a:effectRef idx="0">
+              <a:schemeClr val="accent1"/>
+            </a:effectRef>
+            <a:fontRef idx="minor">
+              <a:schemeClr val="tx1"/>
+            </a:fontRef>
+          </p:style>
+          <p:txBody>
+            <a:bodyPr rtlCol="0" anchor="ctr"/>
+            <a:p>
+              <a:pPr algn="ctr"/>
+              <a:endParaRPr lang="zh-CN" altLang="en-US"/>
+            </a:p>
+          </p:txBody>
+        </p:sp>
+      </p:grpSp>
+      <p:grpSp>
+        <p:nvGrpSpPr>
+          <p:cNvPr id="50" name="组合 49"/>
+          <p:cNvGrpSpPr/>
+          <p:nvPr/>
+        </p:nvGrpSpPr>
+        <p:grpSpPr>
+          <a:xfrm>
+            <a:off x="5159375" y="4858385"/>
+            <a:ext cx="2099310" cy="1913255"/>
+            <a:chOff x="8125" y="7651"/>
+            <a:chExt cx="3306" cy="3013"/>
+          </a:xfrm>
+        </p:grpSpPr>
+        <p:sp>
+          <p:nvSpPr>
+            <p:cNvPr id="22" name="文本框 21"/>
+            <p:cNvSpPr txBox="1"/>
+            <p:nvPr/>
+          </p:nvSpPr>
+          <p:spPr>
+            <a:xfrm>
+              <a:off x="9094" y="7651"/>
+              <a:ext cx="1368" cy="609"/>
+            </a:xfrm>
+            <a:prstGeom prst="rect">
+              <a:avLst/>
+            </a:prstGeom>
+            <a:noFill/>
+          </p:spPr>
+          <p:txBody>
+            <a:bodyPr wrap="none" rtlCol="0" anchor="t">
+              <a:spAutoFit/>
+            </a:bodyPr>
+            <a:p>
+              <a:r>
+                <a:rPr lang="zh-CN" altLang="en-US">
+                  <a:latin typeface="Microsoft JhengHei" panose="020B0604030504040204" charset="-120"/>
+                  <a:ea typeface="Microsoft JhengHei" panose="020B0604030504040204" charset="-120"/>
+                  <a:sym typeface="+mn-ea"/>
+                </a:rPr>
+                <a:t>数据库</a:t>
+              </a:r>
+              <a:endParaRPr lang="zh-CN" altLang="en-US">
+                <a:latin typeface="Microsoft JhengHei" panose="020B0604030504040204" charset="-120"/>
+                <a:ea typeface="Microsoft JhengHei" panose="020B0604030504040204" charset="-120"/>
+                <a:sym typeface="+mn-ea"/>
+              </a:endParaRPr>
+            </a:p>
+          </p:txBody>
+        </p:sp>
+        <p:pic>
+          <p:nvPicPr>
+            <p:cNvPr id="23" name="图片 22" descr="mysql"/>
+            <p:cNvPicPr>
+              <a:picLocks noChangeAspect="1"/>
+            </p:cNvPicPr>
+            <p:nvPr/>
+          </p:nvPicPr>
+          <p:blipFill>
+            <a:blip r:embed="rId9"/>
+            <a:srcRect l="19776" r="26460"/>
+            <a:stretch>
+              <a:fillRect/>
+            </a:stretch>
+          </p:blipFill>
+          <p:spPr>
+            <a:xfrm>
+              <a:off x="8125" y="7872"/>
+              <a:ext cx="3306" cy="2792"/>
+            </a:xfrm>
+            <a:prstGeom prst="rect">
+              <a:avLst/>
+            </a:prstGeom>
+          </p:spPr>
+        </p:pic>
+      </p:grpSp>
+      <p:grpSp>
+        <p:nvGrpSpPr>
+          <p:cNvPr id="49" name="组合 48"/>
+          <p:cNvGrpSpPr/>
+          <p:nvPr/>
+        </p:nvGrpSpPr>
+        <p:grpSpPr>
+          <a:xfrm>
+            <a:off x="3338830" y="3235960"/>
+            <a:ext cx="5503545" cy="2704465"/>
+            <a:chOff x="5258" y="5096"/>
+            <a:chExt cx="8667" cy="4259"/>
+          </a:xfrm>
+        </p:grpSpPr>
+        <p:sp>
+          <p:nvSpPr>
+            <p:cNvPr id="26" name="弧形 25"/>
+            <p:cNvSpPr/>
+            <p:nvPr/>
+          </p:nvSpPr>
+          <p:spPr>
+            <a:xfrm rot="10560000">
+              <a:off x="5258" y="5096"/>
+              <a:ext cx="4177" cy="4214"/>
+            </a:xfrm>
+            <a:prstGeom prst="arc">
+              <a:avLst>
+                <a:gd name="adj1" fmla="val 16202466"/>
+                <a:gd name="adj2" fmla="val 21437072"/>
+              </a:avLst>
+            </a:prstGeom>
+            <a:ln w="28575">
+              <a:solidFill>
+                <a:schemeClr val="tx1"/>
+              </a:solidFill>
+              <a:prstDash val="solid"/>
+              <a:headEnd type="triangle"/>
+              <a:tailEnd type="none"/>
+            </a:ln>
+          </p:spPr>
+          <p:style>
+            <a:lnRef idx="1">
+              <a:schemeClr val="accent1"/>
+            </a:lnRef>
+            <a:fillRef idx="0">
+              <a:schemeClr val="accent1"/>
+            </a:fillRef>
+            <a:effectRef idx="0">
+              <a:schemeClr val="accent1"/>
+            </a:effectRef>
+            <a:fontRef idx="minor">
+              <a:schemeClr val="tx1"/>
+            </a:fontRef>
+          </p:style>
+          <p:txBody>
+            <a:bodyPr rtlCol="0" anchor="ctr"/>
+            <a:p>
+              <a:pPr algn="ctr"/>
+              <a:endParaRPr lang="zh-CN" altLang="en-US"/>
+            </a:p>
+          </p:txBody>
+        </p:sp>
+        <p:sp>
+          <p:nvSpPr>
+            <p:cNvPr id="28" name="弧形 27"/>
+            <p:cNvSpPr/>
+            <p:nvPr/>
+          </p:nvSpPr>
+          <p:spPr>
+            <a:xfrm rot="21300000" flipV="1">
+              <a:off x="9425" y="5425"/>
+              <a:ext cx="4500" cy="3930"/>
+            </a:xfrm>
+            <a:prstGeom prst="arc">
+              <a:avLst>
+                <a:gd name="adj1" fmla="val 16200000"/>
+                <a:gd name="adj2" fmla="val 21437072"/>
+              </a:avLst>
+            </a:prstGeom>
+            <a:ln w="28575">
+              <a:solidFill>
+                <a:schemeClr val="tx1"/>
+              </a:solidFill>
+              <a:prstDash val="solid"/>
+              <a:headEnd type="triangle"/>
+              <a:tailEnd type="none"/>
+            </a:ln>
+          </p:spPr>
+          <p:style>
+            <a:lnRef idx="1">
+              <a:schemeClr val="accent1"/>
+            </a:lnRef>
+            <a:fillRef idx="0">
+              <a:schemeClr val="accent1"/>
+            </a:fillRef>
+            <a:effectRef idx="0">
+              <a:schemeClr val="accent1"/>
+            </a:effectRef>
+            <a:fontRef idx="minor">
+              <a:schemeClr val="tx1"/>
+            </a:fontRef>
+          </p:style>
+          <p:txBody>
+            <a:bodyPr rtlCol="0" anchor="ctr"/>
+            <a:p>
+              <a:pPr algn="ctr"/>
+              <a:endParaRPr lang="zh-CN" altLang="en-US"/>
+            </a:p>
+          </p:txBody>
+        </p:sp>
+      </p:grpSp>
+      <p:grpSp>
+        <p:nvGrpSpPr>
+          <p:cNvPr id="52" name="组合 51"/>
+          <p:cNvGrpSpPr/>
+          <p:nvPr/>
+        </p:nvGrpSpPr>
+        <p:grpSpPr>
+          <a:xfrm>
+            <a:off x="2745105" y="1177925"/>
+            <a:ext cx="6447790" cy="1935480"/>
+            <a:chOff x="4323" y="1855"/>
+            <a:chExt cx="10154" cy="3048"/>
+          </a:xfrm>
+        </p:grpSpPr>
+        <p:sp>
+          <p:nvSpPr>
+            <p:cNvPr id="35" name="弧形 34"/>
+            <p:cNvSpPr/>
+            <p:nvPr/>
+          </p:nvSpPr>
+          <p:spPr>
+            <a:xfrm rot="5400000">
+              <a:off x="5007" y="1423"/>
+              <a:ext cx="2796" cy="4164"/>
+            </a:xfrm>
+            <a:prstGeom prst="arc">
+              <a:avLst>
+                <a:gd name="adj1" fmla="val 16200000"/>
+                <a:gd name="adj2" fmla="val 21437072"/>
+              </a:avLst>
+            </a:prstGeom>
+            <a:ln w="28575">
+              <a:solidFill>
+                <a:schemeClr val="tx1">
+                  <a:lumMod val="50000"/>
+                  <a:lumOff val="50000"/>
+                </a:schemeClr>
+              </a:solidFill>
+              <a:prstDash val="dash"/>
+              <a:headEnd type="triangle"/>
+              <a:tailEnd type="none"/>
+            </a:ln>
+          </p:spPr>
+          <p:style>
+            <a:lnRef idx="1">
+              <a:schemeClr val="accent1"/>
+            </a:lnRef>
+            <a:fillRef idx="0">
+              <a:schemeClr val="accent1"/>
+            </a:fillRef>
+            <a:effectRef idx="0">
+              <a:schemeClr val="accent1"/>
+            </a:effectRef>
+            <a:fontRef idx="minor">
+              <a:schemeClr val="tx1"/>
+            </a:fontRef>
+          </p:style>
+          <p:txBody>
+            <a:bodyPr rtlCol="0" anchor="ctr"/>
+            <a:p>
+              <a:pPr algn="ctr"/>
+              <a:endParaRPr lang="zh-CN" altLang="en-US"/>
+            </a:p>
+          </p:txBody>
+        </p:sp>
+        <p:sp>
+          <p:nvSpPr>
+            <p:cNvPr id="36" name="弧形 35"/>
+            <p:cNvSpPr/>
+            <p:nvPr/>
+          </p:nvSpPr>
+          <p:spPr>
+            <a:xfrm rot="4920000" flipV="1">
+              <a:off x="11194" y="1504"/>
+              <a:ext cx="2932" cy="3634"/>
+            </a:xfrm>
+            <a:prstGeom prst="arc">
+              <a:avLst>
+                <a:gd name="adj1" fmla="val 16200000"/>
+                <a:gd name="adj2" fmla="val 21437072"/>
+              </a:avLst>
+            </a:prstGeom>
+            <a:ln w="28575">
+              <a:solidFill>
+                <a:schemeClr val="tx1">
+                  <a:lumMod val="50000"/>
+                  <a:lumOff val="50000"/>
+                </a:schemeClr>
+              </a:solidFill>
+              <a:prstDash val="dash"/>
+              <a:headEnd type="triangle"/>
+              <a:tailEnd type="none"/>
+            </a:ln>
+          </p:spPr>
+          <p:style>
+            <a:lnRef idx="1">
+              <a:schemeClr val="accent1"/>
+            </a:lnRef>
+            <a:fillRef idx="0">
+              <a:schemeClr val="accent1"/>
+            </a:fillRef>
+            <a:effectRef idx="0">
+              <a:schemeClr val="accent1"/>
+            </a:effectRef>
+            <a:fontRef idx="minor">
+              <a:schemeClr val="tx1"/>
+            </a:fontRef>
+          </p:style>
+          <p:txBody>
+            <a:bodyPr rtlCol="0" anchor="ctr"/>
+            <a:p>
+              <a:pPr algn="ctr"/>
+              <a:endParaRPr lang="zh-CN" altLang="en-US"/>
+            </a:p>
+          </p:txBody>
+        </p:sp>
+      </p:grpSp>
+      <p:grpSp>
+        <p:nvGrpSpPr>
+          <p:cNvPr id="51" name="组合 50"/>
+          <p:cNvGrpSpPr/>
+          <p:nvPr/>
+        </p:nvGrpSpPr>
+        <p:grpSpPr>
+          <a:xfrm>
+            <a:off x="3138805" y="4276090"/>
+            <a:ext cx="6374130" cy="2765425"/>
+            <a:chOff x="4943" y="6734"/>
+            <a:chExt cx="10038" cy="4355"/>
+          </a:xfrm>
+        </p:grpSpPr>
+        <p:sp>
+          <p:nvSpPr>
+            <p:cNvPr id="40" name="弧形 39"/>
+            <p:cNvSpPr/>
+            <p:nvPr/>
+          </p:nvSpPr>
+          <p:spPr>
+            <a:xfrm rot="21360000">
+              <a:off x="4943" y="6875"/>
+              <a:ext cx="4177" cy="4214"/>
+            </a:xfrm>
+            <a:prstGeom prst="arc">
+              <a:avLst>
+                <a:gd name="adj1" fmla="val 16202466"/>
+                <a:gd name="adj2" fmla="val 21437072"/>
+              </a:avLst>
+            </a:prstGeom>
+            <a:ln w="28575">
+              <a:solidFill>
+                <a:schemeClr val="tx1">
+                  <a:lumMod val="50000"/>
+                  <a:lumOff val="50000"/>
+                </a:schemeClr>
+              </a:solidFill>
+              <a:prstDash val="dash"/>
+              <a:headEnd type="triangle"/>
+              <a:tailEnd type="none"/>
+            </a:ln>
+          </p:spPr>
+          <p:style>
+            <a:lnRef idx="1">
+              <a:schemeClr val="accent1"/>
+            </a:lnRef>
+            <a:fillRef idx="0">
+              <a:schemeClr val="accent1"/>
+            </a:fillRef>
+            <a:effectRef idx="0">
+              <a:schemeClr val="accent1"/>
+            </a:effectRef>
+            <a:fontRef idx="minor">
+              <a:schemeClr val="tx1"/>
+            </a:fontRef>
+          </p:style>
+          <p:txBody>
+            <a:bodyPr rtlCol="0" anchor="ctr"/>
+            <a:p>
+              <a:pPr algn="ctr"/>
+              <a:endParaRPr lang="zh-CN" altLang="en-US"/>
+            </a:p>
+          </p:txBody>
+        </p:sp>
+        <p:sp>
+          <p:nvSpPr>
+            <p:cNvPr id="41" name="弧形 40"/>
+            <p:cNvSpPr/>
+            <p:nvPr/>
+          </p:nvSpPr>
+          <p:spPr>
+            <a:xfrm rot="10800000" flipV="1">
+              <a:off x="10481" y="6734"/>
+              <a:ext cx="4500" cy="3930"/>
+            </a:xfrm>
+            <a:prstGeom prst="arc">
+              <a:avLst>
+                <a:gd name="adj1" fmla="val 16200000"/>
+                <a:gd name="adj2" fmla="val 21437072"/>
+              </a:avLst>
+            </a:prstGeom>
+            <a:ln w="28575">
+              <a:solidFill>
+                <a:schemeClr val="tx1">
+                  <a:lumMod val="50000"/>
+                  <a:lumOff val="50000"/>
+                </a:schemeClr>
+              </a:solidFill>
+              <a:prstDash val="dash"/>
+              <a:headEnd type="triangle"/>
+              <a:tailEnd type="none"/>
+            </a:ln>
+          </p:spPr>
+          <p:style>
+            <a:lnRef idx="1">
+              <a:schemeClr val="accent1"/>
+            </a:lnRef>
+            <a:fillRef idx="0">
+              <a:schemeClr val="accent1"/>
+            </a:fillRef>
+            <a:effectRef idx="0">
+              <a:schemeClr val="accent1"/>
+            </a:effectRef>
+            <a:fontRef idx="minor">
+              <a:schemeClr val="tx1"/>
+            </a:fontRef>
+          </p:style>
+          <p:txBody>
+            <a:bodyPr rtlCol="0" anchor="ctr"/>
+            <a:p>
+              <a:pPr algn="ctr"/>
+              <a:endParaRPr lang="zh-CN" altLang="en-US"/>
+            </a:p>
+          </p:txBody>
+        </p:sp>
+      </p:grpSp>
+    </p:spTree>
+  </p:cSld>
+  <p:clrMapOvr>
+    <a:masterClrMapping/>
+  </p:clrMapOvr>
+  <p:timing>
+    <p:tnLst>
+      <p:par>
+        <p:cTn id="1" dur="indefinite" restart="never" nodeType="tmRoot">
+          <p:childTnLst>
+            <p:seq concurrent="1" nextAc="seek">
+              <p:cTn id="2" dur="indefinite" nodeType="mainSeq">
+                <p:childTnLst>
+                  <p:par>
+                    <p:cTn id="3" fill="hold">
+                      <p:stCondLst>
+                        <p:cond delay="indefinite"/>
+                      </p:stCondLst>
+                      <p:childTnLst>
+                        <p:par>
+                          <p:cTn id="4" fill="hold">
+                            <p:stCondLst>
+                              <p:cond delay="0"/>
+                            </p:stCondLst>
+                            <p:childTnLst>
+                              <p:par>
+                                <p:cTn id="5" presetID="10" presetClass="entr" presetSubtype="0" fill="hold" nodeType="clickEffect">
+                                  <p:stCondLst>
+                                    <p:cond delay="0"/>
+                                  </p:stCondLst>
+                                  <p:childTnLst>
+                                    <p:set>
+                                      <p:cBhvr>
+                                        <p:cTn id="6" dur="1" fill="hold">
+                                          <p:stCondLst>
+                                            <p:cond delay="0"/>
+                                          </p:stCondLst>
+                                        </p:cTn>
+                                        <p:tgtEl>
+                                          <p:spTgt spid="47"/>
+                                        </p:tgtEl>
+                                        <p:attrNameLst>
+                                          <p:attrName>style.visibility</p:attrName>
+                                        </p:attrNameLst>
+                                      </p:cBhvr>
+                                      <p:to>
+                                        <p:strVal val="visible"/>
+                                      </p:to>
+                                    </p:set>
+                                    <p:animEffect transition="in" filter="fade">
+                                      <p:cBhvr>
+                                        <p:cTn id="7" dur="500"/>
+                                        <p:tgtEl>
+                                          <p:spTgt spid="47"/>
+                                        </p:tgtEl>
+                                      </p:cBhvr>
+                                    </p:animEffect>
+                                  </p:childTnLst>
+                                </p:cTn>
+                              </p:par>
+                            </p:childTnLst>
+                          </p:cTn>
+                        </p:par>
+                        <p:par>
+                          <p:cTn id="8" fill="hold">
+                            <p:stCondLst>
+                              <p:cond delay="500"/>
+                            </p:stCondLst>
+                            <p:childTnLst>
+                              <p:par>
+                                <p:cTn id="9" presetID="10" presetClass="entr" presetSubtype="0" fill="hold" nodeType="afterEffect">
+                                  <p:stCondLst>
+                                    <p:cond delay="0"/>
+                                  </p:stCondLst>
+                                  <p:childTnLst>
+                                    <p:set>
+                                      <p:cBhvr>
+                                        <p:cTn id="10" dur="1" fill="hold">
+                                          <p:stCondLst>
+                                            <p:cond delay="0"/>
+                                          </p:stCondLst>
+                                        </p:cTn>
+                                        <p:tgtEl>
+                                          <p:spTgt spid="48"/>
+                                        </p:tgtEl>
+                                        <p:attrNameLst>
+                                          <p:attrName>style.visibility</p:attrName>
+                                        </p:attrNameLst>
+                                      </p:cBhvr>
+                                      <p:to>
+                                        <p:strVal val="visible"/>
+                                      </p:to>
+                                    </p:set>
+                                    <p:animEffect transition="in" filter="fade">
+                                      <p:cBhvr>
+                                        <p:cTn id="11" dur="500"/>
+                                        <p:tgtEl>
+                                          <p:spTgt spid="48"/>
+                                        </p:tgtEl>
+                                      </p:cBhvr>
+                                    </p:animEffect>
+                                  </p:childTnLst>
+                                </p:cTn>
+                              </p:par>
+                            </p:childTnLst>
+                          </p:cTn>
+                        </p:par>
+                        <p:par>
+                          <p:cTn id="12" fill="hold">
+                            <p:stCondLst>
+                              <p:cond delay="1000"/>
+                            </p:stCondLst>
+                            <p:childTnLst>
+                              <p:par>
+                                <p:cTn id="13" presetID="10" presetClass="entr" presetSubtype="0" fill="hold" nodeType="afterEffect">
+                                  <p:stCondLst>
+                                    <p:cond delay="0"/>
+                                  </p:stCondLst>
+                                  <p:childTnLst>
+                                    <p:set>
+                                      <p:cBhvr>
+                                        <p:cTn id="14" dur="1" fill="hold">
+                                          <p:stCondLst>
+                                            <p:cond delay="0"/>
+                                          </p:stCondLst>
+                                        </p:cTn>
+                                        <p:tgtEl>
+                                          <p:spTgt spid="43"/>
+                                        </p:tgtEl>
+                                        <p:attrNameLst>
+                                          <p:attrName>style.visibility</p:attrName>
+                                        </p:attrNameLst>
+                                      </p:cBhvr>
+                                      <p:to>
+                                        <p:strVal val="visible"/>
+                                      </p:to>
+                                    </p:set>
+                                    <p:animEffect transition="in" filter="fade">
+                                      <p:cBhvr>
+                                        <p:cTn id="15" dur="500"/>
+                                        <p:tgtEl>
+                                          <p:spTgt spid="43"/>
+                                        </p:tgtEl>
+                                      </p:cBhvr>
+                                    </p:animEffect>
+                                  </p:childTnLst>
+                                </p:cTn>
+                              </p:par>
+                            </p:childTnLst>
+                          </p:cTn>
+                        </p:par>
+                        <p:par>
+                          <p:cTn id="16" fill="hold">
+                            <p:stCondLst>
+                              <p:cond delay="1500"/>
+                            </p:stCondLst>
+                            <p:childTnLst>
+                              <p:par>
+                                <p:cTn id="17" presetID="10" presetClass="entr" presetSubtype="0" fill="hold" nodeType="afterEffect">
+                                  <p:stCondLst>
+                                    <p:cond delay="0"/>
+                                  </p:stCondLst>
+                                  <p:childTnLst>
+                                    <p:set>
+                                      <p:cBhvr>
+                                        <p:cTn id="18" dur="1" fill="hold">
+                                          <p:stCondLst>
+                                            <p:cond delay="0"/>
+                                          </p:stCondLst>
+                                        </p:cTn>
+                                        <p:tgtEl>
+                                          <p:spTgt spid="49"/>
+                                        </p:tgtEl>
+                                        <p:attrNameLst>
+                                          <p:attrName>style.visibility</p:attrName>
+                                        </p:attrNameLst>
+                                      </p:cBhvr>
+                                      <p:to>
+                                        <p:strVal val="visible"/>
+                                      </p:to>
+                                    </p:set>
+                                    <p:animEffect transition="in" filter="fade">
+                                      <p:cBhvr>
+                                        <p:cTn id="19" dur="500"/>
+                                        <p:tgtEl>
+                                          <p:spTgt spid="49"/>
+                                        </p:tgtEl>
+                                      </p:cBhvr>
+                                    </p:animEffect>
+                                  </p:childTnLst>
+                                </p:cTn>
+                              </p:par>
+                            </p:childTnLst>
+                          </p:cTn>
+                        </p:par>
+                        <p:par>
+                          <p:cTn id="20" fill="hold">
+                            <p:stCondLst>
+                              <p:cond delay="2000"/>
+                            </p:stCondLst>
+                            <p:childTnLst>
+                              <p:par>
+                                <p:cTn id="21" presetID="10" presetClass="entr" presetSubtype="0" fill="hold" nodeType="afterEffect">
+                                  <p:stCondLst>
+                                    <p:cond delay="0"/>
+                                  </p:stCondLst>
+                                  <p:childTnLst>
+                                    <p:set>
+                                      <p:cBhvr>
+                                        <p:cTn id="22" dur="1" fill="hold">
+                                          <p:stCondLst>
+                                            <p:cond delay="0"/>
+                                          </p:stCondLst>
+                                        </p:cTn>
+                                        <p:tgtEl>
+                                          <p:spTgt spid="50"/>
+                                        </p:tgtEl>
+                                        <p:attrNameLst>
+                                          <p:attrName>style.visibility</p:attrName>
+                                        </p:attrNameLst>
+                                      </p:cBhvr>
+                                      <p:to>
+                                        <p:strVal val="visible"/>
+                                      </p:to>
+                                    </p:set>
+                                    <p:animEffect transition="in" filter="fade">
+                                      <p:cBhvr>
+                                        <p:cTn id="23" dur="500"/>
+                                        <p:tgtEl>
+                                          <p:spTgt spid="50"/>
+                                        </p:tgtEl>
+                                      </p:cBhvr>
+                                    </p:animEffect>
+                                  </p:childTnLst>
+                                </p:cTn>
+                              </p:par>
+                            </p:childTnLst>
+                          </p:cTn>
+                        </p:par>
+                        <p:par>
+                          <p:cTn id="24" fill="hold">
+                            <p:stCondLst>
+                              <p:cond delay="2500"/>
+                            </p:stCondLst>
+                            <p:childTnLst>
+                              <p:par>
+                                <p:cTn id="25" presetID="10" presetClass="entr" presetSubtype="0" fill="hold" nodeType="afterEffect">
+                                  <p:stCondLst>
+                                    <p:cond delay="0"/>
+                                  </p:stCondLst>
+                                  <p:childTnLst>
+                                    <p:set>
+                                      <p:cBhvr>
+                                        <p:cTn id="26" dur="1" fill="hold">
+                                          <p:stCondLst>
+                                            <p:cond delay="0"/>
+                                          </p:stCondLst>
+                                        </p:cTn>
+                                        <p:tgtEl>
+                                          <p:spTgt spid="51"/>
+                                        </p:tgtEl>
+                                        <p:attrNameLst>
+                                          <p:attrName>style.visibility</p:attrName>
+                                        </p:attrNameLst>
+                                      </p:cBhvr>
+                                      <p:to>
+                                        <p:strVal val="visible"/>
+                                      </p:to>
+                                    </p:set>
+                                    <p:animEffect transition="in" filter="fade">
+                                      <p:cBhvr>
+                                        <p:cTn id="27" dur="500"/>
+                                        <p:tgtEl>
+                                          <p:spTgt spid="51"/>
+                                        </p:tgtEl>
+                                      </p:cBhvr>
+                                    </p:animEffect>
+                                  </p:childTnLst>
+                                </p:cTn>
+                              </p:par>
+                            </p:childTnLst>
+                          </p:cTn>
+                        </p:par>
+                        <p:par>
+                          <p:cTn id="28" fill="hold">
+                            <p:stCondLst>
+                              <p:cond delay="3000"/>
+                            </p:stCondLst>
+                            <p:childTnLst>
+                              <p:par>
+                                <p:cTn id="29" presetID="10" presetClass="entr" presetSubtype="0" fill="hold" nodeType="afterEffect">
+                                  <p:stCondLst>
+                                    <p:cond delay="0"/>
+                                  </p:stCondLst>
+                                  <p:childTnLst>
+                                    <p:set>
+                                      <p:cBhvr>
+                                        <p:cTn id="30" dur="1" fill="hold">
+                                          <p:stCondLst>
+                                            <p:cond delay="0"/>
+                                          </p:stCondLst>
+                                        </p:cTn>
+                                        <p:tgtEl>
+                                          <p:spTgt spid="52"/>
+                                        </p:tgtEl>
+                                        <p:attrNameLst>
+                                          <p:attrName>style.visibility</p:attrName>
+                                        </p:attrNameLst>
+                                      </p:cBhvr>
+                                      <p:to>
+                                        <p:strVal val="visible"/>
+                                      </p:to>
+                                    </p:set>
+                                    <p:animEffect transition="in" filter="fade">
+                                      <p:cBhvr>
+                                        <p:cTn id="31" dur="500"/>
+                                        <p:tgtEl>
+                                          <p:spTgt spid="52"/>
+                                        </p:tgtEl>
+                                      </p:cBhvr>
+                                    </p:animEffect>
+                                  </p:childTnLst>
+                                </p:cTn>
+                              </p:par>
+                            </p:childTnLst>
+                          </p:cTn>
+                        </p:par>
+                      </p:childTnLst>
+                    </p:cTn>
+                  </p:par>
+                </p:childTnLst>
+              </p:cTn>
+              <p:prevCondLst>
+                <p:cond evt="onPrev" delay="0">
+                  <p:tgtEl>
+                    <p:sldTgt/>
+                  </p:tgtEl>
+                </p:cond>
+              </p:prevCondLst>
+              <p:nextCondLst>
+                <p:cond evt="onNext" delay="0">
+                  <p:tgtEl>
+                    <p:sldTgt/>
+                  </p:tgtEl>
+                </p:cond>
+              </p:nextCondLst>
+            </p:seq>
+          </p:childTnLst>
+        </p:cTn>
+      </p:par>
+    </p:tnLst>
+  </p:timing>
+</p:sld>
+</file>
+
+<file path=ppt/slides/slide18.xml><?xml version="1.0" encoding="utf-8"?>
+<p:sld xmlns:a="http://schemas.openxmlformats.org/drawingml/2006/main" xmlns:r="http://schemas.openxmlformats.org/officeDocument/2006/relationships" xmlns:p="http://schemas.openxmlformats.org/presentationml/2006/main">
+  <p:cSld>
+    <p:spTree>
+      <p:nvGrpSpPr>
+        <p:cNvPr id="1" name=""/>
+        <p:cNvGrpSpPr/>
+        <p:nvPr/>
+      </p:nvGrpSpPr>
+      <p:grpSpPr/>
+      <p:pic>
+        <p:nvPicPr>
+          <p:cNvPr id="5" name="图片 4" descr="大学生活动中心"/>
+          <p:cNvPicPr>
+            <a:picLocks noChangeAspect="1"/>
+          </p:cNvPicPr>
+          <p:nvPr/>
+        </p:nvPicPr>
+        <p:blipFill>
+          <a:blip r:embed="rId1"/>
+          <a:stretch>
+            <a:fillRect/>
+          </a:stretch>
+        </p:blipFill>
+        <p:spPr>
+          <a:xfrm>
+            <a:off x="-17145" y="-9525"/>
+            <a:ext cx="12225655" cy="6877050"/>
+          </a:xfrm>
+          <a:prstGeom prst="rect">
+            <a:avLst/>
+          </a:prstGeom>
+        </p:spPr>
+      </p:pic>
+      <p:sp>
+        <p:nvSpPr>
+          <p:cNvPr id="6" name="文本框 5"/>
+          <p:cNvSpPr txBox="1"/>
+          <p:nvPr/>
+        </p:nvSpPr>
+        <p:spPr>
+          <a:xfrm>
+            <a:off x="2080260" y="2141855"/>
+            <a:ext cx="8030845" cy="1798955"/>
+          </a:xfrm>
+          <a:prstGeom prst="rect">
+            <a:avLst/>
+          </a:prstGeom>
+          <a:noFill/>
+          <a:effectLst>
+            <a:outerShdw blurRad="635000" dir="2700000" algn="tl" rotWithShape="0">
+              <a:prstClr val="black">
+                <a:alpha val="40000"/>
+              </a:prstClr>
+            </a:outerShdw>
+          </a:effectLst>
+        </p:spPr>
+        <p:txBody>
+          <a:bodyPr wrap="square" rtlCol="0">
+            <a:spAutoFit/>
+          </a:bodyPr>
+          <a:p>
+            <a:pPr algn="ctr"/>
+            <a:r>
+              <a:rPr lang="en-US" altLang="zh-CN" sz="5400" b="1">
+                <a:solidFill>
+                  <a:schemeClr val="bg1"/>
+                </a:solidFill>
+                <a:latin typeface="Microsoft JhengHei" panose="020B0604030504040204" charset="-120"/>
+                <a:ea typeface="Microsoft JhengHei" panose="020B0604030504040204" charset="-120"/>
+              </a:rPr>
+              <a:t>THANKS FOR WATCHING!</a:t>
+            </a:r>
+            <a:r>
+              <a:rPr lang="en-US" altLang="zh-CN" sz="4800" b="1">
+                <a:solidFill>
+                  <a:schemeClr val="bg1"/>
+                </a:solidFill>
+                <a:latin typeface="Microsoft JhengHei" panose="020B0604030504040204" charset="-120"/>
+                <a:ea typeface="Microsoft JhengHei" panose="020B0604030504040204" charset="-120"/>
+              </a:rPr>
+              <a:t> </a:t>
+            </a:r>
+            <a:endParaRPr lang="en-US" altLang="zh-CN" sz="4800" b="1">
+              <a:solidFill>
+                <a:schemeClr val="bg1"/>
+              </a:solidFill>
+              <a:latin typeface="Microsoft JhengHei" panose="020B0604030504040204" charset="-120"/>
+              <a:ea typeface="Microsoft JhengHei" panose="020B0604030504040204" charset="-120"/>
+            </a:endParaRPr>
+          </a:p>
+        </p:txBody>
+      </p:sp>
+      <p:sp>
+        <p:nvSpPr>
+          <p:cNvPr id="4" name="文本框 3"/>
+          <p:cNvSpPr txBox="1"/>
+          <p:nvPr/>
+        </p:nvSpPr>
+        <p:spPr>
+          <a:xfrm>
+            <a:off x="9635490" y="5472430"/>
+            <a:ext cx="2275205" cy="1249680"/>
+          </a:xfrm>
+          <a:prstGeom prst="rect">
+            <a:avLst/>
+          </a:prstGeom>
+          <a:noFill/>
+          <a:effectLst>
+            <a:outerShdw blurRad="457200" dir="2700000" algn="tl" rotWithShape="0">
+              <a:prstClr val="black">
+                <a:alpha val="40000"/>
+              </a:prstClr>
+            </a:outerShdw>
+          </a:effectLst>
+        </p:spPr>
+        <p:txBody>
+          <a:bodyPr wrap="square" rtlCol="0">
+            <a:spAutoFit/>
+          </a:bodyPr>
+          <a:p>
+            <a:pPr algn="l">
+              <a:lnSpc>
+                <a:spcPct val="125000"/>
+              </a:lnSpc>
+              <a:spcBef>
+                <a:spcPts val="0"/>
+              </a:spcBef>
+              <a:spcAft>
+                <a:spcPts val="0"/>
+              </a:spcAft>
+            </a:pPr>
+            <a:r>
+              <a:rPr lang="zh-CN" altLang="en-US" sz="1600">
+                <a:solidFill>
+                  <a:schemeClr val="bg1"/>
+                </a:solidFill>
+                <a:latin typeface="Microsoft JhengHei" panose="020B0604030504040204" charset="-120"/>
+                <a:ea typeface="Microsoft JhengHei" panose="020B0604030504040204" charset="-120"/>
+              </a:rPr>
+              <a:t>余思远 </a:t>
+            </a:r>
+            <a:endParaRPr lang="zh-CN" altLang="en-US" sz="1600">
+              <a:solidFill>
+                <a:schemeClr val="bg1"/>
+              </a:solidFill>
+              <a:latin typeface="Microsoft JhengHei" panose="020B0604030504040204" charset="-120"/>
+              <a:ea typeface="Microsoft JhengHei" panose="020B0604030504040204" charset="-120"/>
+            </a:endParaRPr>
+          </a:p>
+          <a:p>
+            <a:pPr algn="l">
+              <a:lnSpc>
+                <a:spcPct val="125000"/>
+              </a:lnSpc>
+              <a:spcBef>
+                <a:spcPts val="0"/>
+              </a:spcBef>
+              <a:spcAft>
+                <a:spcPts val="0"/>
+              </a:spcAft>
+            </a:pPr>
+            <a:r>
+              <a:rPr lang="zh-CN" altLang="en-US" sz="1600">
+                <a:solidFill>
+                  <a:schemeClr val="bg1"/>
+                </a:solidFill>
+                <a:latin typeface="Microsoft JhengHei" panose="020B0604030504040204" charset="-120"/>
+                <a:ea typeface="Microsoft JhengHei" panose="020B0604030504040204" charset="-120"/>
+              </a:rPr>
+              <a:t>软件工程</a:t>
+            </a:r>
+            <a:r>
+              <a:rPr lang="en-US" altLang="zh-CN" sz="1600">
+                <a:solidFill>
+                  <a:schemeClr val="bg1"/>
+                </a:solidFill>
+                <a:latin typeface="Microsoft JhengHei" panose="020B0604030504040204" charset="-120"/>
+                <a:ea typeface="Microsoft JhengHei" panose="020B0604030504040204" charset="-120"/>
+              </a:rPr>
+              <a:t>152</a:t>
+            </a:r>
+            <a:endParaRPr lang="en-US" altLang="zh-CN" sz="1600">
+              <a:solidFill>
+                <a:schemeClr val="bg1"/>
+              </a:solidFill>
+              <a:latin typeface="Microsoft JhengHei" panose="020B0604030504040204" charset="-120"/>
+              <a:ea typeface="Microsoft JhengHei" panose="020B0604030504040204" charset="-120"/>
+            </a:endParaRPr>
+          </a:p>
+          <a:p>
+            <a:pPr algn="l">
+              <a:lnSpc>
+                <a:spcPct val="125000"/>
+              </a:lnSpc>
+              <a:spcBef>
+                <a:spcPts val="0"/>
+              </a:spcBef>
+              <a:spcAft>
+                <a:spcPts val="0"/>
+              </a:spcAft>
+            </a:pPr>
+            <a:r>
+              <a:rPr lang="en-US" altLang="zh-CN" sz="1600">
+                <a:solidFill>
+                  <a:schemeClr val="bg1"/>
+                </a:solidFill>
+                <a:latin typeface="Microsoft JhengHei" panose="020B0604030504040204" charset="-120"/>
+                <a:ea typeface="Microsoft JhengHei" panose="020B0604030504040204" charset="-120"/>
+              </a:rPr>
+              <a:t>5150510116</a:t>
+            </a:r>
+            <a:endParaRPr lang="en-US" altLang="zh-CN" sz="1600">
+              <a:solidFill>
+                <a:schemeClr val="bg1"/>
+              </a:solidFill>
+              <a:latin typeface="Microsoft JhengHei" panose="020B0604030504040204" charset="-120"/>
+              <a:ea typeface="Microsoft JhengHei" panose="020B0604030504040204" charset="-120"/>
+            </a:endParaRPr>
+          </a:p>
+          <a:p>
+            <a:pPr algn="l"/>
+            <a:endParaRPr lang="en-US" altLang="zh-CN" sz="1600">
+              <a:solidFill>
+                <a:schemeClr val="bg1"/>
+              </a:solidFill>
+              <a:latin typeface="Microsoft JhengHei" panose="020B0604030504040204" charset="-120"/>
+              <a:ea typeface="Microsoft JhengHei" panose="020B0604030504040204" charset="-120"/>
+            </a:endParaRPr>
+          </a:p>
+        </p:txBody>
+      </p:sp>
+    </p:spTree>
+  </p:cSld>
+  <p:clrMapOvr>
+    <a:overrideClrMapping bg1="lt1" tx1="dk1" bg2="lt2" tx2="dk2" accent1="accent1" accent2="accent2" accent3="accent3" accent4="accent4" accent5="accent5" accent6="accent6" hlink="hlink" folHlink="folHlink"/>
   </p:clrMapOvr>
   <p:transition>
     <p:fade/>
@@ -7880,7 +12125,7 @@
   <p:clrMapOvr>
     <a:masterClrMapping/>
   </p:clrMapOvr>
-  <p:transition advTm="5000">
+  <p:transition>
     <p:fade/>
   </p:transition>
   <p:timing>
@@ -8007,14 +12252,6 @@
 <file path=ppt/slides/slide8.xml><?xml version="1.0" encoding="utf-8"?>
 <p:sld xmlns:a="http://schemas.openxmlformats.org/drawingml/2006/main" xmlns:r="http://schemas.openxmlformats.org/officeDocument/2006/relationships" xmlns:p="http://schemas.openxmlformats.org/presentationml/2006/main">
   <p:cSld>
-    <p:bg>
-      <p:bgPr>
-        <a:solidFill>
-          <a:srgbClr val="E4E4E4"/>
-        </a:solidFill>
-        <a:effectLst/>
-      </p:bgPr>
-    </p:bg>
     <p:spTree>
       <p:nvGrpSpPr>
         <p:cNvPr id="1" name=""/>
@@ -8096,14 +12333,6 @@
 <file path=ppt/slides/slide9.xml><?xml version="1.0" encoding="utf-8"?>
 <p:sld xmlns:a="http://schemas.openxmlformats.org/drawingml/2006/main" xmlns:r="http://schemas.openxmlformats.org/officeDocument/2006/relationships" xmlns:p="http://schemas.openxmlformats.org/presentationml/2006/main">
   <p:cSld>
-    <p:bg>
-      <p:bgPr>
-        <a:solidFill>
-          <a:srgbClr val="E4E4E4"/>
-        </a:solidFill>
-        <a:effectLst/>
-      </p:bgPr>
-    </p:bg>
     <p:spTree>
       <p:nvGrpSpPr>
         <p:cNvPr id="1" name=""/>
@@ -8111,9 +12340,45 @@
         <p:nvPr/>
       </p:nvGrpSpPr>
       <p:grpSpPr/>
+      <p:sp>
+        <p:nvSpPr>
+          <p:cNvPr id="5" name="文本框 4"/>
+          <p:cNvSpPr txBox="1"/>
+          <p:nvPr/>
+        </p:nvSpPr>
+        <p:spPr>
+          <a:xfrm>
+            <a:off x="3205480" y="6300470"/>
+            <a:ext cx="5780405" cy="386715"/>
+          </a:xfrm>
+          <a:prstGeom prst="rect">
+            <a:avLst/>
+          </a:prstGeom>
+          <a:noFill/>
+        </p:spPr>
+        <p:txBody>
+          <a:bodyPr wrap="square" rtlCol="0">
+            <a:spAutoFit/>
+          </a:bodyPr>
+          <a:p>
+            <a:pPr algn="ctr"/>
+            <a:r>
+              <a:rPr lang="zh-CN" altLang="en-US">
+                <a:latin typeface="Microsoft JhengHei" panose="020B0604030504040204" charset="-120"/>
+                <a:ea typeface="Microsoft JhengHei" panose="020B0604030504040204" charset="-120"/>
+              </a:rPr>
+              <a:t>学生端（患者端）原型设计稿概览</a:t>
+            </a:r>
+            <a:endParaRPr lang="zh-CN" altLang="en-US">
+              <a:latin typeface="Microsoft JhengHei" panose="020B0604030504040204" charset="-120"/>
+              <a:ea typeface="Microsoft JhengHei" panose="020B0604030504040204" charset="-120"/>
+            </a:endParaRPr>
+          </a:p>
+        </p:txBody>
+      </p:sp>
       <p:pic>
         <p:nvPicPr>
-          <p:cNvPr id="2" name="图片 1"/>
+          <p:cNvPr id="4" name="图片 3"/>
           <p:cNvPicPr>
             <a:picLocks noChangeAspect="1"/>
           </p:cNvPicPr>
@@ -8127,50 +12392,14 @@
         </p:blipFill>
         <p:spPr>
           <a:xfrm>
-            <a:off x="679450" y="-635"/>
-            <a:ext cx="10844530" cy="6670040"/>
+            <a:off x="843280" y="249555"/>
+            <a:ext cx="10506075" cy="5610860"/>
           </a:xfrm>
           <a:prstGeom prst="rect">
             <a:avLst/>
           </a:prstGeom>
         </p:spPr>
       </p:pic>
-      <p:sp>
-        <p:nvSpPr>
-          <p:cNvPr id="5" name="文本框 4"/>
-          <p:cNvSpPr txBox="1"/>
-          <p:nvPr/>
-        </p:nvSpPr>
-        <p:spPr>
-          <a:xfrm>
-            <a:off x="3211830" y="6376670"/>
-            <a:ext cx="5780405" cy="386715"/>
-          </a:xfrm>
-          <a:prstGeom prst="rect">
-            <a:avLst/>
-          </a:prstGeom>
-          <a:noFill/>
-        </p:spPr>
-        <p:txBody>
-          <a:bodyPr wrap="square" rtlCol="0">
-            <a:spAutoFit/>
-          </a:bodyPr>
-          <a:p>
-            <a:pPr algn="ctr"/>
-            <a:r>
-              <a:rPr lang="zh-CN" altLang="en-US">
-                <a:latin typeface="Microsoft JhengHei" panose="020B0604030504040204" charset="-120"/>
-                <a:ea typeface="Microsoft JhengHei" panose="020B0604030504040204" charset="-120"/>
-              </a:rPr>
-              <a:t>医生端原型设计稿概览</a:t>
-            </a:r>
-            <a:endParaRPr lang="zh-CN" altLang="en-US">
-              <a:latin typeface="Microsoft JhengHei" panose="020B0604030504040204" charset="-120"/>
-              <a:ea typeface="Microsoft JhengHei" panose="020B0604030504040204" charset="-120"/>
-            </a:endParaRPr>
-          </a:p>
-        </p:txBody>
-      </p:sp>
     </p:spTree>
   </p:cSld>
   <p:clrMapOvr>
@@ -8183,6 +12412,265 @@
 </file>
 
 <file path=ppt/theme/theme1.xml><?xml version="1.0" encoding="utf-8"?>
+<a:theme xmlns:a="http://schemas.openxmlformats.org/drawingml/2006/main" name="Office 主题">
+  <a:themeElements>
+    <a:clrScheme name="Office">
+      <a:dk1>
+        <a:sysClr val="windowText" lastClr="000000"/>
+      </a:dk1>
+      <a:lt1>
+        <a:sysClr val="window" lastClr="FFFFFF"/>
+      </a:lt1>
+      <a:dk2>
+        <a:srgbClr val="44546A"/>
+      </a:dk2>
+      <a:lt2>
+        <a:srgbClr val="E7E6E6"/>
+      </a:lt2>
+      <a:accent1>
+        <a:srgbClr val="5B9BD5"/>
+      </a:accent1>
+      <a:accent2>
+        <a:srgbClr val="ED7D31"/>
+      </a:accent2>
+      <a:accent3>
+        <a:srgbClr val="A5A5A5"/>
+      </a:accent3>
+      <a:accent4>
+        <a:srgbClr val="FFC000"/>
+      </a:accent4>
+      <a:accent5>
+        <a:srgbClr val="4472C4"/>
+      </a:accent5>
+      <a:accent6>
+        <a:srgbClr val="70AD47"/>
+      </a:accent6>
+      <a:hlink>
+        <a:srgbClr val="0563C1"/>
+      </a:hlink>
+      <a:folHlink>
+        <a:srgbClr val="954F72"/>
+      </a:folHlink>
+    </a:clrScheme>
+    <a:fontScheme name="Office">
+      <a:majorFont>
+        <a:latin typeface="Calibri Light"/>
+        <a:ea typeface=""/>
+        <a:cs typeface=""/>
+        <a:font script="Jpan" typeface="ＭＳ Ｐゴシック"/>
+        <a:font script="Hang" typeface="맑은 고딕"/>
+        <a:font script="Hans" typeface="宋体"/>
+        <a:font script="Hant" typeface="新細明體"/>
+        <a:font script="Arab" typeface="Times New Roman"/>
+        <a:font script="Hebr" typeface="Times New Roman"/>
+        <a:font script="Thai" typeface="Angsana New"/>
+        <a:font script="Ethi" typeface="Nyala"/>
+        <a:font script="Beng" typeface="Vrinda"/>
+        <a:font script="Gujr" typeface="Shruti"/>
+        <a:font script="Khmr" typeface="MoolBoran"/>
+        <a:font script="Knda" typeface="Tunga"/>
+        <a:font script="Guru" typeface="Raavi"/>
+        <a:font script="Cans" typeface="Euphemia"/>
+        <a:font script="Cher" typeface="Plantagenet Cherokee"/>
+        <a:font script="Yiii" typeface="Microsoft Yi Baiti"/>
+        <a:font script="Tibt" typeface="Microsoft Himalaya"/>
+        <a:font script="Thaa" typeface="MV Boli"/>
+        <a:font script="Deva" typeface="Mangal"/>
+        <a:font script="Telu" typeface="Gautami"/>
+        <a:font script="Taml" typeface="Latha"/>
+        <a:font script="Syrc" typeface="Estrangelo Edessa"/>
+        <a:font script="Orya" typeface="Kalinga"/>
+        <a:font script="Mlym" typeface="Kartika"/>
+        <a:font script="Laoo" typeface="DokChampa"/>
+        <a:font script="Sinh" typeface="Iskoola Pota"/>
+        <a:font script="Mong" typeface="Mongolian Baiti"/>
+        <a:font script="Viet" typeface="Times New Roman"/>
+        <a:font script="Uigh" typeface="Microsoft Uighur"/>
+        <a:font script="Geor" typeface="Sylfaen"/>
+      </a:majorFont>
+      <a:minorFont>
+        <a:latin typeface="Calibri"/>
+        <a:ea typeface=""/>
+        <a:cs typeface=""/>
+        <a:font script="Jpan" typeface="ＭＳ Ｐゴシック"/>
+        <a:font script="Hang" typeface="맑은 고딕"/>
+        <a:font script="Hans" typeface="宋体"/>
+        <a:font script="Hant" typeface="新細明體"/>
+        <a:font script="Arab" typeface="Arial"/>
+        <a:font script="Hebr" typeface="Arial"/>
+        <a:font script="Thai" typeface="Cordia New"/>
+        <a:font script="Ethi" typeface="Nyala"/>
+        <a:font script="Beng" typeface="Vrinda"/>
+        <a:font script="Gujr" typeface="Shruti"/>
+        <a:font script="Khmr" typeface="DaunPenh"/>
+        <a:font script="Knda" typeface="Tunga"/>
+        <a:font script="Guru" typeface="Raavi"/>
+        <a:font script="Cans" typeface="Euphemia"/>
+        <a:font script="Cher" typeface="Plantagenet Cherokee"/>
+        <a:font script="Yiii" typeface="Microsoft Yi Baiti"/>
+        <a:font script="Tibt" typeface="Microsoft Himalaya"/>
+        <a:font script="Thaa" typeface="MV Boli"/>
+        <a:font script="Deva" typeface="Mangal"/>
+        <a:font script="Telu" typeface="Gautami"/>
+        <a:font script="Taml" typeface="Latha"/>
+        <a:font script="Syrc" typeface="Estrangelo Edessa"/>
+        <a:font script="Orya" typeface="Kalinga"/>
+        <a:font script="Mlym" typeface="Kartika"/>
+        <a:font script="Laoo" typeface="DokChampa"/>
+        <a:font script="Sinh" typeface="Iskoola Pota"/>
+        <a:font script="Mong" typeface="Mongolian Baiti"/>
+        <a:font script="Viet" typeface="Arial"/>
+        <a:font script="Uigh" typeface="Microsoft Uighur"/>
+        <a:font script="Geor" typeface="Sylfaen"/>
+      </a:minorFont>
+    </a:fontScheme>
+    <a:fmtScheme name="Office">
+      <a:fillStyleLst>
+        <a:solidFill>
+          <a:schemeClr val="phClr"/>
+        </a:solidFill>
+        <a:gradFill rotWithShape="1">
+          <a:gsLst>
+            <a:gs pos="0">
+              <a:schemeClr val="phClr">
+                <a:lumMod val="110000"/>
+                <a:satMod val="105000"/>
+                <a:tint val="67000"/>
+              </a:schemeClr>
+            </a:gs>
+            <a:gs pos="50000">
+              <a:schemeClr val="phClr">
+                <a:lumMod val="105000"/>
+                <a:satMod val="103000"/>
+                <a:tint val="73000"/>
+              </a:schemeClr>
+            </a:gs>
+            <a:gs pos="100000">
+              <a:schemeClr val="phClr">
+                <a:lumMod val="105000"/>
+                <a:satMod val="109000"/>
+                <a:tint val="81000"/>
+              </a:schemeClr>
+            </a:gs>
+          </a:gsLst>
+          <a:lin ang="5400000" scaled="0"/>
+        </a:gradFill>
+        <a:gradFill rotWithShape="1">
+          <a:gsLst>
+            <a:gs pos="0">
+              <a:schemeClr val="phClr">
+                <a:satMod val="103000"/>
+                <a:lumMod val="102000"/>
+                <a:tint val="94000"/>
+              </a:schemeClr>
+            </a:gs>
+            <a:gs pos="50000">
+              <a:schemeClr val="phClr">
+                <a:satMod val="110000"/>
+                <a:lumMod val="100000"/>
+                <a:shade val="100000"/>
+              </a:schemeClr>
+            </a:gs>
+            <a:gs pos="100000">
+              <a:schemeClr val="phClr">
+                <a:lumMod val="99000"/>
+                <a:satMod val="120000"/>
+                <a:shade val="78000"/>
+              </a:schemeClr>
+            </a:gs>
+          </a:gsLst>
+          <a:lin ang="5400000" scaled="0"/>
+        </a:gradFill>
+      </a:fillStyleLst>
+      <a:lnStyleLst>
+        <a:ln w="6350" cap="flat" cmpd="sng" algn="ctr">
+          <a:solidFill>
+            <a:schemeClr val="phClr"/>
+          </a:solidFill>
+          <a:prstDash val="solid"/>
+          <a:miter lim="800000"/>
+        </a:ln>
+        <a:ln w="12700" cap="flat" cmpd="sng" algn="ctr">
+          <a:solidFill>
+            <a:schemeClr val="phClr"/>
+          </a:solidFill>
+          <a:prstDash val="solid"/>
+          <a:miter lim="800000"/>
+        </a:ln>
+        <a:ln w="19050" cap="flat" cmpd="sng" algn="ctr">
+          <a:solidFill>
+            <a:schemeClr val="phClr"/>
+          </a:solidFill>
+          <a:prstDash val="solid"/>
+          <a:miter lim="800000"/>
+        </a:ln>
+      </a:lnStyleLst>
+      <a:effectStyleLst>
+        <a:effectStyle>
+          <a:effectLst/>
+        </a:effectStyle>
+        <a:effectStyle>
+          <a:effectLst/>
+        </a:effectStyle>
+        <a:effectStyle>
+          <a:effectLst>
+            <a:outerShdw blurRad="57150" dist="19050" dir="5400000" algn="ctr" rotWithShape="0">
+              <a:srgbClr val="000000">
+                <a:alpha val="63000"/>
+              </a:srgbClr>
+            </a:outerShdw>
+          </a:effectLst>
+        </a:effectStyle>
+      </a:effectStyleLst>
+      <a:bgFillStyleLst>
+        <a:solidFill>
+          <a:schemeClr val="phClr"/>
+        </a:solidFill>
+        <a:solidFill>
+          <a:schemeClr val="phClr">
+            <a:tint val="95000"/>
+            <a:satMod val="170000"/>
+          </a:schemeClr>
+        </a:solidFill>
+        <a:gradFill rotWithShape="1">
+          <a:gsLst>
+            <a:gs pos="0">
+              <a:schemeClr val="phClr">
+                <a:tint val="93000"/>
+                <a:satMod val="150000"/>
+                <a:shade val="98000"/>
+                <a:lumMod val="102000"/>
+              </a:schemeClr>
+            </a:gs>
+            <a:gs pos="50000">
+              <a:schemeClr val="phClr">
+                <a:tint val="98000"/>
+                <a:satMod val="130000"/>
+                <a:shade val="90000"/>
+                <a:lumMod val="103000"/>
+              </a:schemeClr>
+            </a:gs>
+            <a:gs pos="100000">
+              <a:schemeClr val="phClr">
+                <a:shade val="63000"/>
+                <a:satMod val="120000"/>
+              </a:schemeClr>
+            </a:gs>
+          </a:gsLst>
+          <a:lin ang="5400000" scaled="0"/>
+        </a:gradFill>
+      </a:bgFillStyleLst>
+    </a:fmtScheme>
+  </a:themeElements>
+  <a:extLst>
+    <a:ext uri="{05A4C25C-085E-4340-85A3-A5531E510DB2}">
+      <thm15:themeFamily xmlns:thm15="http://schemas.microsoft.com/office/thememl/2012/main" name="Office Theme" id="{62F939B6-93AF-4DB8-9C6B-D6C7DFDC589F}" vid="{4A3C46E8-61CC-4603-A589-7422A47A8E4A}"/>
+    </a:ext>
+  </a:extLst>
+</a:theme>
+</file>
+
+<file path=ppt/theme/theme2.xml><?xml version="1.0" encoding="utf-8"?>
 <a:theme xmlns:a="http://schemas.openxmlformats.org/drawingml/2006/main" name="Office 主题">
   <a:themeElements>
     <a:clrScheme name="Office">
@@ -8482,4 +12970,47 @@
     </a:folHlink>
   </a:clrScheme>
 </a:themeOverride>
+</file>
+
+<file path=ppt/theme/themeOverride2.xml><?xml version="1.0" encoding="utf-8"?>
+<a:themeOverride xmlns:a="http://schemas.openxmlformats.org/drawingml/2006/main">
+  <a:clrScheme name="Office">
+    <a:dk1>
+      <a:sysClr val="windowText" lastClr="000000"/>
+    </a:dk1>
+    <a:lt1>
+      <a:sysClr val="window" lastClr="FFFFFF"/>
+    </a:lt1>
+    <a:dk2>
+      <a:srgbClr val="44546A"/>
+    </a:dk2>
+    <a:lt2>
+      <a:srgbClr val="E7E6E6"/>
+    </a:lt2>
+    <a:accent1>
+      <a:srgbClr val="5B9BD5"/>
+    </a:accent1>
+    <a:accent2>
+      <a:srgbClr val="ED7D31"/>
+    </a:accent2>
+    <a:accent3>
+      <a:srgbClr val="A5A5A5"/>
+    </a:accent3>
+    <a:accent4>
+      <a:srgbClr val="FFC000"/>
+    </a:accent4>
+    <a:accent5>
+      <a:srgbClr val="4472C4"/>
+    </a:accent5>
+    <a:accent6>
+      <a:srgbClr val="70AD47"/>
+    </a:accent6>
+    <a:hlink>
+      <a:srgbClr val="0563C1"/>
+    </a:hlink>
+    <a:folHlink>
+      <a:srgbClr val="954F72"/>
+    </a:folHlink>
+  </a:clrScheme>
+</a:themeOverride>
 </file>
--- a/答辩/开题答辩.pptx
+++ b/答辩/开题答辩.pptx
@@ -3948,18 +3948,7 @@
                 <a:ea typeface="Microsoft JhengHei" panose="020B0604030504040204" charset="-120"/>
                 <a:sym typeface="+mn-ea"/>
               </a:rPr>
-              <a:t>医生</a:t>
-            </a:r>
-            <a:r>
-              <a:rPr lang="zh-CN" altLang="en-US" sz="2400" b="1">
-                <a:solidFill>
-                  <a:schemeClr val="bg1"/>
-                </a:solidFill>
-                <a:latin typeface="Microsoft JhengHei" panose="020B0604030504040204" charset="-120"/>
-                <a:ea typeface="Microsoft JhengHei" panose="020B0604030504040204" charset="-120"/>
-                <a:sym typeface="+mn-ea"/>
-              </a:rPr>
-              <a:t>端</a:t>
+              <a:t>医生端</a:t>
             </a:r>
             <a:endParaRPr lang="zh-CN" altLang="en-US" sz="2400" b="1">
               <a:solidFill>
@@ -4186,18 +4175,7 @@
                 <a:ea typeface="Microsoft JhengHei" panose="020B0604030504040204" charset="-120"/>
                 <a:sym typeface="+mn-ea"/>
               </a:rPr>
-              <a:t>计划</a:t>
-            </a:r>
-            <a:r>
-              <a:rPr lang="zh-CN" altLang="en-US">
-                <a:solidFill>
-                  <a:schemeClr val="bg1"/>
-                </a:solidFill>
-                <a:latin typeface="Microsoft JhengHei" panose="020B0604030504040204" charset="-120"/>
-                <a:ea typeface="Microsoft JhengHei" panose="020B0604030504040204" charset="-120"/>
-                <a:sym typeface="+mn-ea"/>
-              </a:rPr>
-              <a:t>加入的功能：药品配送系统，配送员接单、送单等</a:t>
+              <a:t>计划加入的功能：药品配送系统，配送员接单、送单等</a:t>
             </a:r>
             <a:endParaRPr lang="zh-CN" altLang="en-US">
               <a:solidFill>
@@ -4808,15 +4786,7 @@
                   <a:ea typeface="Microsoft JhengHei" panose="020B0604030504040204" charset="-120"/>
                   <a:sym typeface="+mn-ea"/>
                 </a:rPr>
-                <a:t>前端</a:t>
-              </a:r>
-              <a:r>
-                <a:rPr lang="zh-CN" altLang="en-US">
-                  <a:latin typeface="Microsoft JhengHei" panose="020B0604030504040204" charset="-120"/>
-                  <a:ea typeface="Microsoft JhengHei" panose="020B0604030504040204" charset="-120"/>
-                  <a:sym typeface="+mn-ea"/>
-                </a:rPr>
-                <a:t>：</a:t>
+                <a:t>前端：</a:t>
               </a:r>
               <a:endParaRPr lang="zh-CN" altLang="en-US">
                 <a:latin typeface="Microsoft JhengHei" panose="020B0604030504040204" charset="-120"/>
@@ -4854,15 +4824,7 @@
                   <a:ea typeface="Microsoft JhengHei" panose="020B0604030504040204" charset="-120"/>
                   <a:sym typeface="+mn-ea"/>
                 </a:rPr>
-                <a:t>后端</a:t>
-              </a:r>
-              <a:r>
-                <a:rPr lang="zh-CN" altLang="en-US">
-                  <a:latin typeface="Microsoft JhengHei" panose="020B0604030504040204" charset="-120"/>
-                  <a:ea typeface="Microsoft JhengHei" panose="020B0604030504040204" charset="-120"/>
-                  <a:sym typeface="+mn-ea"/>
-                </a:rPr>
-                <a:t>：</a:t>
+                <a:t>后端：</a:t>
               </a:r>
               <a:endParaRPr lang="zh-CN" altLang="en-US">
                 <a:latin typeface="Microsoft JhengHei" panose="020B0604030504040204" charset="-120"/>
@@ -4900,15 +4862,7 @@
                   <a:ea typeface="Microsoft JhengHei" panose="020B0604030504040204" charset="-120"/>
                   <a:sym typeface="+mn-ea"/>
                 </a:rPr>
-                <a:t>实时通信</a:t>
-              </a:r>
-              <a:r>
-                <a:rPr lang="zh-CN" altLang="en-US">
-                  <a:latin typeface="Microsoft JhengHei" panose="020B0604030504040204" charset="-120"/>
-                  <a:ea typeface="Microsoft JhengHei" panose="020B0604030504040204" charset="-120"/>
-                  <a:sym typeface="+mn-ea"/>
-                </a:rPr>
-                <a:t>：</a:t>
+                <a:t>实时通信：</a:t>
               </a:r>
               <a:endParaRPr lang="zh-CN" altLang="en-US">
                 <a:latin typeface="Microsoft JhengHei" panose="020B0604030504040204" charset="-120"/>
@@ -4919,31 +4873,6 @@
           </p:txBody>
         </p:sp>
       </p:grpSp>
-      <p:pic>
-        <p:nvPicPr>
-          <p:cNvPr id="11" name="图片 10" descr="mysql"/>
-          <p:cNvPicPr>
-            <a:picLocks noChangeAspect="1"/>
-          </p:cNvPicPr>
-          <p:nvPr/>
-        </p:nvPicPr>
-        <p:blipFill>
-          <a:blip r:embed="rId1"/>
-          <a:srcRect l="19776" r="26460"/>
-          <a:stretch>
-            <a:fillRect/>
-          </a:stretch>
-        </p:blipFill>
-        <p:spPr>
-          <a:xfrm>
-            <a:off x="9594215" y="2771140"/>
-            <a:ext cx="2099310" cy="1772920"/>
-          </a:xfrm>
-          <a:prstGeom prst="rect">
-            <a:avLst/>
-          </a:prstGeom>
-        </p:spPr>
-      </p:pic>
       <p:grpSp>
         <p:nvGrpSpPr>
           <p:cNvPr id="29" name="组合 28"/>
@@ -4967,7 +4896,7 @@
             <p:nvPr/>
           </p:nvPicPr>
           <p:blipFill>
-            <a:blip r:embed="rId2"/>
+            <a:blip r:embed="rId1"/>
             <a:stretch>
               <a:fillRect/>
             </a:stretch>
@@ -4991,7 +4920,7 @@
             <p:nvPr/>
           </p:nvPicPr>
           <p:blipFill>
-            <a:blip r:embed="rId3"/>
+            <a:blip r:embed="rId2"/>
             <a:stretch>
               <a:fillRect/>
             </a:stretch>
@@ -5029,7 +4958,7 @@
               <p:nvPr/>
             </p:nvPicPr>
             <p:blipFill>
-              <a:blip r:embed="rId4"/>
+              <a:blip r:embed="rId3"/>
               <a:stretch>
                 <a:fillRect/>
               </a:stretch>
@@ -5106,7 +5035,7 @@
             <p:nvPr/>
           </p:nvPicPr>
           <p:blipFill>
-            <a:blip r:embed="rId5"/>
+            <a:blip r:embed="rId4"/>
             <a:stretch>
               <a:fillRect/>
             </a:stretch>
@@ -5130,7 +5059,7 @@
             <p:nvPr/>
           </p:nvPicPr>
           <p:blipFill>
-            <a:blip r:embed="rId6"/>
+            <a:blip r:embed="rId5"/>
             <a:stretch>
               <a:fillRect/>
             </a:stretch>
@@ -5169,7 +5098,7 @@
             <p:nvPr/>
           </p:nvPicPr>
           <p:blipFill>
-            <a:blip r:embed="rId7"/>
+            <a:blip r:embed="rId6"/>
             <a:stretch>
               <a:fillRect/>
             </a:stretch>
@@ -5207,7 +5136,7 @@
               <p:nvPr/>
             </p:nvPicPr>
             <p:blipFill>
-              <a:blip r:embed="rId8"/>
+              <a:blip r:embed="rId7"/>
               <a:stretch>
                 <a:fillRect/>
               </a:stretch>
@@ -5283,7 +5212,7 @@
               <p:nvPr/>
             </p:nvPicPr>
             <p:blipFill>
-              <a:blip r:embed="rId9"/>
+              <a:blip r:embed="rId8"/>
               <a:stretch>
                 <a:fillRect/>
               </a:stretch>
@@ -5334,6 +5263,131 @@
             </p:txBody>
           </p:sp>
         </p:grpSp>
+      </p:grpSp>
+      <p:grpSp>
+        <p:nvGrpSpPr>
+          <p:cNvPr id="24" name="组合 23"/>
+          <p:cNvGrpSpPr/>
+          <p:nvPr/>
+        </p:nvGrpSpPr>
+        <p:grpSpPr>
+          <a:xfrm>
+            <a:off x="8320405" y="1350010"/>
+            <a:ext cx="3373120" cy="3194050"/>
+            <a:chOff x="13103" y="2126"/>
+            <a:chExt cx="5312" cy="5030"/>
+          </a:xfrm>
+        </p:grpSpPr>
+        <p:grpSp>
+          <p:nvGrpSpPr>
+            <p:cNvPr id="23" name="组合 22"/>
+            <p:cNvGrpSpPr/>
+            <p:nvPr/>
+          </p:nvGrpSpPr>
+          <p:grpSpPr>
+            <a:xfrm>
+              <a:off x="13103" y="2126"/>
+              <a:ext cx="5312" cy="5030"/>
+              <a:chOff x="13103" y="2126"/>
+              <a:chExt cx="5312" cy="5030"/>
+            </a:xfrm>
+          </p:grpSpPr>
+          <p:pic>
+            <p:nvPicPr>
+              <p:cNvPr id="11" name="图片 10" descr="mysql"/>
+              <p:cNvPicPr>
+                <a:picLocks noChangeAspect="1"/>
+              </p:cNvPicPr>
+              <p:nvPr/>
+            </p:nvPicPr>
+            <p:blipFill>
+              <a:blip r:embed="rId9"/>
+              <a:srcRect l="19776" r="26460"/>
+              <a:stretch>
+                <a:fillRect/>
+              </a:stretch>
+            </p:blipFill>
+            <p:spPr>
+              <a:xfrm>
+                <a:off x="15109" y="4364"/>
+                <a:ext cx="3306" cy="2792"/>
+              </a:xfrm>
+              <a:prstGeom prst="rect">
+                <a:avLst/>
+              </a:prstGeom>
+            </p:spPr>
+          </p:pic>
+          <p:pic>
+            <p:nvPicPr>
+              <p:cNvPr id="4" name="图片 3" descr="vant"/>
+              <p:cNvPicPr>
+                <a:picLocks noChangeAspect="1"/>
+              </p:cNvPicPr>
+              <p:nvPr/>
+            </p:nvPicPr>
+            <p:blipFill>
+              <a:blip r:embed="rId10"/>
+              <a:srcRect l="31807" t="10207" r="32812" b="7102"/>
+              <a:stretch>
+                <a:fillRect/>
+              </a:stretch>
+            </p:blipFill>
+            <p:spPr>
+              <a:xfrm>
+                <a:off x="13103" y="2126"/>
+                <a:ext cx="1491" cy="1582"/>
+              </a:xfrm>
+              <a:prstGeom prst="rect">
+                <a:avLst/>
+              </a:prstGeom>
+            </p:spPr>
+          </p:pic>
+        </p:grpSp>
+        <p:sp>
+          <p:nvSpPr>
+            <p:cNvPr id="22" name="文本框 21"/>
+            <p:cNvSpPr txBox="1"/>
+            <p:nvPr/>
+          </p:nvSpPr>
+          <p:spPr>
+            <a:xfrm>
+              <a:off x="13320" y="3708"/>
+              <a:ext cx="1058" cy="505"/>
+            </a:xfrm>
+            <a:prstGeom prst="rect">
+              <a:avLst/>
+            </a:prstGeom>
+            <a:noFill/>
+          </p:spPr>
+          <p:txBody>
+            <a:bodyPr wrap="none" rtlCol="0" anchor="t">
+              <a:spAutoFit/>
+            </a:bodyPr>
+            <a:p>
+              <a:r>
+                <a:rPr lang="en-US" altLang="zh-CN" sz="1400">
+                  <a:latin typeface="Microsoft JhengHei" panose="020B0604030504040204" charset="-120"/>
+                  <a:ea typeface="Microsoft JhengHei" panose="020B0604030504040204" charset="-120"/>
+                  <a:sym typeface="+mn-ea"/>
+                </a:rPr>
+                <a:t>(Vant</a:t>
+              </a:r>
+              <a:r>
+                <a:rPr lang="en-US" altLang="zh-CN" sz="1400">
+                  <a:latin typeface="Microsoft JhengHei" panose="020B0604030504040204" charset="-120"/>
+                  <a:ea typeface="Microsoft JhengHei" panose="020B0604030504040204" charset="-120"/>
+                  <a:sym typeface="+mn-ea"/>
+                </a:rPr>
+                <a:t>)</a:t>
+              </a:r>
+              <a:endParaRPr lang="en-US" altLang="zh-CN" sz="1400">
+                <a:latin typeface="Microsoft JhengHei" panose="020B0604030504040204" charset="-120"/>
+                <a:ea typeface="Microsoft JhengHei" panose="020B0604030504040204" charset="-120"/>
+                <a:sym typeface="+mn-ea"/>
+              </a:endParaRPr>
+            </a:p>
+          </p:txBody>
+        </p:sp>
       </p:grpSp>
     </p:spTree>
   </p:cSld>
@@ -5553,7 +5607,7 @@
                                           </p:stCondLst>
                                         </p:cTn>
                                         <p:tgtEl>
-                                          <p:spTgt spid="11"/>
+                                          <p:spTgt spid="24"/>
                                         </p:tgtEl>
                                         <p:attrNameLst>
                                           <p:attrName>style.visibility</p:attrName>
@@ -5567,7 +5621,7 @@
                                       <p:cBhvr>
                                         <p:cTn id="23" dur="500"/>
                                         <p:tgtEl>
-                                          <p:spTgt spid="11"/>
+                                          <p:spTgt spid="24"/>
                                         </p:tgtEl>
                                       </p:cBhvr>
                                     </p:animEffect>
@@ -5642,23 +5696,7 @@
                 <a:ea typeface="Microsoft JhengHei" panose="020B0604030504040204" charset="-120"/>
                 <a:sym typeface="+mn-ea"/>
               </a:rPr>
-              <a:t>技术</a:t>
-            </a:r>
-            <a:r>
-              <a:rPr lang="zh-CN" altLang="en-US" sz="2400" b="1">
-                <a:latin typeface="Microsoft JhengHei" panose="020B0604030504040204" charset="-120"/>
-                <a:ea typeface="Microsoft JhengHei" panose="020B0604030504040204" charset="-120"/>
-                <a:sym typeface="+mn-ea"/>
-              </a:rPr>
-              <a:t>栈</a:t>
-            </a:r>
-            <a:r>
-              <a:rPr lang="zh-CN" altLang="en-US" sz="2400" b="1">
-                <a:latin typeface="Microsoft JhengHei" panose="020B0604030504040204" charset="-120"/>
-                <a:ea typeface="Microsoft JhengHei" panose="020B0604030504040204" charset="-120"/>
-                <a:sym typeface="+mn-ea"/>
-              </a:rPr>
-              <a:t>概览</a:t>
+              <a:t>技术栈概览</a:t>
             </a:r>
             <a:endParaRPr lang="zh-CN" altLang="en-US" sz="2400" b="1">
               <a:latin typeface="Microsoft JhengHei" panose="020B0604030504040204" charset="-120"/>
@@ -5754,15 +5792,7 @@
                   <a:ea typeface="Microsoft JhengHei" panose="020B0604030504040204" charset="-120"/>
                   <a:sym typeface="+mn-ea"/>
                 </a:rPr>
-                <a:t>聊天</a:t>
-              </a:r>
-              <a:r>
-                <a:rPr lang="zh-CN" altLang="en-US">
-                  <a:latin typeface="Microsoft JhengHei" panose="020B0604030504040204" charset="-120"/>
-                  <a:ea typeface="Microsoft JhengHei" panose="020B0604030504040204" charset="-120"/>
-                  <a:sym typeface="+mn-ea"/>
-                </a:rPr>
-                <a:t>服务器</a:t>
+                <a:t>聊天服务器</a:t>
               </a:r>
               <a:endParaRPr lang="zh-CN" altLang="en-US">
                 <a:latin typeface="Microsoft JhengHei" panose="020B0604030504040204" charset="-120"/>
@@ -5914,58 +5944,21 @@
       </p:grpSp>
       <p:grpSp>
         <p:nvGrpSpPr>
-          <p:cNvPr id="47" name="组合 46"/>
+          <p:cNvPr id="3" name="组合 2"/>
           <p:cNvGrpSpPr/>
           <p:nvPr/>
         </p:nvGrpSpPr>
         <p:grpSpPr>
           <a:xfrm>
-            <a:off x="5129530" y="351155"/>
-            <a:ext cx="3027680" cy="2162175"/>
-            <a:chOff x="8125" y="1135"/>
-            <a:chExt cx="4768" cy="3405"/>
+            <a:off x="5062220" y="331470"/>
+            <a:ext cx="3027680" cy="2181860"/>
+            <a:chOff x="7972" y="522"/>
+            <a:chExt cx="4768" cy="3436"/>
           </a:xfrm>
         </p:grpSpPr>
-        <p:sp>
-          <p:nvSpPr>
-            <p:cNvPr id="8" name="文本框 7"/>
-            <p:cNvSpPr txBox="1"/>
-            <p:nvPr/>
-          </p:nvSpPr>
-          <p:spPr>
-            <a:xfrm>
-              <a:off x="8916" y="1135"/>
-              <a:ext cx="1368" cy="609"/>
-            </a:xfrm>
-            <a:prstGeom prst="rect">
-              <a:avLst/>
-            </a:prstGeom>
-            <a:noFill/>
-          </p:spPr>
-          <p:txBody>
-            <a:bodyPr wrap="none" rtlCol="0" anchor="t">
-              <a:spAutoFit/>
-            </a:bodyPr>
-            <a:p>
-              <a:r>
-                <a:rPr lang="zh-CN" altLang="en-US">
-                  <a:latin typeface="Microsoft JhengHei" panose="020B0604030504040204" charset="-120"/>
-                  <a:ea typeface="Microsoft JhengHei" panose="020B0604030504040204" charset="-120"/>
-                  <a:sym typeface="+mn-ea"/>
-                </a:rPr>
-                <a:t>客户端</a:t>
-              </a:r>
-              <a:endParaRPr lang="zh-CN" altLang="en-US">
-                <a:latin typeface="Microsoft JhengHei" panose="020B0604030504040204" charset="-120"/>
-                <a:ea typeface="Microsoft JhengHei" panose="020B0604030504040204" charset="-120"/>
-                <a:sym typeface="+mn-ea"/>
-              </a:endParaRPr>
-            </a:p>
-          </p:txBody>
-        </p:sp>
         <p:pic>
           <p:nvPicPr>
-            <p:cNvPr id="12" name="图片 11" descr="element"/>
+            <p:cNvPr id="4" name="图片 3" descr="vant"/>
             <p:cNvPicPr>
               <a:picLocks noChangeAspect="1"/>
             </p:cNvPicPr>
@@ -5973,69 +5966,146 @@
           </p:nvPicPr>
           <p:blipFill>
             <a:blip r:embed="rId6"/>
-            <a:srcRect l="23207" t="28187" r="23723" b="28243"/>
+            <a:srcRect l="31807" t="10207" r="32812" b="7102"/>
             <a:stretch>
               <a:fillRect/>
             </a:stretch>
           </p:blipFill>
           <p:spPr>
             <a:xfrm>
-              <a:off x="8676" y="1519"/>
-              <a:ext cx="4217" cy="1572"/>
+              <a:off x="9707" y="1525"/>
+              <a:ext cx="1491" cy="1582"/>
             </a:xfrm>
             <a:prstGeom prst="rect">
               <a:avLst/>
             </a:prstGeom>
           </p:spPr>
         </p:pic>
-        <p:pic>
-          <p:nvPicPr>
-            <p:cNvPr id="9" name="图片 8" descr="vue"/>
-            <p:cNvPicPr>
-              <a:picLocks noChangeAspect="1"/>
-            </p:cNvPicPr>
+        <p:grpSp>
+          <p:nvGrpSpPr>
+            <p:cNvPr id="47" name="组合 46"/>
+            <p:cNvGrpSpPr/>
             <p:nvPr/>
-          </p:nvPicPr>
-          <p:blipFill>
-            <a:blip r:embed="rId7"/>
-            <a:stretch>
-              <a:fillRect/>
-            </a:stretch>
-          </p:blipFill>
-          <p:spPr>
+          </p:nvGrpSpPr>
+          <p:grpSpPr>
             <a:xfrm>
-              <a:off x="8125" y="2107"/>
-              <a:ext cx="1892" cy="1927"/>
+              <a:off x="7972" y="522"/>
+              <a:ext cx="4768" cy="3436"/>
+              <a:chOff x="8125" y="1104"/>
+              <a:chExt cx="4768" cy="3436"/>
             </a:xfrm>
-            <a:prstGeom prst="rect">
-              <a:avLst/>
-            </a:prstGeom>
-          </p:spPr>
-        </p:pic>
-        <p:pic>
-          <p:nvPicPr>
-            <p:cNvPr id="10" name="图片 9" descr="mpvue"/>
-            <p:cNvPicPr>
-              <a:picLocks noChangeAspect="1"/>
-            </p:cNvPicPr>
-            <p:nvPr/>
-          </p:nvPicPr>
-          <p:blipFill>
-            <a:blip r:embed="rId8"/>
-            <a:stretch>
-              <a:fillRect/>
-            </a:stretch>
-          </p:blipFill>
-          <p:spPr>
-            <a:xfrm>
-              <a:off x="8916" y="2101"/>
-              <a:ext cx="2395" cy="2439"/>
-            </a:xfrm>
-            <a:prstGeom prst="rect">
-              <a:avLst/>
-            </a:prstGeom>
-          </p:spPr>
-        </p:pic>
+          </p:grpSpPr>
+          <p:sp>
+            <p:nvSpPr>
+              <p:cNvPr id="8" name="文本框 7"/>
+              <p:cNvSpPr txBox="1"/>
+              <p:nvPr/>
+            </p:nvSpPr>
+            <p:spPr>
+              <a:xfrm>
+                <a:off x="9247" y="1104"/>
+                <a:ext cx="1368" cy="609"/>
+              </a:xfrm>
+              <a:prstGeom prst="rect">
+                <a:avLst/>
+              </a:prstGeom>
+              <a:noFill/>
+            </p:spPr>
+            <p:txBody>
+              <a:bodyPr wrap="none" rtlCol="0" anchor="t">
+                <a:spAutoFit/>
+              </a:bodyPr>
+              <a:p>
+                <a:r>
+                  <a:rPr lang="zh-CN" altLang="en-US">
+                    <a:latin typeface="Microsoft JhengHei" panose="020B0604030504040204" charset="-120"/>
+                    <a:ea typeface="Microsoft JhengHei" panose="020B0604030504040204" charset="-120"/>
+                    <a:sym typeface="+mn-ea"/>
+                  </a:rPr>
+                  <a:t>客户端</a:t>
+                </a:r>
+                <a:endParaRPr lang="zh-CN" altLang="en-US">
+                  <a:latin typeface="Microsoft JhengHei" panose="020B0604030504040204" charset="-120"/>
+                  <a:ea typeface="Microsoft JhengHei" panose="020B0604030504040204" charset="-120"/>
+                  <a:sym typeface="+mn-ea"/>
+                </a:endParaRPr>
+              </a:p>
+            </p:txBody>
+          </p:sp>
+          <p:pic>
+            <p:nvPicPr>
+              <p:cNvPr id="12" name="图片 11" descr="element"/>
+              <p:cNvPicPr>
+                <a:picLocks noChangeAspect="1"/>
+              </p:cNvPicPr>
+              <p:nvPr/>
+            </p:nvPicPr>
+            <p:blipFill>
+              <a:blip r:embed="rId7"/>
+              <a:srcRect l="23207" t="28187" r="23723" b="28243"/>
+              <a:stretch>
+                <a:fillRect/>
+              </a:stretch>
+            </p:blipFill>
+            <p:spPr>
+              <a:xfrm>
+                <a:off x="8676" y="1519"/>
+                <a:ext cx="4217" cy="1572"/>
+              </a:xfrm>
+              <a:prstGeom prst="rect">
+                <a:avLst/>
+              </a:prstGeom>
+            </p:spPr>
+          </p:pic>
+          <p:pic>
+            <p:nvPicPr>
+              <p:cNvPr id="9" name="图片 8" descr="vue"/>
+              <p:cNvPicPr>
+                <a:picLocks noChangeAspect="1"/>
+              </p:cNvPicPr>
+              <p:nvPr/>
+            </p:nvPicPr>
+            <p:blipFill>
+              <a:blip r:embed="rId8"/>
+              <a:stretch>
+                <a:fillRect/>
+              </a:stretch>
+            </p:blipFill>
+            <p:spPr>
+              <a:xfrm>
+                <a:off x="8125" y="2107"/>
+                <a:ext cx="1892" cy="1927"/>
+              </a:xfrm>
+              <a:prstGeom prst="rect">
+                <a:avLst/>
+              </a:prstGeom>
+            </p:spPr>
+          </p:pic>
+          <p:pic>
+            <p:nvPicPr>
+              <p:cNvPr id="10" name="图片 9" descr="mpvue"/>
+              <p:cNvPicPr>
+                <a:picLocks noChangeAspect="1"/>
+              </p:cNvPicPr>
+              <p:nvPr/>
+            </p:nvPicPr>
+            <p:blipFill>
+              <a:blip r:embed="rId9"/>
+              <a:stretch>
+                <a:fillRect/>
+              </a:stretch>
+            </p:blipFill>
+            <p:spPr>
+              <a:xfrm>
+                <a:off x="8734" y="2101"/>
+                <a:ext cx="2395" cy="2439"/>
+              </a:xfrm>
+              <a:prstGeom prst="rect">
+                <a:avLst/>
+              </a:prstGeom>
+            </p:spPr>
+          </p:pic>
+        </p:grpSp>
       </p:grpSp>
       <p:grpSp>
         <p:nvGrpSpPr>
@@ -6208,7 +6278,7 @@
             <p:nvPr/>
           </p:nvPicPr>
           <p:blipFill>
-            <a:blip r:embed="rId9"/>
+            <a:blip r:embed="rId10"/>
             <a:srcRect l="19776" r="26460"/>
             <a:stretch>
               <a:fillRect/>
@@ -6609,7 +6679,7 @@
                                           </p:stCondLst>
                                         </p:cTn>
                                         <p:tgtEl>
-                                          <p:spTgt spid="47"/>
+                                          <p:spTgt spid="3"/>
                                         </p:tgtEl>
                                         <p:attrNameLst>
                                           <p:attrName>style.visibility</p:attrName>
@@ -6623,7 +6693,7 @@
                                       <p:cBhvr>
                                         <p:cTn id="7" dur="500"/>
                                         <p:tgtEl>
-                                          <p:spTgt spid="47"/>
+                                          <p:spTgt spid="3"/>
                                         </p:tgtEl>
                                       </p:cBhvr>
                                     </p:animEffect>

--- a/答辩/开题答辩.pptx
+++ b/答辩/开题答辩.pptx
@@ -5370,15 +5370,7 @@
                   <a:ea typeface="Microsoft JhengHei" panose="020B0604030504040204" charset="-120"/>
                   <a:sym typeface="+mn-ea"/>
                 </a:rPr>
-                <a:t>(Vant</a:t>
-              </a:r>
-              <a:r>
-                <a:rPr lang="en-US" altLang="zh-CN" sz="1400">
-                  <a:latin typeface="Microsoft JhengHei" panose="020B0604030504040204" charset="-120"/>
-                  <a:ea typeface="Microsoft JhengHei" panose="020B0604030504040204" charset="-120"/>
-                  <a:sym typeface="+mn-ea"/>
-                </a:rPr>
-                <a:t>)</a:t>
+                <a:t>(Vant)</a:t>
               </a:r>
               <a:endParaRPr lang="en-US" altLang="zh-CN" sz="1400">
                 <a:latin typeface="Microsoft JhengHei" panose="020B0604030504040204" charset="-120"/>

--- a/答辩/开题答辩.pptx
+++ b/答辩/开题答辩.pptx
@@ -5,30 +5,31 @@
     <p:sldMasterId id="2147483648" r:id="rId1"/>
   </p:sldMasterIdLst>
   <p:notesMasterIdLst>
-    <p:notesMasterId r:id="rId19"/>
+    <p:notesMasterId r:id="rId21"/>
   </p:notesMasterIdLst>
   <p:sldIdLst>
-    <p:sldId id="261" r:id="rId3"/>
-    <p:sldId id="258" r:id="rId4"/>
-    <p:sldId id="271" r:id="rId5"/>
-    <p:sldId id="272" r:id="rId6"/>
-    <p:sldId id="269" r:id="rId7"/>
-    <p:sldId id="270" r:id="rId8"/>
-    <p:sldId id="273" r:id="rId9"/>
-    <p:sldId id="266" r:id="rId10"/>
-    <p:sldId id="287" r:id="rId11"/>
-    <p:sldId id="286" r:id="rId12"/>
-    <p:sldId id="288" r:id="rId13"/>
-    <p:sldId id="267" r:id="rId14"/>
-    <p:sldId id="275" r:id="rId15"/>
-    <p:sldId id="283" r:id="rId16"/>
-    <p:sldId id="280" r:id="rId17"/>
-    <p:sldId id="281" r:id="rId18"/>
-    <p:sldId id="284" r:id="rId20"/>
-    <p:sldId id="285" r:id="rId21"/>
+    <p:sldId id="261" r:id="rId2"/>
+    <p:sldId id="258" r:id="rId3"/>
+    <p:sldId id="271" r:id="rId4"/>
+    <p:sldId id="272" r:id="rId5"/>
+    <p:sldId id="269" r:id="rId6"/>
+    <p:sldId id="270" r:id="rId7"/>
+    <p:sldId id="273" r:id="rId8"/>
+    <p:sldId id="266" r:id="rId9"/>
+    <p:sldId id="287" r:id="rId10"/>
+    <p:sldId id="286" r:id="rId11"/>
+    <p:sldId id="288" r:id="rId12"/>
+    <p:sldId id="267" r:id="rId13"/>
+    <p:sldId id="275" r:id="rId14"/>
+    <p:sldId id="283" r:id="rId15"/>
+    <p:sldId id="280" r:id="rId16"/>
+    <p:sldId id="281" r:id="rId17"/>
+    <p:sldId id="284" r:id="rId18"/>
+    <p:sldId id="289" r:id="rId19"/>
+    <p:sldId id="285" r:id="rId20"/>
   </p:sldIdLst>
   <p:sldSz cx="12192000" cy="6858000"/>
-  <p:notesSz cx="7103745" cy="10234295"/>
+  <p:notesSz cx="7104063" cy="10234613"/>
   <p:defaultTextStyle>
     <a:defPPr>
       <a:defRPr lang="zh-CN"/>
@@ -124,6 +125,11 @@
       </a:defRPr>
     </a:lvl9pPr>
   </p:defaultTextStyle>
+  <p:extLst>
+    <p:ext uri="{EFAFB233-063F-42B5-8137-9DF3F51BA10A}">
+      <p15:sldGuideLst xmlns:p15="http://schemas.microsoft.com/office/powerpoint/2012/main"/>
+    </p:ext>
+  </p:extLst>
 </p:presentation>
 </file>
 
@@ -209,6 +215,7 @@
           <a:p>
             <a:fld id="{D2A48B96-639E-45A3-A0BA-2464DFDB1FAA}" type="datetimeFigureOut">
               <a:rPr lang="zh-CN" altLang="en-US" smtClean="0"/>
+              <a:t>2019/1/4</a:t>
             </a:fld>
             <a:endParaRPr lang="zh-CN" altLang="en-US"/>
           </a:p>
@@ -272,42 +279,37 @@
           <a:p>
             <a:pPr lvl="0"/>
             <a:r>
-              <a:rPr lang="zh-CN" altLang="en-US" smtClean="0"/>
+              <a:rPr lang="zh-CN" altLang="en-US"/>
               <a:t>单击此处编辑母版文本样式</a:t>
             </a:r>
-            <a:endParaRPr lang="zh-CN" altLang="en-US" smtClean="0"/>
           </a:p>
           <a:p>
             <a:pPr lvl="1"/>
             <a:r>
-              <a:rPr lang="zh-CN" altLang="en-US" smtClean="0"/>
+              <a:rPr lang="zh-CN" altLang="en-US"/>
               <a:t>第二级</a:t>
             </a:r>
-            <a:endParaRPr lang="zh-CN" altLang="en-US" smtClean="0"/>
           </a:p>
           <a:p>
             <a:pPr lvl="2"/>
             <a:r>
-              <a:rPr lang="zh-CN" altLang="en-US" smtClean="0"/>
+              <a:rPr lang="zh-CN" altLang="en-US"/>
               <a:t>第三级</a:t>
             </a:r>
-            <a:endParaRPr lang="zh-CN" altLang="en-US" smtClean="0"/>
           </a:p>
           <a:p>
             <a:pPr lvl="3"/>
             <a:r>
-              <a:rPr lang="zh-CN" altLang="en-US" smtClean="0"/>
+              <a:rPr lang="zh-CN" altLang="en-US"/>
               <a:t>第四级</a:t>
             </a:r>
-            <a:endParaRPr lang="zh-CN" altLang="en-US" smtClean="0"/>
           </a:p>
           <a:p>
             <a:pPr lvl="4"/>
             <a:r>
-              <a:rPr lang="zh-CN" altLang="en-US" smtClean="0"/>
+              <a:rPr lang="zh-CN" altLang="en-US"/>
               <a:t>第五级</a:t>
             </a:r>
-            <a:endParaRPr lang="zh-CN" altLang="en-US"/>
           </a:p>
         </p:txBody>
       </p:sp>
@@ -371,6 +373,7 @@
           <a:p>
             <a:fld id="{A6837353-30EB-4A48-80EB-173D804AEFBD}" type="slidenum">
               <a:rPr lang="zh-CN" altLang="en-US" smtClean="0"/>
+              <a:t>‹#›</a:t>
             </a:fld>
             <a:endParaRPr lang="zh-CN" altLang="en-US"/>
           </a:p>
@@ -483,11 +486,20 @@
         <p:cNvGrpSpPr/>
         <p:nvPr/>
       </p:nvGrpSpPr>
-      <p:grpSpPr/>
+      <p:grpSpPr>
+        <a:xfrm>
+          <a:off x="0" y="0"/>
+          <a:ext cx="0" cy="0"/>
+          <a:chOff x="0" y="0"/>
+          <a:chExt cx="0" cy="0"/>
+        </a:xfrm>
+      </p:grpSpPr>
       <p:sp>
         <p:nvSpPr>
           <p:cNvPr id="2" name="幻灯片图像占位符 1"/>
-          <p:cNvSpPr/>
+          <p:cNvSpPr>
+            <a:spLocks noGrp="1" noRot="1" noChangeAspect="1"/>
+          </p:cNvSpPr>
           <p:nvPr>
             <p:ph type="sldImg" idx="2"/>
           </p:nvPr>
@@ -497,7 +509,9 @@
       <p:sp>
         <p:nvSpPr>
           <p:cNvPr id="3" name="文本占位符 2"/>
-          <p:cNvSpPr/>
+          <p:cNvSpPr>
+            <a:spLocks noGrp="1"/>
+          </p:cNvSpPr>
           <p:nvPr>
             <p:ph type="body" idx="3"/>
           </p:nvPr>
@@ -505,6 +519,7 @@
         <p:spPr/>
         <p:txBody>
           <a:bodyPr/>
+          <a:lstStyle/>
           <a:p>
             <a:endParaRPr lang="zh-CN" altLang="en-US"/>
           </a:p>
@@ -560,10 +575,9 @@
           </a:lstStyle>
           <a:p>
             <a:r>
-              <a:rPr lang="zh-CN" altLang="en-US" smtClean="0"/>
+              <a:rPr lang="zh-CN" altLang="en-US"/>
               <a:t>单击此处编辑母版标题样式</a:t>
             </a:r>
-            <a:endParaRPr lang="zh-CN" altLang="en-US"/>
           </a:p>
         </p:txBody>
       </p:sp>
@@ -625,10 +639,9 @@
           </a:lstStyle>
           <a:p>
             <a:r>
-              <a:rPr lang="zh-CN" altLang="en-US" smtClean="0"/>
+              <a:rPr lang="zh-CN" altLang="en-US"/>
               <a:t>单击此处编辑母版副标题样式</a:t>
             </a:r>
-            <a:endParaRPr lang="zh-CN" altLang="en-US"/>
           </a:p>
         </p:txBody>
       </p:sp>
@@ -649,6 +662,7 @@
           <a:p>
             <a:fld id="{82F288E0-7875-42C4-84C8-98DBBD3BF4D2}" type="datetimeFigureOut">
               <a:rPr lang="zh-CN" altLang="en-US" smtClean="0"/>
+              <a:t>2019/1/4</a:t>
             </a:fld>
             <a:endParaRPr lang="zh-CN" altLang="en-US"/>
           </a:p>
@@ -690,6 +704,7 @@
           <a:p>
             <a:fld id="{7D9BB5D0-35E4-459D-AEF3-FE4D7C45CC19}" type="slidenum">
               <a:rPr lang="zh-CN" altLang="en-US" smtClean="0"/>
+              <a:t>‹#›</a:t>
             </a:fld>
             <a:endParaRPr lang="zh-CN" altLang="en-US"/>
           </a:p>
@@ -742,42 +757,37 @@
           <a:p>
             <a:pPr lvl="0"/>
             <a:r>
-              <a:rPr lang="zh-CN" altLang="en-US" smtClean="0"/>
+              <a:rPr lang="zh-CN" altLang="en-US"/>
               <a:t>单击此处编辑母版文本样式</a:t>
             </a:r>
-            <a:endParaRPr lang="zh-CN" altLang="en-US" smtClean="0"/>
           </a:p>
           <a:p>
             <a:pPr lvl="1"/>
             <a:r>
-              <a:rPr lang="zh-CN" altLang="en-US" smtClean="0"/>
+              <a:rPr lang="zh-CN" altLang="en-US"/>
               <a:t>第二级</a:t>
             </a:r>
-            <a:endParaRPr lang="zh-CN" altLang="en-US" smtClean="0"/>
           </a:p>
           <a:p>
             <a:pPr lvl="2"/>
             <a:r>
-              <a:rPr lang="zh-CN" altLang="en-US" smtClean="0"/>
+              <a:rPr lang="zh-CN" altLang="en-US"/>
               <a:t>第三级</a:t>
             </a:r>
-            <a:endParaRPr lang="zh-CN" altLang="en-US" smtClean="0"/>
           </a:p>
           <a:p>
             <a:pPr lvl="3"/>
             <a:r>
-              <a:rPr lang="zh-CN" altLang="en-US" smtClean="0"/>
+              <a:rPr lang="zh-CN" altLang="en-US"/>
               <a:t>第四级</a:t>
             </a:r>
-            <a:endParaRPr lang="zh-CN" altLang="en-US" smtClean="0"/>
           </a:p>
           <a:p>
             <a:pPr lvl="4"/>
             <a:r>
-              <a:rPr lang="zh-CN" altLang="en-US" smtClean="0"/>
+              <a:rPr lang="zh-CN" altLang="en-US"/>
               <a:t>第五级</a:t>
             </a:r>
-            <a:endParaRPr lang="zh-CN" altLang="en-US"/>
           </a:p>
         </p:txBody>
       </p:sp>
@@ -798,6 +808,7 @@
           <a:p>
             <a:fld id="{82F288E0-7875-42C4-84C8-98DBBD3BF4D2}" type="datetimeFigureOut">
               <a:rPr lang="zh-CN" altLang="en-US" smtClean="0"/>
+              <a:t>2019/1/4</a:t>
             </a:fld>
             <a:endParaRPr lang="zh-CN" altLang="en-US"/>
           </a:p>
@@ -839,6 +850,7 @@
           <a:p>
             <a:fld id="{7D9BB5D0-35E4-459D-AEF3-FE4D7C45CC19}" type="slidenum">
               <a:rPr lang="zh-CN" altLang="en-US" smtClean="0"/>
+              <a:t>‹#›</a:t>
             </a:fld>
             <a:endParaRPr lang="zh-CN" altLang="en-US"/>
           </a:p>
@@ -885,10 +897,9 @@
           <a:lstStyle/>
           <a:p>
             <a:r>
-              <a:rPr lang="zh-CN" altLang="en-US" smtClean="0"/>
+              <a:rPr lang="zh-CN" altLang="en-US"/>
               <a:t>单击此处编辑母版标题样式</a:t>
             </a:r>
-            <a:endParaRPr lang="zh-CN" altLang="en-US"/>
           </a:p>
         </p:txBody>
       </p:sp>
@@ -909,42 +920,37 @@
           <a:p>
             <a:pPr lvl="0"/>
             <a:r>
-              <a:rPr lang="zh-CN" altLang="en-US" smtClean="0"/>
+              <a:rPr lang="zh-CN" altLang="en-US"/>
               <a:t>单击此处编辑母版文本样式</a:t>
             </a:r>
-            <a:endParaRPr lang="zh-CN" altLang="en-US" smtClean="0"/>
           </a:p>
           <a:p>
             <a:pPr lvl="1"/>
             <a:r>
-              <a:rPr lang="zh-CN" altLang="en-US" smtClean="0"/>
+              <a:rPr lang="zh-CN" altLang="en-US"/>
               <a:t>第二级</a:t>
             </a:r>
-            <a:endParaRPr lang="zh-CN" altLang="en-US" smtClean="0"/>
           </a:p>
           <a:p>
             <a:pPr lvl="2"/>
             <a:r>
-              <a:rPr lang="zh-CN" altLang="en-US" smtClean="0"/>
+              <a:rPr lang="zh-CN" altLang="en-US"/>
               <a:t>第三级</a:t>
             </a:r>
-            <a:endParaRPr lang="zh-CN" altLang="en-US" smtClean="0"/>
           </a:p>
           <a:p>
             <a:pPr lvl="3"/>
             <a:r>
-              <a:rPr lang="zh-CN" altLang="en-US" smtClean="0"/>
+              <a:rPr lang="zh-CN" altLang="en-US"/>
               <a:t>第四级</a:t>
             </a:r>
-            <a:endParaRPr lang="zh-CN" altLang="en-US" smtClean="0"/>
           </a:p>
           <a:p>
             <a:pPr lvl="4"/>
             <a:r>
-              <a:rPr lang="zh-CN" altLang="en-US" smtClean="0"/>
+              <a:rPr lang="zh-CN" altLang="en-US"/>
               <a:t>第五级</a:t>
             </a:r>
-            <a:endParaRPr lang="zh-CN" altLang="en-US"/>
           </a:p>
         </p:txBody>
       </p:sp>
@@ -965,6 +971,7 @@
           <a:p>
             <a:fld id="{82F288E0-7875-42C4-84C8-98DBBD3BF4D2}" type="datetimeFigureOut">
               <a:rPr lang="zh-CN" altLang="en-US" smtClean="0"/>
+              <a:t>2019/1/4</a:t>
             </a:fld>
             <a:endParaRPr lang="zh-CN" altLang="en-US"/>
           </a:p>
@@ -1006,6 +1013,7 @@
           <a:p>
             <a:fld id="{7D9BB5D0-35E4-459D-AEF3-FE4D7C45CC19}" type="slidenum">
               <a:rPr lang="zh-CN" altLang="en-US" smtClean="0"/>
+              <a:t>‹#›</a:t>
             </a:fld>
             <a:endParaRPr lang="zh-CN" altLang="en-US"/>
           </a:p>
@@ -1061,10 +1069,9 @@
           </a:lstStyle>
           <a:p>
             <a:r>
-              <a:rPr lang="zh-CN" altLang="en-US" smtClean="0"/>
+              <a:rPr lang="zh-CN" altLang="en-US"/>
               <a:t>单击此处编辑母版标题样式</a:t>
             </a:r>
-            <a:endParaRPr lang="zh-CN" altLang="en-US"/>
           </a:p>
         </p:txBody>
       </p:sp>
@@ -1181,10 +1188,9 @@
           <a:p>
             <a:pPr lvl="0"/>
             <a:r>
-              <a:rPr lang="zh-CN" altLang="en-US" smtClean="0"/>
+              <a:rPr lang="zh-CN" altLang="en-US"/>
               <a:t>单击此处编辑母版文本样式</a:t>
             </a:r>
-            <a:endParaRPr lang="zh-CN" altLang="en-US" smtClean="0"/>
           </a:p>
         </p:txBody>
       </p:sp>
@@ -1205,6 +1211,7 @@
           <a:p>
             <a:fld id="{82F288E0-7875-42C4-84C8-98DBBD3BF4D2}" type="datetimeFigureOut">
               <a:rPr lang="zh-CN" altLang="en-US" smtClean="0"/>
+              <a:t>2019/1/4</a:t>
             </a:fld>
             <a:endParaRPr lang="zh-CN" altLang="en-US"/>
           </a:p>
@@ -1246,6 +1253,7 @@
           <a:p>
             <a:fld id="{7D9BB5D0-35E4-459D-AEF3-FE4D7C45CC19}" type="slidenum">
               <a:rPr lang="zh-CN" altLang="en-US" smtClean="0"/>
+              <a:t>‹#›</a:t>
             </a:fld>
             <a:endParaRPr lang="zh-CN" altLang="en-US"/>
           </a:p>
@@ -1292,10 +1300,9 @@
           <a:lstStyle/>
           <a:p>
             <a:r>
-              <a:rPr lang="zh-CN" altLang="en-US" smtClean="0"/>
+              <a:rPr lang="zh-CN" altLang="en-US"/>
               <a:t>单击此处编辑母版标题样式</a:t>
             </a:r>
-            <a:endParaRPr lang="zh-CN" altLang="en-US"/>
           </a:p>
         </p:txBody>
       </p:sp>
@@ -1321,42 +1328,37 @@
           <a:p>
             <a:pPr lvl="0"/>
             <a:r>
-              <a:rPr lang="zh-CN" altLang="en-US" smtClean="0"/>
+              <a:rPr lang="zh-CN" altLang="en-US"/>
               <a:t>单击此处编辑母版文本样式</a:t>
             </a:r>
-            <a:endParaRPr lang="zh-CN" altLang="en-US" smtClean="0"/>
           </a:p>
           <a:p>
             <a:pPr lvl="1"/>
             <a:r>
-              <a:rPr lang="zh-CN" altLang="en-US" smtClean="0"/>
+              <a:rPr lang="zh-CN" altLang="en-US"/>
               <a:t>第二级</a:t>
             </a:r>
-            <a:endParaRPr lang="zh-CN" altLang="en-US" smtClean="0"/>
           </a:p>
           <a:p>
             <a:pPr lvl="2"/>
             <a:r>
-              <a:rPr lang="zh-CN" altLang="en-US" smtClean="0"/>
+              <a:rPr lang="zh-CN" altLang="en-US"/>
               <a:t>第三级</a:t>
             </a:r>
-            <a:endParaRPr lang="zh-CN" altLang="en-US" smtClean="0"/>
           </a:p>
           <a:p>
             <a:pPr lvl="3"/>
             <a:r>
-              <a:rPr lang="zh-CN" altLang="en-US" smtClean="0"/>
+              <a:rPr lang="zh-CN" altLang="en-US"/>
               <a:t>第四级</a:t>
             </a:r>
-            <a:endParaRPr lang="zh-CN" altLang="en-US" smtClean="0"/>
           </a:p>
           <a:p>
             <a:pPr lvl="4"/>
             <a:r>
-              <a:rPr lang="zh-CN" altLang="en-US" smtClean="0"/>
+              <a:rPr lang="zh-CN" altLang="en-US"/>
               <a:t>第五级</a:t>
             </a:r>
-            <a:endParaRPr lang="zh-CN" altLang="en-US"/>
           </a:p>
         </p:txBody>
       </p:sp>
@@ -1382,42 +1384,37 @@
           <a:p>
             <a:pPr lvl="0"/>
             <a:r>
-              <a:rPr lang="zh-CN" altLang="en-US" smtClean="0"/>
+              <a:rPr lang="zh-CN" altLang="en-US"/>
               <a:t>单击此处编辑母版文本样式</a:t>
             </a:r>
-            <a:endParaRPr lang="zh-CN" altLang="en-US" smtClean="0"/>
           </a:p>
           <a:p>
             <a:pPr lvl="1"/>
             <a:r>
-              <a:rPr lang="zh-CN" altLang="en-US" smtClean="0"/>
+              <a:rPr lang="zh-CN" altLang="en-US"/>
               <a:t>第二级</a:t>
             </a:r>
-            <a:endParaRPr lang="zh-CN" altLang="en-US" smtClean="0"/>
           </a:p>
           <a:p>
             <a:pPr lvl="2"/>
             <a:r>
-              <a:rPr lang="zh-CN" altLang="en-US" smtClean="0"/>
+              <a:rPr lang="zh-CN" altLang="en-US"/>
               <a:t>第三级</a:t>
             </a:r>
-            <a:endParaRPr lang="zh-CN" altLang="en-US" smtClean="0"/>
           </a:p>
           <a:p>
             <a:pPr lvl="3"/>
             <a:r>
-              <a:rPr lang="zh-CN" altLang="en-US" smtClean="0"/>
+              <a:rPr lang="zh-CN" altLang="en-US"/>
               <a:t>第四级</a:t>
             </a:r>
-            <a:endParaRPr lang="zh-CN" altLang="en-US" smtClean="0"/>
           </a:p>
           <a:p>
             <a:pPr lvl="4"/>
             <a:r>
-              <a:rPr lang="zh-CN" altLang="en-US" smtClean="0"/>
+              <a:rPr lang="zh-CN" altLang="en-US"/>
               <a:t>第五级</a:t>
             </a:r>
-            <a:endParaRPr lang="zh-CN" altLang="en-US"/>
           </a:p>
         </p:txBody>
       </p:sp>
@@ -1438,6 +1435,7 @@
           <a:p>
             <a:fld id="{82F288E0-7875-42C4-84C8-98DBBD3BF4D2}" type="datetimeFigureOut">
               <a:rPr lang="zh-CN" altLang="en-US" smtClean="0"/>
+              <a:t>2019/1/4</a:t>
             </a:fld>
             <a:endParaRPr lang="zh-CN" altLang="en-US"/>
           </a:p>
@@ -1479,6 +1477,7 @@
           <a:p>
             <a:fld id="{7D9BB5D0-35E4-459D-AEF3-FE4D7C45CC19}" type="slidenum">
               <a:rPr lang="zh-CN" altLang="en-US" smtClean="0"/>
+              <a:t>‹#›</a:t>
             </a:fld>
             <a:endParaRPr lang="zh-CN" altLang="en-US"/>
           </a:p>
@@ -1530,10 +1529,9 @@
           <a:lstStyle/>
           <a:p>
             <a:r>
-              <a:rPr lang="zh-CN" altLang="en-US" smtClean="0"/>
+              <a:rPr lang="zh-CN" altLang="en-US"/>
               <a:t>单击此处编辑母版标题样式</a:t>
             </a:r>
-            <a:endParaRPr lang="zh-CN" altLang="en-US"/>
           </a:p>
         </p:txBody>
       </p:sp>
@@ -1596,10 +1594,9 @@
           <a:p>
             <a:pPr lvl="0"/>
             <a:r>
-              <a:rPr lang="zh-CN" altLang="en-US" smtClean="0"/>
+              <a:rPr lang="zh-CN" altLang="en-US"/>
               <a:t>单击此处编辑母版文本样式</a:t>
             </a:r>
-            <a:endParaRPr lang="zh-CN" altLang="en-US" smtClean="0"/>
           </a:p>
         </p:txBody>
       </p:sp>
@@ -1625,42 +1622,37 @@
           <a:p>
             <a:pPr lvl="0"/>
             <a:r>
-              <a:rPr lang="zh-CN" altLang="en-US" smtClean="0"/>
+              <a:rPr lang="zh-CN" altLang="en-US"/>
               <a:t>单击此处编辑母版文本样式</a:t>
             </a:r>
-            <a:endParaRPr lang="zh-CN" altLang="en-US" smtClean="0"/>
           </a:p>
           <a:p>
             <a:pPr lvl="1"/>
             <a:r>
-              <a:rPr lang="zh-CN" altLang="en-US" smtClean="0"/>
+              <a:rPr lang="zh-CN" altLang="en-US"/>
               <a:t>第二级</a:t>
             </a:r>
-            <a:endParaRPr lang="zh-CN" altLang="en-US" smtClean="0"/>
           </a:p>
           <a:p>
             <a:pPr lvl="2"/>
             <a:r>
-              <a:rPr lang="zh-CN" altLang="en-US" smtClean="0"/>
+              <a:rPr lang="zh-CN" altLang="en-US"/>
               <a:t>第三级</a:t>
             </a:r>
-            <a:endParaRPr lang="zh-CN" altLang="en-US" smtClean="0"/>
           </a:p>
           <a:p>
             <a:pPr lvl="3"/>
             <a:r>
-              <a:rPr lang="zh-CN" altLang="en-US" smtClean="0"/>
+              <a:rPr lang="zh-CN" altLang="en-US"/>
               <a:t>第四级</a:t>
             </a:r>
-            <a:endParaRPr lang="zh-CN" altLang="en-US" smtClean="0"/>
           </a:p>
           <a:p>
             <a:pPr lvl="4"/>
             <a:r>
-              <a:rPr lang="zh-CN" altLang="en-US" smtClean="0"/>
+              <a:rPr lang="zh-CN" altLang="en-US"/>
               <a:t>第五级</a:t>
             </a:r>
-            <a:endParaRPr lang="zh-CN" altLang="en-US"/>
           </a:p>
         </p:txBody>
       </p:sp>
@@ -1723,10 +1715,9 @@
           <a:p>
             <a:pPr lvl="0"/>
             <a:r>
-              <a:rPr lang="zh-CN" altLang="en-US" smtClean="0"/>
+              <a:rPr lang="zh-CN" altLang="en-US"/>
               <a:t>单击此处编辑母版文本样式</a:t>
             </a:r>
-            <a:endParaRPr lang="zh-CN" altLang="en-US" smtClean="0"/>
           </a:p>
         </p:txBody>
       </p:sp>
@@ -1752,42 +1743,37 @@
           <a:p>
             <a:pPr lvl="0"/>
             <a:r>
-              <a:rPr lang="zh-CN" altLang="en-US" smtClean="0"/>
+              <a:rPr lang="zh-CN" altLang="en-US"/>
               <a:t>单击此处编辑母版文本样式</a:t>
             </a:r>
-            <a:endParaRPr lang="zh-CN" altLang="en-US" smtClean="0"/>
           </a:p>
           <a:p>
             <a:pPr lvl="1"/>
             <a:r>
-              <a:rPr lang="zh-CN" altLang="en-US" smtClean="0"/>
+              <a:rPr lang="zh-CN" altLang="en-US"/>
               <a:t>第二级</a:t>
             </a:r>
-            <a:endParaRPr lang="zh-CN" altLang="en-US" smtClean="0"/>
           </a:p>
           <a:p>
             <a:pPr lvl="2"/>
             <a:r>
-              <a:rPr lang="zh-CN" altLang="en-US" smtClean="0"/>
+              <a:rPr lang="zh-CN" altLang="en-US"/>
               <a:t>第三级</a:t>
             </a:r>
-            <a:endParaRPr lang="zh-CN" altLang="en-US" smtClean="0"/>
           </a:p>
           <a:p>
             <a:pPr lvl="3"/>
             <a:r>
-              <a:rPr lang="zh-CN" altLang="en-US" smtClean="0"/>
+              <a:rPr lang="zh-CN" altLang="en-US"/>
               <a:t>第四级</a:t>
             </a:r>
-            <a:endParaRPr lang="zh-CN" altLang="en-US" smtClean="0"/>
           </a:p>
           <a:p>
             <a:pPr lvl="4"/>
             <a:r>
-              <a:rPr lang="zh-CN" altLang="en-US" smtClean="0"/>
+              <a:rPr lang="zh-CN" altLang="en-US"/>
               <a:t>第五级</a:t>
             </a:r>
-            <a:endParaRPr lang="zh-CN" altLang="en-US"/>
           </a:p>
         </p:txBody>
       </p:sp>
@@ -1808,6 +1794,7 @@
           <a:p>
             <a:fld id="{82F288E0-7875-42C4-84C8-98DBBD3BF4D2}" type="datetimeFigureOut">
               <a:rPr lang="zh-CN" altLang="en-US" smtClean="0"/>
+              <a:t>2019/1/4</a:t>
             </a:fld>
             <a:endParaRPr lang="zh-CN" altLang="en-US"/>
           </a:p>
@@ -1849,6 +1836,7 @@
           <a:p>
             <a:fld id="{7D9BB5D0-35E4-459D-AEF3-FE4D7C45CC19}" type="slidenum">
               <a:rPr lang="zh-CN" altLang="en-US" smtClean="0"/>
+              <a:t>‹#›</a:t>
             </a:fld>
             <a:endParaRPr lang="zh-CN" altLang="en-US"/>
           </a:p>
@@ -1895,10 +1883,9 @@
           <a:lstStyle/>
           <a:p>
             <a:r>
-              <a:rPr lang="zh-CN" altLang="en-US" smtClean="0"/>
+              <a:rPr lang="zh-CN" altLang="en-US"/>
               <a:t>单击此处编辑母版标题样式</a:t>
             </a:r>
-            <a:endParaRPr lang="zh-CN" altLang="en-US"/>
           </a:p>
         </p:txBody>
       </p:sp>
@@ -1919,6 +1906,7 @@
           <a:p>
             <a:fld id="{82F288E0-7875-42C4-84C8-98DBBD3BF4D2}" type="datetimeFigureOut">
               <a:rPr lang="zh-CN" altLang="en-US" smtClean="0"/>
+              <a:t>2019/1/4</a:t>
             </a:fld>
             <a:endParaRPr lang="zh-CN" altLang="en-US"/>
           </a:p>
@@ -1960,6 +1948,7 @@
           <a:p>
             <a:fld id="{7D9BB5D0-35E4-459D-AEF3-FE4D7C45CC19}" type="slidenum">
               <a:rPr lang="zh-CN" altLang="en-US" smtClean="0"/>
+              <a:t>‹#›</a:t>
             </a:fld>
             <a:endParaRPr lang="zh-CN" altLang="en-US"/>
           </a:p>
@@ -2007,6 +1996,7 @@
           <a:p>
             <a:fld id="{82F288E0-7875-42C4-84C8-98DBBD3BF4D2}" type="datetimeFigureOut">
               <a:rPr lang="zh-CN" altLang="en-US" smtClean="0"/>
+              <a:t>2019/1/4</a:t>
             </a:fld>
             <a:endParaRPr lang="zh-CN" altLang="en-US"/>
           </a:p>
@@ -2048,6 +2038,7 @@
           <a:p>
             <a:fld id="{7D9BB5D0-35E4-459D-AEF3-FE4D7C45CC19}" type="slidenum">
               <a:rPr lang="zh-CN" altLang="en-US" smtClean="0"/>
+              <a:t>‹#›</a:t>
             </a:fld>
             <a:endParaRPr lang="zh-CN" altLang="en-US"/>
           </a:p>
@@ -2103,10 +2094,9 @@
           </a:lstStyle>
           <a:p>
             <a:r>
-              <a:rPr lang="zh-CN" altLang="en-US" smtClean="0"/>
+              <a:rPr lang="zh-CN" altLang="en-US"/>
               <a:t>单击此处编辑母版标题样式</a:t>
             </a:r>
-            <a:endParaRPr lang="zh-CN" altLang="en-US"/>
           </a:p>
         </p:txBody>
       </p:sp>
@@ -2230,10 +2220,9 @@
           <a:p>
             <a:pPr lvl="0"/>
             <a:r>
-              <a:rPr lang="zh-CN" altLang="en-US" smtClean="0"/>
+              <a:rPr lang="zh-CN" altLang="en-US"/>
               <a:t>单击此处编辑母版文本样式</a:t>
             </a:r>
-            <a:endParaRPr lang="zh-CN" altLang="en-US" smtClean="0"/>
           </a:p>
         </p:txBody>
       </p:sp>
@@ -2254,6 +2243,7 @@
           <a:p>
             <a:fld id="{82F288E0-7875-42C4-84C8-98DBBD3BF4D2}" type="datetimeFigureOut">
               <a:rPr lang="zh-CN" altLang="en-US" smtClean="0"/>
+              <a:t>2019/1/4</a:t>
             </a:fld>
             <a:endParaRPr lang="zh-CN" altLang="en-US"/>
           </a:p>
@@ -2295,6 +2285,7 @@
           <a:p>
             <a:fld id="{7D9BB5D0-35E4-459D-AEF3-FE4D7C45CC19}" type="slidenum">
               <a:rPr lang="zh-CN" altLang="en-US" smtClean="0"/>
+              <a:t>‹#›</a:t>
             </a:fld>
             <a:endParaRPr lang="zh-CN" altLang="en-US"/>
           </a:p>
@@ -2346,10 +2337,9 @@
           <a:lstStyle/>
           <a:p>
             <a:r>
-              <a:rPr lang="zh-CN" altLang="en-US" smtClean="0"/>
+              <a:rPr lang="zh-CN" altLang="en-US"/>
               <a:t>单击此处编辑母版标题样式</a:t>
             </a:r>
-            <a:endParaRPr lang="zh-CN" altLang="en-US"/>
           </a:p>
         </p:txBody>
       </p:sp>
@@ -2375,42 +2365,37 @@
           <a:p>
             <a:pPr lvl="0"/>
             <a:r>
-              <a:rPr lang="zh-CN" altLang="en-US" smtClean="0"/>
+              <a:rPr lang="zh-CN" altLang="en-US"/>
               <a:t>单击此处编辑母版文本样式</a:t>
             </a:r>
-            <a:endParaRPr lang="zh-CN" altLang="en-US" smtClean="0"/>
           </a:p>
           <a:p>
             <a:pPr lvl="1"/>
             <a:r>
-              <a:rPr lang="zh-CN" altLang="en-US" smtClean="0"/>
+              <a:rPr lang="zh-CN" altLang="en-US"/>
               <a:t>第二级</a:t>
             </a:r>
-            <a:endParaRPr lang="zh-CN" altLang="en-US" smtClean="0"/>
           </a:p>
           <a:p>
             <a:pPr lvl="2"/>
             <a:r>
-              <a:rPr lang="zh-CN" altLang="en-US" smtClean="0"/>
+              <a:rPr lang="zh-CN" altLang="en-US"/>
               <a:t>第三级</a:t>
             </a:r>
-            <a:endParaRPr lang="zh-CN" altLang="en-US" smtClean="0"/>
           </a:p>
           <a:p>
             <a:pPr lvl="3"/>
             <a:r>
-              <a:rPr lang="zh-CN" altLang="en-US" smtClean="0"/>
+              <a:rPr lang="zh-CN" altLang="en-US"/>
               <a:t>第四级</a:t>
             </a:r>
-            <a:endParaRPr lang="zh-CN" altLang="en-US" smtClean="0"/>
           </a:p>
           <a:p>
             <a:pPr lvl="4"/>
             <a:r>
-              <a:rPr lang="zh-CN" altLang="en-US" smtClean="0"/>
+              <a:rPr lang="zh-CN" altLang="en-US"/>
               <a:t>第五级</a:t>
             </a:r>
-            <a:endParaRPr lang="zh-CN" altLang="en-US"/>
           </a:p>
         </p:txBody>
       </p:sp>
@@ -2431,6 +2416,7 @@
           <a:p>
             <a:fld id="{82F288E0-7875-42C4-84C8-98DBBD3BF4D2}" type="datetimeFigureOut">
               <a:rPr lang="zh-CN" altLang="en-US" smtClean="0"/>
+              <a:t>2019/1/4</a:t>
             </a:fld>
             <a:endParaRPr lang="zh-CN" altLang="en-US"/>
           </a:p>
@@ -2472,6 +2458,7 @@
           <a:p>
             <a:fld id="{7D9BB5D0-35E4-459D-AEF3-FE4D7C45CC19}" type="slidenum">
               <a:rPr lang="zh-CN" altLang="en-US" smtClean="0"/>
+              <a:t>‹#›</a:t>
             </a:fld>
             <a:endParaRPr lang="zh-CN" altLang="en-US"/>
           </a:p>
@@ -2536,10 +2523,9 @@
           <a:lstStyle/>
           <a:p>
             <a:r>
-              <a:rPr lang="zh-CN" altLang="en-US" smtClean="0"/>
+              <a:rPr lang="zh-CN" altLang="en-US"/>
               <a:t>单击此处编辑母版标题样式</a:t>
             </a:r>
-            <a:endParaRPr lang="zh-CN" altLang="en-US"/>
           </a:p>
         </p:txBody>
       </p:sp>
@@ -2570,42 +2556,37 @@
           <a:p>
             <a:pPr lvl="0"/>
             <a:r>
-              <a:rPr lang="zh-CN" altLang="en-US" smtClean="0"/>
+              <a:rPr lang="zh-CN" altLang="en-US"/>
               <a:t>单击此处编辑母版文本样式</a:t>
             </a:r>
-            <a:endParaRPr lang="zh-CN" altLang="en-US" smtClean="0"/>
           </a:p>
           <a:p>
             <a:pPr lvl="1"/>
             <a:r>
-              <a:rPr lang="zh-CN" altLang="en-US" smtClean="0"/>
+              <a:rPr lang="zh-CN" altLang="en-US"/>
               <a:t>第二级</a:t>
             </a:r>
-            <a:endParaRPr lang="zh-CN" altLang="en-US" smtClean="0"/>
           </a:p>
           <a:p>
             <a:pPr lvl="2"/>
             <a:r>
-              <a:rPr lang="zh-CN" altLang="en-US" smtClean="0"/>
+              <a:rPr lang="zh-CN" altLang="en-US"/>
               <a:t>第三级</a:t>
             </a:r>
-            <a:endParaRPr lang="zh-CN" altLang="en-US" smtClean="0"/>
           </a:p>
           <a:p>
             <a:pPr lvl="3"/>
             <a:r>
-              <a:rPr lang="zh-CN" altLang="en-US" smtClean="0"/>
+              <a:rPr lang="zh-CN" altLang="en-US"/>
               <a:t>第四级</a:t>
             </a:r>
-            <a:endParaRPr lang="zh-CN" altLang="en-US" smtClean="0"/>
           </a:p>
           <a:p>
             <a:pPr lvl="4"/>
             <a:r>
-              <a:rPr lang="zh-CN" altLang="en-US" smtClean="0"/>
+              <a:rPr lang="zh-CN" altLang="en-US"/>
               <a:t>第五级</a:t>
             </a:r>
-            <a:endParaRPr lang="zh-CN" altLang="en-US"/>
           </a:p>
         </p:txBody>
       </p:sp>
@@ -2644,6 +2625,7 @@
           <a:p>
             <a:fld id="{82F288E0-7875-42C4-84C8-98DBBD3BF4D2}" type="datetimeFigureOut">
               <a:rPr lang="zh-CN" altLang="en-US" smtClean="0"/>
+              <a:t>2019/1/4</a:t>
             </a:fld>
             <a:endParaRPr lang="zh-CN" altLang="en-US"/>
           </a:p>
@@ -2721,6 +2703,7 @@
           <a:p>
             <a:fld id="{7D9BB5D0-35E4-459D-AEF3-FE4D7C45CC19}" type="slidenum">
               <a:rPr lang="zh-CN" altLang="en-US" smtClean="0"/>
+              <a:t>‹#›</a:t>
             </a:fld>
             <a:endParaRPr lang="zh-CN" altLang="en-US"/>
           </a:p>
@@ -3033,7 +3016,14 @@
         <p:cNvGrpSpPr/>
         <p:nvPr/>
       </p:nvGrpSpPr>
-      <p:grpSpPr/>
+      <p:grpSpPr>
+        <a:xfrm>
+          <a:off x="0" y="0"/>
+          <a:ext cx="0" cy="0"/>
+          <a:chOff x="0" y="0"/>
+          <a:chExt cx="0" cy="0"/>
+        </a:xfrm>
+      </p:grpSpPr>
       <p:pic>
         <p:nvPicPr>
           <p:cNvPr id="5" name="图片 4" descr="大学生活动中心"/>
@@ -3043,7 +3033,7 @@
           <p:nvPr/>
         </p:nvPicPr>
         <p:blipFill>
-          <a:blip r:embed="rId1"/>
+          <a:blip r:embed="rId3"/>
           <a:stretch>
             <a:fillRect/>
           </a:stretch>
@@ -3085,6 +3075,7 @@
           <a:bodyPr wrap="square" rtlCol="0">
             <a:spAutoFit/>
           </a:bodyPr>
+          <a:lstStyle/>
           <a:p>
             <a:pPr algn="ctr"/>
             <a:r>
@@ -3107,13 +3098,6 @@
               </a:rPr>
               <a:t> </a:t>
             </a:r>
-            <a:endParaRPr lang="en-US" altLang="zh-CN" sz="4800" b="1">
-              <a:solidFill>
-                <a:schemeClr val="bg1"/>
-              </a:solidFill>
-              <a:latin typeface="Microsoft JhengHei" panose="020B0604030504040204" charset="-120"/>
-              <a:ea typeface="Microsoft JhengHei" panose="020B0604030504040204" charset="-120"/>
-            </a:endParaRPr>
           </a:p>
         </p:txBody>
       </p:sp>
@@ -3144,6 +3128,7 @@
           <a:bodyPr wrap="square" rtlCol="0">
             <a:spAutoFit/>
           </a:bodyPr>
+          <a:lstStyle/>
           <a:p>
             <a:pPr algn="l">
               <a:lnSpc>
@@ -3166,13 +3151,6 @@
               </a:rPr>
               <a:t>余思远 </a:t>
             </a:r>
-            <a:endParaRPr lang="zh-CN" altLang="en-US" sz="1600">
-              <a:solidFill>
-                <a:schemeClr val="bg1"/>
-              </a:solidFill>
-              <a:latin typeface="Microsoft JhengHei" panose="020B0604030504040204" charset="-120"/>
-              <a:ea typeface="Microsoft JhengHei" panose="020B0604030504040204" charset="-120"/>
-            </a:endParaRPr>
           </a:p>
           <a:p>
             <a:pPr algn="l">
@@ -3206,13 +3184,6 @@
               </a:rPr>
               <a:t>152</a:t>
             </a:r>
-            <a:endParaRPr lang="en-US" altLang="zh-CN" sz="1600">
-              <a:solidFill>
-                <a:schemeClr val="bg1"/>
-              </a:solidFill>
-              <a:latin typeface="Microsoft JhengHei" panose="020B0604030504040204" charset="-120"/>
-              <a:ea typeface="Microsoft JhengHei" panose="020B0604030504040204" charset="-120"/>
-            </a:endParaRPr>
           </a:p>
           <a:p>
             <a:pPr algn="l">
@@ -3236,13 +3207,6 @@
               </a:rPr>
               <a:t>5150510116</a:t>
             </a:r>
-            <a:endParaRPr lang="en-US" altLang="zh-CN" sz="1600">
-              <a:solidFill>
-                <a:schemeClr val="bg1"/>
-              </a:solidFill>
-              <a:latin typeface="Microsoft JhengHei" panose="020B0604030504040204" charset="-120"/>
-              <a:ea typeface="Microsoft JhengHei" panose="020B0604030504040204" charset="-120"/>
-            </a:endParaRPr>
           </a:p>
           <a:p>
             <a:pPr algn="l"/>
@@ -3273,7 +3237,14 @@
         <p:cNvGrpSpPr/>
         <p:nvPr/>
       </p:nvGrpSpPr>
-      <p:grpSpPr/>
+      <p:grpSpPr>
+        <a:xfrm>
+          <a:off x="0" y="0"/>
+          <a:ext cx="0" cy="0"/>
+          <a:chOff x="0" y="0"/>
+          <a:chExt cx="0" cy="0"/>
+        </a:xfrm>
+      </p:grpSpPr>
       <p:sp>
         <p:nvSpPr>
           <p:cNvPr id="5" name="文本框 4"/>
@@ -3294,6 +3265,7 @@
           <a:bodyPr wrap="square" rtlCol="0">
             <a:spAutoFit/>
           </a:bodyPr>
+          <a:lstStyle/>
           <a:p>
             <a:pPr algn="ctr"/>
             <a:r>
@@ -3303,10 +3275,6 @@
               </a:rPr>
               <a:t>学生端（患者端）原型设计稿概览</a:t>
             </a:r>
-            <a:endParaRPr lang="zh-CN" altLang="en-US">
-              <a:latin typeface="Microsoft JhengHei" panose="020B0604030504040204" charset="-120"/>
-              <a:ea typeface="Microsoft JhengHei" panose="020B0604030504040204" charset="-120"/>
-            </a:endParaRPr>
           </a:p>
         </p:txBody>
       </p:sp>
@@ -3319,7 +3287,7 @@
           <p:nvPr/>
         </p:nvPicPr>
         <p:blipFill>
-          <a:blip r:embed="rId1"/>
+          <a:blip r:embed="rId2"/>
           <a:stretch>
             <a:fillRect/>
           </a:stretch>
@@ -3354,7 +3322,14 @@
         <p:cNvGrpSpPr/>
         <p:nvPr/>
       </p:nvGrpSpPr>
-      <p:grpSpPr/>
+      <p:grpSpPr>
+        <a:xfrm>
+          <a:off x="0" y="0"/>
+          <a:ext cx="0" cy="0"/>
+          <a:chOff x="0" y="0"/>
+          <a:chExt cx="0" cy="0"/>
+        </a:xfrm>
+      </p:grpSpPr>
       <p:sp>
         <p:nvSpPr>
           <p:cNvPr id="5" name="文本框 4"/>
@@ -3375,6 +3350,7 @@
           <a:bodyPr wrap="square" rtlCol="0">
             <a:spAutoFit/>
           </a:bodyPr>
+          <a:lstStyle/>
           <a:p>
             <a:pPr algn="ctr"/>
             <a:r>
@@ -3384,10 +3360,6 @@
               </a:rPr>
               <a:t>学生端（患者端）原型设计稿概览</a:t>
             </a:r>
-            <a:endParaRPr lang="zh-CN" altLang="en-US">
-              <a:latin typeface="Microsoft JhengHei" panose="020B0604030504040204" charset="-120"/>
-              <a:ea typeface="Microsoft JhengHei" panose="020B0604030504040204" charset="-120"/>
-            </a:endParaRPr>
           </a:p>
         </p:txBody>
       </p:sp>
@@ -3400,7 +3372,7 @@
           <p:nvPr/>
         </p:nvPicPr>
         <p:blipFill>
-          <a:blip r:embed="rId1"/>
+          <a:blip r:embed="rId2"/>
           <a:stretch>
             <a:fillRect/>
           </a:stretch>
@@ -3435,7 +3407,14 @@
         <p:cNvGrpSpPr/>
         <p:nvPr/>
       </p:nvGrpSpPr>
-      <p:grpSpPr/>
+      <p:grpSpPr>
+        <a:xfrm>
+          <a:off x="0" y="0"/>
+          <a:ext cx="0" cy="0"/>
+          <a:chOff x="0" y="0"/>
+          <a:chExt cx="0" cy="0"/>
+        </a:xfrm>
+      </p:grpSpPr>
       <p:pic>
         <p:nvPicPr>
           <p:cNvPr id="2" name="图片 1"/>
@@ -3445,7 +3424,7 @@
           <p:nvPr/>
         </p:nvPicPr>
         <p:blipFill>
-          <a:blip r:embed="rId1"/>
+          <a:blip r:embed="rId2"/>
           <a:stretch>
             <a:fillRect/>
           </a:stretch>
@@ -3480,6 +3459,7 @@
           <a:bodyPr wrap="square" rtlCol="0">
             <a:spAutoFit/>
           </a:bodyPr>
+          <a:lstStyle/>
           <a:p>
             <a:pPr algn="ctr"/>
             <a:r>
@@ -3489,10 +3469,6 @@
               </a:rPr>
               <a:t>医生端原型设计稿概览</a:t>
             </a:r>
-            <a:endParaRPr lang="zh-CN" altLang="en-US">
-              <a:latin typeface="Microsoft JhengHei" panose="020B0604030504040204" charset="-120"/>
-              <a:ea typeface="Microsoft JhengHei" panose="020B0604030504040204" charset="-120"/>
-            </a:endParaRPr>
           </a:p>
         </p:txBody>
       </p:sp>
@@ -3516,7 +3492,14 @@
         <p:cNvGrpSpPr/>
         <p:nvPr/>
       </p:nvGrpSpPr>
-      <p:grpSpPr/>
+      <p:grpSpPr>
+        <a:xfrm>
+          <a:off x="0" y="0"/>
+          <a:ext cx="0" cy="0"/>
+          <a:chOff x="0" y="0"/>
+          <a:chExt cx="0" cy="0"/>
+        </a:xfrm>
+      </p:grpSpPr>
       <p:pic>
         <p:nvPicPr>
           <p:cNvPr id="2" name="图片 1"/>
@@ -3526,7 +3509,7 @@
           <p:nvPr/>
         </p:nvPicPr>
         <p:blipFill>
-          <a:blip r:embed="rId1"/>
+          <a:blip r:embed="rId2"/>
           <a:stretch>
             <a:fillRect/>
           </a:stretch>
@@ -3561,6 +3544,7 @@
           <a:bodyPr wrap="square" rtlCol="0">
             <a:spAutoFit/>
           </a:bodyPr>
+          <a:lstStyle/>
           <a:p>
             <a:pPr algn="ctr"/>
             <a:r>
@@ -3570,10 +3554,6 @@
               </a:rPr>
               <a:t>医生端 问诊、开方原型设计</a:t>
             </a:r>
-            <a:endParaRPr lang="zh-CN" altLang="en-US">
-              <a:latin typeface="Microsoft JhengHei" panose="020B0604030504040204" charset="-120"/>
-              <a:ea typeface="Microsoft JhengHei" panose="020B0604030504040204" charset="-120"/>
-            </a:endParaRPr>
           </a:p>
         </p:txBody>
       </p:sp>
@@ -3597,7 +3577,14 @@
         <p:cNvGrpSpPr/>
         <p:nvPr/>
       </p:nvGrpSpPr>
-      <p:grpSpPr/>
+      <p:grpSpPr>
+        <a:xfrm>
+          <a:off x="0" y="0"/>
+          <a:ext cx="0" cy="0"/>
+          <a:chOff x="0" y="0"/>
+          <a:chExt cx="0" cy="0"/>
+        </a:xfrm>
+      </p:grpSpPr>
       <p:pic>
         <p:nvPicPr>
           <p:cNvPr id="5" name="图片 4" descr="大学生活动中心"/>
@@ -3607,7 +3594,7 @@
           <p:nvPr/>
         </p:nvPicPr>
         <p:blipFill>
-          <a:blip r:embed="rId1"/>
+          <a:blip r:embed="rId2"/>
           <a:stretch>
             <a:fillRect/>
           </a:stretch>
@@ -3631,7 +3618,7 @@
           <p:nvPr/>
         </p:nvPicPr>
         <p:blipFill>
-          <a:blip r:embed="rId2"/>
+          <a:blip r:embed="rId3"/>
           <a:stretch>
             <a:fillRect/>
           </a:stretch>
@@ -3666,6 +3653,7 @@
           <a:bodyPr wrap="square" rtlCol="0" anchor="t">
             <a:spAutoFit/>
           </a:bodyPr>
+          <a:lstStyle/>
           <a:p>
             <a:r>
               <a:rPr lang="zh-CN" altLang="en-US" b="1">
@@ -3678,14 +3666,6 @@
               </a:rPr>
               <a:t>功能点总结</a:t>
             </a:r>
-            <a:endParaRPr lang="zh-CN" altLang="en-US" b="1">
-              <a:solidFill>
-                <a:schemeClr val="bg1"/>
-              </a:solidFill>
-              <a:latin typeface="Microsoft JhengHei" panose="020B0604030504040204" charset="-120"/>
-              <a:ea typeface="Microsoft JhengHei" panose="020B0604030504040204" charset="-120"/>
-              <a:sym typeface="+mn-ea"/>
-            </a:endParaRPr>
           </a:p>
         </p:txBody>
       </p:sp>
@@ -3709,6 +3689,7 @@
           <a:bodyPr wrap="square" rtlCol="0" anchor="t">
             <a:spAutoFit/>
           </a:bodyPr>
+          <a:lstStyle/>
           <a:p>
             <a:pPr algn="l"/>
             <a:r>
@@ -3722,14 +3703,6 @@
               </a:rPr>
               <a:t>患者端</a:t>
             </a:r>
-            <a:endParaRPr lang="zh-CN" altLang="en-US" sz="2400" b="1">
-              <a:solidFill>
-                <a:schemeClr val="bg1"/>
-              </a:solidFill>
-              <a:latin typeface="Microsoft JhengHei" panose="020B0604030504040204" charset="-120"/>
-              <a:ea typeface="Microsoft JhengHei" panose="020B0604030504040204" charset="-120"/>
-              <a:sym typeface="+mn-ea"/>
-            </a:endParaRPr>
           </a:p>
           <a:p>
             <a:pPr marL="285750" indent="-285750" algn="l">
@@ -3770,14 +3743,6 @@
               </a:rPr>
               <a:t>登陆、注册、修改个人信息</a:t>
             </a:r>
-            <a:endParaRPr lang="zh-CN" altLang="en-US">
-              <a:solidFill>
-                <a:schemeClr val="bg1"/>
-              </a:solidFill>
-              <a:latin typeface="Microsoft JhengHei" panose="020B0604030504040204" charset="-120"/>
-              <a:ea typeface="Microsoft JhengHei" panose="020B0604030504040204" charset="-120"/>
-              <a:sym typeface="+mn-ea"/>
-            </a:endParaRPr>
           </a:p>
           <a:p>
             <a:pPr marL="285750" indent="-285750" algn="l">
@@ -3804,14 +3769,6 @@
               </a:rPr>
               <a:t>在线问诊、实时聊天</a:t>
             </a:r>
-            <a:endParaRPr lang="zh-CN" altLang="en-US">
-              <a:solidFill>
-                <a:schemeClr val="bg1"/>
-              </a:solidFill>
-              <a:latin typeface="Microsoft JhengHei" panose="020B0604030504040204" charset="-120"/>
-              <a:ea typeface="Microsoft JhengHei" panose="020B0604030504040204" charset="-120"/>
-              <a:sym typeface="+mn-ea"/>
-            </a:endParaRPr>
           </a:p>
           <a:p>
             <a:pPr marL="285750" indent="-285750" algn="l">
@@ -3838,14 +3795,6 @@
               </a:rPr>
               <a:t>查看处方</a:t>
             </a:r>
-            <a:endParaRPr lang="zh-CN" altLang="en-US">
-              <a:solidFill>
-                <a:schemeClr val="bg1"/>
-              </a:solidFill>
-              <a:latin typeface="Microsoft JhengHei" panose="020B0604030504040204" charset="-120"/>
-              <a:ea typeface="Microsoft JhengHei" panose="020B0604030504040204" charset="-120"/>
-              <a:sym typeface="+mn-ea"/>
-            </a:endParaRPr>
           </a:p>
           <a:p>
             <a:pPr marL="285750" indent="-285750" algn="l">
@@ -3872,14 +3821,6 @@
               </a:rPr>
               <a:t>问诊历史</a:t>
             </a:r>
-            <a:endParaRPr lang="zh-CN" altLang="en-US">
-              <a:solidFill>
-                <a:schemeClr val="bg1"/>
-              </a:solidFill>
-              <a:latin typeface="Microsoft JhengHei" panose="020B0604030504040204" charset="-120"/>
-              <a:ea typeface="Microsoft JhengHei" panose="020B0604030504040204" charset="-120"/>
-              <a:sym typeface="+mn-ea"/>
-            </a:endParaRPr>
           </a:p>
           <a:p>
             <a:pPr marL="285750" indent="-285750" algn="l">
@@ -3906,14 +3847,6 @@
               </a:rPr>
               <a:t>在线支付</a:t>
             </a:r>
-            <a:endParaRPr lang="zh-CN" altLang="en-US">
-              <a:solidFill>
-                <a:schemeClr val="bg1"/>
-              </a:solidFill>
-              <a:latin typeface="Microsoft JhengHei" panose="020B0604030504040204" charset="-120"/>
-              <a:ea typeface="Microsoft JhengHei" panose="020B0604030504040204" charset="-120"/>
-              <a:sym typeface="+mn-ea"/>
-            </a:endParaRPr>
           </a:p>
         </p:txBody>
       </p:sp>
@@ -3937,6 +3870,7 @@
           <a:bodyPr wrap="square" rtlCol="0" anchor="t">
             <a:spAutoFit/>
           </a:bodyPr>
+          <a:lstStyle/>
           <a:p>
             <a:pPr algn="l"/>
             <a:r>
@@ -3950,14 +3884,6 @@
               </a:rPr>
               <a:t>医生端</a:t>
             </a:r>
-            <a:endParaRPr lang="zh-CN" altLang="en-US" sz="2400" b="1">
-              <a:solidFill>
-                <a:schemeClr val="bg1"/>
-              </a:solidFill>
-              <a:latin typeface="Microsoft JhengHei" panose="020B0604030504040204" charset="-120"/>
-              <a:ea typeface="Microsoft JhengHei" panose="020B0604030504040204" charset="-120"/>
-              <a:sym typeface="+mn-ea"/>
-            </a:endParaRPr>
           </a:p>
           <a:p>
             <a:pPr marL="285750" indent="-285750" algn="l">
@@ -3998,14 +3924,6 @@
               </a:rPr>
               <a:t>登陆、修改个人信息</a:t>
             </a:r>
-            <a:endParaRPr lang="zh-CN" altLang="en-US">
-              <a:solidFill>
-                <a:schemeClr val="bg1"/>
-              </a:solidFill>
-              <a:latin typeface="Microsoft JhengHei" panose="020B0604030504040204" charset="-120"/>
-              <a:ea typeface="Microsoft JhengHei" panose="020B0604030504040204" charset="-120"/>
-              <a:sym typeface="+mn-ea"/>
-            </a:endParaRPr>
           </a:p>
           <a:p>
             <a:pPr marL="285750" indent="-285750" algn="l">
@@ -4032,14 +3950,6 @@
               </a:rPr>
               <a:t>在线问诊、实时聊天</a:t>
             </a:r>
-            <a:endParaRPr lang="zh-CN" altLang="en-US">
-              <a:solidFill>
-                <a:schemeClr val="bg1"/>
-              </a:solidFill>
-              <a:latin typeface="Microsoft JhengHei" panose="020B0604030504040204" charset="-120"/>
-              <a:ea typeface="Microsoft JhengHei" panose="020B0604030504040204" charset="-120"/>
-              <a:sym typeface="+mn-ea"/>
-            </a:endParaRPr>
           </a:p>
           <a:p>
             <a:pPr marL="285750" indent="-285750" algn="l">
@@ -4066,14 +3976,6 @@
               </a:rPr>
               <a:t>开具处方</a:t>
             </a:r>
-            <a:endParaRPr lang="zh-CN" altLang="en-US">
-              <a:solidFill>
-                <a:schemeClr val="bg1"/>
-              </a:solidFill>
-              <a:latin typeface="Microsoft JhengHei" panose="020B0604030504040204" charset="-120"/>
-              <a:ea typeface="Microsoft JhengHei" panose="020B0604030504040204" charset="-120"/>
-              <a:sym typeface="+mn-ea"/>
-            </a:endParaRPr>
           </a:p>
           <a:p>
             <a:pPr marL="285750" indent="-285750" algn="l">
@@ -4100,14 +4002,6 @@
               </a:rPr>
               <a:t>问诊历史</a:t>
             </a:r>
-            <a:endParaRPr lang="zh-CN" altLang="en-US">
-              <a:solidFill>
-                <a:schemeClr val="bg1"/>
-              </a:solidFill>
-              <a:latin typeface="Microsoft JhengHei" panose="020B0604030504040204" charset="-120"/>
-              <a:ea typeface="Microsoft JhengHei" panose="020B0604030504040204" charset="-120"/>
-              <a:sym typeface="+mn-ea"/>
-            </a:endParaRPr>
           </a:p>
           <a:p>
             <a:pPr marL="285750" indent="-285750" algn="l">
@@ -4134,14 +4028,6 @@
               </a:rPr>
               <a:t>药品库管理</a:t>
             </a:r>
-            <a:endParaRPr lang="zh-CN" altLang="en-US">
-              <a:solidFill>
-                <a:schemeClr val="bg1"/>
-              </a:solidFill>
-              <a:latin typeface="Microsoft JhengHei" panose="020B0604030504040204" charset="-120"/>
-              <a:ea typeface="Microsoft JhengHei" panose="020B0604030504040204" charset="-120"/>
-              <a:sym typeface="+mn-ea"/>
-            </a:endParaRPr>
           </a:p>
         </p:txBody>
       </p:sp>
@@ -4165,9 +4051,10 @@
           <a:bodyPr wrap="square" rtlCol="0" anchor="t">
             <a:spAutoFit/>
           </a:bodyPr>
-          <a:p>
-            <a:r>
-              <a:rPr lang="zh-CN" altLang="en-US">
+          <a:lstStyle/>
+          <a:p>
+            <a:r>
+              <a:rPr lang="zh-CN" altLang="en-US" dirty="0">
                 <a:solidFill>
                   <a:schemeClr val="bg1"/>
                 </a:solidFill>
@@ -4177,14 +4064,6 @@
               </a:rPr>
               <a:t>计划加入的功能：药品配送系统，配送员接单、送单等</a:t>
             </a:r>
-            <a:endParaRPr lang="zh-CN" altLang="en-US">
-              <a:solidFill>
-                <a:schemeClr val="bg1"/>
-              </a:solidFill>
-              <a:latin typeface="Microsoft JhengHei" panose="020B0604030504040204" charset="-120"/>
-              <a:ea typeface="Microsoft JhengHei" panose="020B0604030504040204" charset="-120"/>
-              <a:sym typeface="+mn-ea"/>
-            </a:endParaRPr>
           </a:p>
         </p:txBody>
       </p:sp>
@@ -4196,13 +4075,6 @@
   <p:transition>
     <p:fade/>
   </p:transition>
-  <p:timing>
-    <p:tnLst>
-      <p:par>
-        <p:cTn id="1" dur="indefinite" restart="never" nodeType="tmRoot"/>
-      </p:par>
-    </p:tnLst>
-  </p:timing>
 </p:sld>
 </file>
 
@@ -4215,7 +4087,14 @@
         <p:cNvGrpSpPr/>
         <p:nvPr/>
       </p:nvGrpSpPr>
-      <p:grpSpPr/>
+      <p:grpSpPr>
+        <a:xfrm>
+          <a:off x="0" y="0"/>
+          <a:ext cx="0" cy="0"/>
+          <a:chOff x="0" y="0"/>
+          <a:chExt cx="0" cy="0"/>
+        </a:xfrm>
+      </p:grpSpPr>
       <p:pic>
         <p:nvPicPr>
           <p:cNvPr id="5" name="图片 4" descr="大学生活动中心"/>
@@ -4225,7 +4104,7 @@
           <p:nvPr/>
         </p:nvPicPr>
         <p:blipFill>
-          <a:blip r:embed="rId1"/>
+          <a:blip r:embed="rId2"/>
           <a:stretch>
             <a:fillRect/>
           </a:stretch>
@@ -4264,7 +4143,7 @@
             <p:nvPr/>
           </p:nvPicPr>
           <p:blipFill>
-            <a:blip r:embed="rId2"/>
+            <a:blip r:embed="rId3"/>
             <a:stretch>
               <a:fillRect/>
             </a:stretch>
@@ -4306,6 +4185,7 @@
             <a:bodyPr wrap="square" rtlCol="0" anchor="t">
               <a:spAutoFit/>
             </a:bodyPr>
+            <a:lstStyle/>
             <a:p>
               <a:pPr algn="ctr">
                 <a:lnSpc>
@@ -4366,7 +4246,7 @@
             <p:nvPr/>
           </p:nvPicPr>
           <p:blipFill>
-            <a:blip r:embed="rId3"/>
+            <a:blip r:embed="rId4"/>
             <a:stretch>
               <a:fillRect/>
             </a:stretch>
@@ -4408,6 +4288,7 @@
             <a:bodyPr wrap="square" rtlCol="0" anchor="t">
               <a:spAutoFit/>
             </a:bodyPr>
+            <a:lstStyle/>
             <a:p>
               <a:pPr algn="ctr">
                 <a:lnSpc>
@@ -4468,7 +4349,7 @@
             <p:nvPr/>
           </p:nvPicPr>
           <p:blipFill>
-            <a:blip r:embed="rId4"/>
+            <a:blip r:embed="rId5"/>
             <a:stretch>
               <a:fillRect/>
             </a:stretch>
@@ -4510,6 +4391,7 @@
             <a:bodyPr wrap="square" rtlCol="0" anchor="t">
               <a:spAutoFit/>
             </a:bodyPr>
+            <a:lstStyle/>
             <a:p>
               <a:pPr algn="ctr">
                 <a:lnSpc>
@@ -4706,7 +4588,14 @@
         <p:cNvGrpSpPr/>
         <p:nvPr/>
       </p:nvGrpSpPr>
-      <p:grpSpPr/>
+      <p:grpSpPr>
+        <a:xfrm>
+          <a:off x="0" y="0"/>
+          <a:ext cx="0" cy="0"/>
+          <a:chOff x="0" y="0"/>
+          <a:chExt cx="0" cy="0"/>
+        </a:xfrm>
+      </p:grpSpPr>
       <p:sp>
         <p:nvSpPr>
           <p:cNvPr id="2" name="文本框 1"/>
@@ -4727,6 +4616,7 @@
           <a:bodyPr wrap="square" rtlCol="0" anchor="t">
             <a:spAutoFit/>
           </a:bodyPr>
+          <a:lstStyle/>
           <a:p>
             <a:r>
               <a:rPr lang="zh-CN" altLang="en-US" sz="2400" b="1">
@@ -4736,11 +4626,6 @@
               </a:rPr>
               <a:t>技术栈概览</a:t>
             </a:r>
-            <a:endParaRPr lang="zh-CN" altLang="en-US" sz="2400" b="1">
-              <a:latin typeface="Microsoft JhengHei" panose="020B0604030504040204" charset="-120"/>
-              <a:ea typeface="Microsoft JhengHei" panose="020B0604030504040204" charset="-120"/>
-              <a:sym typeface="+mn-ea"/>
-            </a:endParaRPr>
           </a:p>
         </p:txBody>
       </p:sp>
@@ -4778,6 +4663,7 @@
             <a:bodyPr wrap="none" rtlCol="0" anchor="t">
               <a:spAutoFit/>
             </a:bodyPr>
+            <a:lstStyle/>
             <a:p>
               <a:pPr algn="ctr"/>
               <a:r>
@@ -4788,11 +4674,6 @@
                 </a:rPr>
                 <a:t>前端：</a:t>
               </a:r>
-              <a:endParaRPr lang="zh-CN" altLang="en-US">
-                <a:latin typeface="Microsoft JhengHei" panose="020B0604030504040204" charset="-120"/>
-                <a:ea typeface="Microsoft JhengHei" panose="020B0604030504040204" charset="-120"/>
-                <a:sym typeface="+mn-ea"/>
-              </a:endParaRPr>
             </a:p>
           </p:txBody>
         </p:sp>
@@ -4816,6 +4697,7 @@
             <a:bodyPr wrap="none" rtlCol="0" anchor="t">
               <a:spAutoFit/>
             </a:bodyPr>
+            <a:lstStyle/>
             <a:p>
               <a:pPr algn="ctr"/>
               <a:r>
@@ -4826,11 +4708,6 @@
                 </a:rPr>
                 <a:t>后端：</a:t>
               </a:r>
-              <a:endParaRPr lang="zh-CN" altLang="en-US">
-                <a:latin typeface="Microsoft JhengHei" panose="020B0604030504040204" charset="-120"/>
-                <a:ea typeface="Microsoft JhengHei" panose="020B0604030504040204" charset="-120"/>
-                <a:sym typeface="+mn-ea"/>
-              </a:endParaRPr>
             </a:p>
           </p:txBody>
         </p:sp>
@@ -4854,6 +4731,7 @@
             <a:bodyPr wrap="none" rtlCol="0" anchor="t">
               <a:spAutoFit/>
             </a:bodyPr>
+            <a:lstStyle/>
             <a:p>
               <a:pPr algn="ctr"/>
               <a:r>
@@ -4864,11 +4742,6 @@
                 </a:rPr>
                 <a:t>实时通信：</a:t>
               </a:r>
-              <a:endParaRPr lang="zh-CN" altLang="en-US">
-                <a:latin typeface="Microsoft JhengHei" panose="020B0604030504040204" charset="-120"/>
-                <a:ea typeface="Microsoft JhengHei" panose="020B0604030504040204" charset="-120"/>
-                <a:sym typeface="+mn-ea"/>
-              </a:endParaRPr>
             </a:p>
           </p:txBody>
         </p:sp>
@@ -4896,7 +4769,7 @@
             <p:nvPr/>
           </p:nvPicPr>
           <p:blipFill>
-            <a:blip r:embed="rId1"/>
+            <a:blip r:embed="rId3"/>
             <a:stretch>
               <a:fillRect/>
             </a:stretch>
@@ -4920,7 +4793,7 @@
             <p:nvPr/>
           </p:nvPicPr>
           <p:blipFill>
-            <a:blip r:embed="rId2"/>
+            <a:blip r:embed="rId4"/>
             <a:stretch>
               <a:fillRect/>
             </a:stretch>
@@ -4958,7 +4831,7 @@
               <p:nvPr/>
             </p:nvPicPr>
             <p:blipFill>
-              <a:blip r:embed="rId3"/>
+              <a:blip r:embed="rId5"/>
               <a:stretch>
                 <a:fillRect/>
               </a:stretch>
@@ -4993,6 +4866,7 @@
               <a:bodyPr wrap="none" rtlCol="0" anchor="t">
                 <a:spAutoFit/>
               </a:bodyPr>
+              <a:lstStyle/>
               <a:p>
                 <a:r>
                   <a:rPr lang="en-US" altLang="zh-CN" sz="1400">
@@ -5002,11 +4876,6 @@
                   </a:rPr>
                   <a:t>(Vue)</a:t>
                 </a:r>
-                <a:endParaRPr lang="en-US" altLang="zh-CN" sz="1400">
-                  <a:latin typeface="Microsoft JhengHei" panose="020B0604030504040204" charset="-120"/>
-                  <a:ea typeface="Microsoft JhengHei" panose="020B0604030504040204" charset="-120"/>
-                  <a:sym typeface="+mn-ea"/>
-                </a:endParaRPr>
               </a:p>
             </p:txBody>
           </p:sp>
@@ -5035,7 +4904,7 @@
             <p:nvPr/>
           </p:nvPicPr>
           <p:blipFill>
-            <a:blip r:embed="rId4"/>
+            <a:blip r:embed="rId6"/>
             <a:stretch>
               <a:fillRect/>
             </a:stretch>
@@ -5059,7 +4928,7 @@
             <p:nvPr/>
           </p:nvPicPr>
           <p:blipFill>
-            <a:blip r:embed="rId5"/>
+            <a:blip r:embed="rId7"/>
             <a:stretch>
               <a:fillRect/>
             </a:stretch>
@@ -5098,7 +4967,7 @@
             <p:nvPr/>
           </p:nvPicPr>
           <p:blipFill>
-            <a:blip r:embed="rId6"/>
+            <a:blip r:embed="rId8"/>
             <a:stretch>
               <a:fillRect/>
             </a:stretch>
@@ -5136,7 +5005,7 @@
               <p:nvPr/>
             </p:nvPicPr>
             <p:blipFill>
-              <a:blip r:embed="rId7"/>
+              <a:blip r:embed="rId9"/>
               <a:stretch>
                 <a:fillRect/>
               </a:stretch>
@@ -5171,6 +5040,7 @@
               <a:bodyPr wrap="none" rtlCol="0" anchor="t">
                 <a:spAutoFit/>
               </a:bodyPr>
+              <a:lstStyle/>
               <a:p>
                 <a:r>
                   <a:rPr lang="en-US" altLang="zh-CN" sz="1400">
@@ -5180,11 +5050,6 @@
                   </a:rPr>
                   <a:t>(Mpvue)</a:t>
                 </a:r>
-                <a:endParaRPr lang="en-US" altLang="zh-CN" sz="1400">
-                  <a:latin typeface="Microsoft JhengHei" panose="020B0604030504040204" charset="-120"/>
-                  <a:ea typeface="Microsoft JhengHei" panose="020B0604030504040204" charset="-120"/>
-                  <a:sym typeface="+mn-ea"/>
-                </a:endParaRPr>
               </a:p>
             </p:txBody>
           </p:sp>
@@ -5212,7 +5077,7 @@
               <p:nvPr/>
             </p:nvPicPr>
             <p:blipFill>
-              <a:blip r:embed="rId8"/>
+              <a:blip r:embed="rId10"/>
               <a:stretch>
                 <a:fillRect/>
               </a:stretch>
@@ -5247,6 +5112,7 @@
               <a:bodyPr wrap="square" rtlCol="0" anchor="t">
                 <a:spAutoFit/>
               </a:bodyPr>
+              <a:lstStyle/>
               <a:p>
                 <a:r>
                   <a:rPr lang="en-US" altLang="zh-CN" sz="3200" b="1">
@@ -5255,10 +5121,6 @@
                   </a:rPr>
                   <a:t>weapp.socket.io</a:t>
                 </a:r>
-                <a:endParaRPr lang="en-US" altLang="zh-CN" sz="3200" b="1">
-                  <a:latin typeface="Microsoft JhengHei" panose="020B0604030504040204" charset="-120"/>
-                  <a:ea typeface="Microsoft JhengHei" panose="020B0604030504040204" charset="-120"/>
-                </a:endParaRPr>
               </a:p>
             </p:txBody>
           </p:sp>
@@ -5301,7 +5163,7 @@
               <p:nvPr/>
             </p:nvPicPr>
             <p:blipFill>
-              <a:blip r:embed="rId9"/>
+              <a:blip r:embed="rId11"/>
               <a:srcRect l="19776" r="26460"/>
               <a:stretch>
                 <a:fillRect/>
@@ -5326,7 +5188,7 @@
               <p:nvPr/>
             </p:nvPicPr>
             <p:blipFill>
-              <a:blip r:embed="rId10"/>
+              <a:blip r:embed="rId12"/>
               <a:srcRect l="31807" t="10207" r="32812" b="7102"/>
               <a:stretch>
                 <a:fillRect/>
@@ -5363,6 +5225,7 @@
             <a:bodyPr wrap="none" rtlCol="0" anchor="t">
               <a:spAutoFit/>
             </a:bodyPr>
+            <a:lstStyle/>
             <a:p>
               <a:r>
                 <a:rPr lang="en-US" altLang="zh-CN" sz="1400">
@@ -5372,11 +5235,6 @@
                 </a:rPr>
                 <a:t>(Vant)</a:t>
               </a:r>
-              <a:endParaRPr lang="en-US" altLang="zh-CN" sz="1400">
-                <a:latin typeface="Microsoft JhengHei" panose="020B0604030504040204" charset="-120"/>
-                <a:ea typeface="Microsoft JhengHei" panose="020B0604030504040204" charset="-120"/>
-                <a:sym typeface="+mn-ea"/>
-              </a:endParaRPr>
             </a:p>
           </p:txBody>
         </p:sp>
@@ -5660,7 +5518,14 @@
         <p:cNvGrpSpPr/>
         <p:nvPr/>
       </p:nvGrpSpPr>
-      <p:grpSpPr/>
+      <p:grpSpPr>
+        <a:xfrm>
+          <a:off x="0" y="0"/>
+          <a:ext cx="0" cy="0"/>
+          <a:chOff x="0" y="0"/>
+          <a:chExt cx="0" cy="0"/>
+        </a:xfrm>
+      </p:grpSpPr>
       <p:sp>
         <p:nvSpPr>
           <p:cNvPr id="2" name="文本框 1"/>
@@ -5681,6 +5546,7 @@
           <a:bodyPr wrap="square" rtlCol="0" anchor="t">
             <a:spAutoFit/>
           </a:bodyPr>
+          <a:lstStyle/>
           <a:p>
             <a:r>
               <a:rPr lang="zh-CN" altLang="en-US" sz="2400" b="1">
@@ -5690,11 +5556,6 @@
               </a:rPr>
               <a:t>技术栈概览</a:t>
             </a:r>
-            <a:endParaRPr lang="zh-CN" altLang="en-US" sz="2400" b="1">
-              <a:latin typeface="Microsoft JhengHei" panose="020B0604030504040204" charset="-120"/>
-              <a:ea typeface="Microsoft JhengHei" panose="020B0604030504040204" charset="-120"/>
-              <a:sym typeface="+mn-ea"/>
-            </a:endParaRPr>
           </a:p>
         </p:txBody>
       </p:sp>
@@ -5732,6 +5593,7 @@
             <a:bodyPr wrap="none" rtlCol="0" anchor="t">
               <a:spAutoFit/>
             </a:bodyPr>
+            <a:lstStyle/>
             <a:p>
               <a:r>
                 <a:rPr lang="en-US" altLang="zh-CN">
@@ -5749,11 +5611,6 @@
                 </a:rPr>
                 <a:t>服务器</a:t>
               </a:r>
-              <a:endParaRPr lang="zh-CN" altLang="en-US">
-                <a:latin typeface="Microsoft JhengHei" panose="020B0604030504040204" charset="-120"/>
-                <a:ea typeface="Microsoft JhengHei" panose="020B0604030504040204" charset="-120"/>
-                <a:sym typeface="+mn-ea"/>
-              </a:endParaRPr>
             </a:p>
           </p:txBody>
         </p:sp>
@@ -5777,6 +5634,7 @@
             <a:bodyPr wrap="none" rtlCol="0" anchor="t">
               <a:spAutoFit/>
             </a:bodyPr>
+            <a:lstStyle/>
             <a:p>
               <a:r>
                 <a:rPr lang="zh-CN" altLang="en-US">
@@ -5786,11 +5644,6 @@
                 </a:rPr>
                 <a:t>聊天服务器</a:t>
               </a:r>
-              <a:endParaRPr lang="zh-CN" altLang="en-US">
-                <a:latin typeface="Microsoft JhengHei" panose="020B0604030504040204" charset="-120"/>
-                <a:ea typeface="Microsoft JhengHei" panose="020B0604030504040204" charset="-120"/>
-                <a:sym typeface="+mn-ea"/>
-              </a:endParaRPr>
             </a:p>
           </p:txBody>
         </p:sp>
@@ -5803,7 +5656,7 @@
             <p:nvPr/>
           </p:nvPicPr>
           <p:blipFill>
-            <a:blip r:embed="rId1"/>
+            <a:blip r:embed="rId2"/>
             <a:srcRect l="7521" t="14769" r="6444" b="20715"/>
             <a:stretch>
               <a:fillRect/>
@@ -5828,7 +5681,7 @@
             <p:nvPr/>
           </p:nvPicPr>
           <p:blipFill>
-            <a:blip r:embed="rId2"/>
+            <a:blip r:embed="rId3"/>
             <a:stretch>
               <a:fillRect/>
             </a:stretch>
@@ -5852,7 +5705,7 @@
             <p:nvPr/>
           </p:nvPicPr>
           <p:blipFill>
-            <a:blip r:embed="rId3"/>
+            <a:blip r:embed="rId4"/>
             <a:srcRect l="22690" t="15290" r="26461" b="19443"/>
             <a:stretch>
               <a:fillRect/>
@@ -5891,7 +5744,7 @@
               <p:nvPr/>
             </p:nvPicPr>
             <p:blipFill>
-              <a:blip r:embed="rId4"/>
+              <a:blip r:embed="rId5"/>
               <a:srcRect l="10885" t="23333" r="63093" b="21182"/>
               <a:stretch>
                 <a:fillRect/>
@@ -5916,7 +5769,7 @@
               <p:nvPr/>
             </p:nvPicPr>
             <p:blipFill>
-              <a:blip r:embed="rId5"/>
+              <a:blip r:embed="rId6"/>
               <a:srcRect r="43314"/>
               <a:stretch>
                 <a:fillRect/>
@@ -5957,7 +5810,7 @@
             <p:nvPr/>
           </p:nvPicPr>
           <p:blipFill>
-            <a:blip r:embed="rId6"/>
+            <a:blip r:embed="rId7"/>
             <a:srcRect l="31807" t="10207" r="32812" b="7102"/>
             <a:stretch>
               <a:fillRect/>
@@ -6007,6 +5860,7 @@
               <a:bodyPr wrap="none" rtlCol="0" anchor="t">
                 <a:spAutoFit/>
               </a:bodyPr>
+              <a:lstStyle/>
               <a:p>
                 <a:r>
                   <a:rPr lang="zh-CN" altLang="en-US">
@@ -6016,11 +5870,6 @@
                   </a:rPr>
                   <a:t>客户端</a:t>
                 </a:r>
-                <a:endParaRPr lang="zh-CN" altLang="en-US">
-                  <a:latin typeface="Microsoft JhengHei" panose="020B0604030504040204" charset="-120"/>
-                  <a:ea typeface="Microsoft JhengHei" panose="020B0604030504040204" charset="-120"/>
-                  <a:sym typeface="+mn-ea"/>
-                </a:endParaRPr>
               </a:p>
             </p:txBody>
           </p:sp>
@@ -6033,7 +5882,7 @@
               <p:nvPr/>
             </p:nvPicPr>
             <p:blipFill>
-              <a:blip r:embed="rId7"/>
+              <a:blip r:embed="rId8"/>
               <a:srcRect l="23207" t="28187" r="23723" b="28243"/>
               <a:stretch>
                 <a:fillRect/>
@@ -6058,7 +5907,7 @@
               <p:nvPr/>
             </p:nvPicPr>
             <p:blipFill>
-              <a:blip r:embed="rId8"/>
+              <a:blip r:embed="rId9"/>
               <a:stretch>
                 <a:fillRect/>
               </a:stretch>
@@ -6082,7 +5931,7 @@
               <p:nvPr/>
             </p:nvPicPr>
             <p:blipFill>
-              <a:blip r:embed="rId9"/>
+              <a:blip r:embed="rId10"/>
               <a:stretch>
                 <a:fillRect/>
               </a:stretch>
@@ -6155,6 +6004,7 @@
           </p:style>
           <p:txBody>
             <a:bodyPr rtlCol="0" anchor="ctr"/>
+            <a:lstStyle/>
             <a:p>
               <a:pPr algn="ctr"/>
               <a:endParaRPr lang="zh-CN" altLang="en-US"/>
@@ -6203,6 +6053,7 @@
           </p:style>
           <p:txBody>
             <a:bodyPr rtlCol="0" anchor="ctr"/>
+            <a:lstStyle/>
             <a:p>
               <a:pPr algn="ctr"/>
               <a:endParaRPr lang="zh-CN" altLang="en-US"/>
@@ -6244,6 +6095,7 @@
             <a:bodyPr wrap="none" rtlCol="0" anchor="t">
               <a:spAutoFit/>
             </a:bodyPr>
+            <a:lstStyle/>
             <a:p>
               <a:r>
                 <a:rPr lang="zh-CN" altLang="en-US">
@@ -6253,11 +6105,6 @@
                 </a:rPr>
                 <a:t>数据库</a:t>
               </a:r>
-              <a:endParaRPr lang="zh-CN" altLang="en-US">
-                <a:latin typeface="Microsoft JhengHei" panose="020B0604030504040204" charset="-120"/>
-                <a:ea typeface="Microsoft JhengHei" panose="020B0604030504040204" charset="-120"/>
-                <a:sym typeface="+mn-ea"/>
-              </a:endParaRPr>
             </a:p>
           </p:txBody>
         </p:sp>
@@ -6270,7 +6117,7 @@
             <p:nvPr/>
           </p:nvPicPr>
           <p:blipFill>
-            <a:blip r:embed="rId10"/>
+            <a:blip r:embed="rId11"/>
             <a:srcRect l="19776" r="26460"/>
             <a:stretch>
               <a:fillRect/>
@@ -6343,6 +6190,7 @@
           </p:style>
           <p:txBody>
             <a:bodyPr rtlCol="0" anchor="ctr"/>
+            <a:lstStyle/>
             <a:p>
               <a:pPr algn="ctr"/>
               <a:endParaRPr lang="zh-CN" altLang="en-US"/>
@@ -6391,6 +6239,7 @@
           </p:style>
           <p:txBody>
             <a:bodyPr rtlCol="0" anchor="ctr"/>
+            <a:lstStyle/>
             <a:p>
               <a:pPr algn="ctr"/>
               <a:endParaRPr lang="zh-CN" altLang="en-US"/>
@@ -6457,6 +6306,7 @@
           </p:style>
           <p:txBody>
             <a:bodyPr rtlCol="0" anchor="ctr"/>
+            <a:lstStyle/>
             <a:p>
               <a:pPr algn="ctr"/>
               <a:endParaRPr lang="zh-CN" altLang="en-US"/>
@@ -6508,6 +6358,7 @@
           </p:style>
           <p:txBody>
             <a:bodyPr rtlCol="0" anchor="ctr"/>
+            <a:lstStyle/>
             <a:p>
               <a:pPr algn="ctr"/>
               <a:endParaRPr lang="zh-CN" altLang="en-US"/>
@@ -6574,6 +6425,7 @@
           </p:style>
           <p:txBody>
             <a:bodyPr rtlCol="0" anchor="ctr"/>
+            <a:lstStyle/>
             <a:p>
               <a:pPr algn="ctr"/>
               <a:endParaRPr lang="zh-CN" altLang="en-US"/>
@@ -6625,6 +6477,7 @@
           </p:style>
           <p:txBody>
             <a:bodyPr rtlCol="0" anchor="ctr"/>
+            <a:lstStyle/>
             <a:p>
               <a:pPr algn="ctr"/>
               <a:endParaRPr lang="zh-CN" altLang="en-US"/>
@@ -6996,7 +6849,547 @@
         <p:cNvGrpSpPr/>
         <p:nvPr/>
       </p:nvGrpSpPr>
-      <p:grpSpPr/>
+      <p:grpSpPr>
+        <a:xfrm>
+          <a:off x="0" y="0"/>
+          <a:ext cx="0" cy="0"/>
+          <a:chOff x="0" y="0"/>
+          <a:chExt cx="0" cy="0"/>
+        </a:xfrm>
+      </p:grpSpPr>
+      <p:sp>
+        <p:nvSpPr>
+          <p:cNvPr id="2" name="文本框 1">
+            <a:extLst>
+              <a:ext uri="{FF2B5EF4-FFF2-40B4-BE49-F238E27FC236}">
+                <a16:creationId xmlns:a16="http://schemas.microsoft.com/office/drawing/2014/main" id="{75792806-E798-45B7-A81B-A6CF3471197A}"/>
+              </a:ext>
+            </a:extLst>
+          </p:cNvPr>
+          <p:cNvSpPr txBox="1"/>
+          <p:nvPr/>
+        </p:nvSpPr>
+        <p:spPr>
+          <a:xfrm>
+            <a:off x="496570" y="480060"/>
+            <a:ext cx="2485390" cy="461665"/>
+          </a:xfrm>
+          <a:prstGeom prst="rect">
+            <a:avLst/>
+          </a:prstGeom>
+          <a:noFill/>
+        </p:spPr>
+        <p:txBody>
+          <a:bodyPr wrap="square" rtlCol="0" anchor="t">
+            <a:spAutoFit/>
+          </a:bodyPr>
+          <a:lstStyle/>
+          <a:p>
+            <a:r>
+              <a:rPr lang="zh-CN" altLang="en-US" sz="2400" b="1" dirty="0">
+                <a:latin typeface="Microsoft JhengHei" panose="020B0604030504040204" charset="-120"/>
+                <a:ea typeface="Microsoft JhengHei" panose="020B0604030504040204" charset="-120"/>
+                <a:sym typeface="+mn-ea"/>
+              </a:rPr>
+              <a:t>总结</a:t>
+            </a:r>
+          </a:p>
+        </p:txBody>
+      </p:sp>
+      <p:sp>
+        <p:nvSpPr>
+          <p:cNvPr id="3" name="文本框 2">
+            <a:extLst>
+              <a:ext uri="{FF2B5EF4-FFF2-40B4-BE49-F238E27FC236}">
+                <a16:creationId xmlns:a16="http://schemas.microsoft.com/office/drawing/2014/main" id="{2D3524B5-2212-43BC-AE34-E40DAD735A7C}"/>
+              </a:ext>
+            </a:extLst>
+          </p:cNvPr>
+          <p:cNvSpPr txBox="1"/>
+          <p:nvPr/>
+        </p:nvSpPr>
+        <p:spPr>
+          <a:xfrm>
+            <a:off x="496569" y="1300674"/>
+            <a:ext cx="11311499" cy="4906215"/>
+          </a:xfrm>
+          <a:prstGeom prst="rect">
+            <a:avLst/>
+          </a:prstGeom>
+          <a:noFill/>
+        </p:spPr>
+        <p:txBody>
+          <a:bodyPr wrap="square" rtlCol="0" anchor="t">
+            <a:spAutoFit/>
+          </a:bodyPr>
+          <a:lstStyle/>
+          <a:p>
+            <a:pPr marL="285750" indent="-285750">
+              <a:lnSpc>
+                <a:spcPct val="125000"/>
+              </a:lnSpc>
+              <a:buFont typeface="Arial" panose="020B0604020202020204" pitchFamily="34" charset="0"/>
+              <a:buChar char="•"/>
+            </a:pPr>
+            <a:r>
+              <a:rPr lang="zh-CN" altLang="en-US" dirty="0">
+                <a:latin typeface="Microsoft JhengHei" panose="020B0604030504040204" charset="-120"/>
+                <a:ea typeface="Microsoft JhengHei" panose="020B0604030504040204" charset="-120"/>
+                <a:sym typeface="+mn-ea"/>
+              </a:rPr>
+              <a:t>选题：</a:t>
+            </a:r>
+            <a:r>
+              <a:rPr lang="en-US" altLang="zh-CN" dirty="0">
+                <a:latin typeface="Microsoft JhengHei" panose="020B0604030504040204" charset="-120"/>
+                <a:ea typeface="Microsoft JhengHei" panose="020B0604030504040204" charset="-120"/>
+                <a:sym typeface="+mn-ea"/>
+              </a:rPr>
+              <a:t>《</a:t>
+            </a:r>
+            <a:r>
+              <a:rPr lang="zh-CN" altLang="en-US" dirty="0">
+                <a:latin typeface="Microsoft JhengHei" panose="020B0604030504040204" charset="-120"/>
+                <a:ea typeface="Microsoft JhengHei" panose="020B0604030504040204" charset="-120"/>
+                <a:sym typeface="+mn-ea"/>
+              </a:rPr>
+              <a:t>面向高校的实时问诊系统</a:t>
+            </a:r>
+            <a:r>
+              <a:rPr lang="en-US" altLang="zh-CN" dirty="0">
+                <a:latin typeface="Microsoft JhengHei" panose="020B0604030504040204" charset="-120"/>
+                <a:ea typeface="Microsoft JhengHei" panose="020B0604030504040204" charset="-120"/>
+                <a:sym typeface="+mn-ea"/>
+              </a:rPr>
+              <a:t>》</a:t>
+            </a:r>
+          </a:p>
+          <a:p>
+            <a:pPr>
+              <a:lnSpc>
+                <a:spcPct val="125000"/>
+              </a:lnSpc>
+            </a:pPr>
+            <a:endParaRPr lang="en-US" altLang="zh-CN" dirty="0">
+              <a:latin typeface="Microsoft JhengHei" panose="020B0604030504040204" charset="-120"/>
+              <a:ea typeface="Microsoft JhengHei" panose="020B0604030504040204" charset="-120"/>
+              <a:sym typeface="+mn-ea"/>
+            </a:endParaRPr>
+          </a:p>
+          <a:p>
+            <a:pPr marL="285750" indent="-285750">
+              <a:lnSpc>
+                <a:spcPct val="125000"/>
+              </a:lnSpc>
+              <a:buFont typeface="Arial" panose="020B0604020202020204" pitchFamily="34" charset="0"/>
+              <a:buChar char="•"/>
+            </a:pPr>
+            <a:r>
+              <a:rPr lang="zh-CN" altLang="en-US" dirty="0">
+                <a:latin typeface="Microsoft JhengHei" panose="020B0604030504040204" charset="-120"/>
+                <a:ea typeface="Microsoft JhengHei" panose="020B0604030504040204" charset="-120"/>
+                <a:sym typeface="+mn-ea"/>
+              </a:rPr>
+              <a:t>项目名称：</a:t>
+            </a:r>
+            <a:r>
+              <a:rPr lang="en-US" altLang="zh-CN" dirty="0">
+                <a:latin typeface="Microsoft JhengHei" panose="020B0604030504040204" charset="-120"/>
+                <a:ea typeface="Microsoft JhengHei" panose="020B0604030504040204" charset="-120"/>
+                <a:sym typeface="+mn-ea"/>
+              </a:rPr>
+              <a:t>《</a:t>
+            </a:r>
+            <a:r>
+              <a:rPr lang="zh-CN" altLang="en-US" dirty="0">
+                <a:latin typeface="Microsoft JhengHei" panose="020B0604030504040204" charset="-120"/>
+                <a:ea typeface="Microsoft JhengHei" panose="020B0604030504040204" charset="-120"/>
+                <a:sym typeface="+mn-ea"/>
+              </a:rPr>
+              <a:t>浙科医务室</a:t>
+            </a:r>
+            <a:r>
+              <a:rPr lang="en-US" altLang="zh-CN" dirty="0">
+                <a:latin typeface="Microsoft JhengHei" panose="020B0604030504040204" charset="-120"/>
+                <a:ea typeface="Microsoft JhengHei" panose="020B0604030504040204" charset="-120"/>
+                <a:sym typeface="+mn-ea"/>
+              </a:rPr>
+              <a:t>》</a:t>
+            </a:r>
+          </a:p>
+          <a:p>
+            <a:pPr>
+              <a:lnSpc>
+                <a:spcPct val="125000"/>
+              </a:lnSpc>
+            </a:pPr>
+            <a:endParaRPr lang="en-US" altLang="zh-CN" dirty="0">
+              <a:latin typeface="Microsoft JhengHei" panose="020B0604030504040204" charset="-120"/>
+              <a:ea typeface="Microsoft JhengHei" panose="020B0604030504040204" charset="-120"/>
+              <a:sym typeface="+mn-ea"/>
+            </a:endParaRPr>
+          </a:p>
+          <a:p>
+            <a:pPr marL="285750" indent="-285750">
+              <a:lnSpc>
+                <a:spcPct val="125000"/>
+              </a:lnSpc>
+              <a:buFont typeface="Arial" panose="020B0604020202020204" pitchFamily="34" charset="0"/>
+              <a:buChar char="•"/>
+            </a:pPr>
+            <a:r>
+              <a:rPr lang="zh-CN" altLang="en-US" dirty="0">
+                <a:latin typeface="Microsoft JhengHei" panose="020B0604030504040204" charset="-120"/>
+                <a:ea typeface="Microsoft JhengHei" panose="020B0604030504040204" charset="-120"/>
+                <a:sym typeface="+mn-ea"/>
+              </a:rPr>
+              <a:t>项目简介：为在校学生、教职工，在校医务人员提供一个</a:t>
+            </a:r>
+            <a:r>
+              <a:rPr lang="zh-CN" altLang="en-US" b="1" dirty="0">
+                <a:latin typeface="Microsoft JhengHei" panose="020B0604030504040204" charset="-120"/>
+                <a:ea typeface="Microsoft JhengHei" panose="020B0604030504040204" charset="-120"/>
+                <a:sym typeface="+mn-ea"/>
+              </a:rPr>
+              <a:t>在线问诊</a:t>
+            </a:r>
+            <a:r>
+              <a:rPr lang="zh-CN" altLang="en-US" dirty="0">
+                <a:latin typeface="Microsoft JhengHei" panose="020B0604030504040204" charset="-120"/>
+                <a:ea typeface="Microsoft JhengHei" panose="020B0604030504040204" charset="-120"/>
+                <a:sym typeface="+mn-ea"/>
+              </a:rPr>
+              <a:t>的平台。用户和医生可以通过手机端（微信小程序）或电脑端完成在线问诊、开具处方等操作。</a:t>
+            </a:r>
+            <a:endParaRPr lang="en-US" altLang="zh-CN" dirty="0">
+              <a:latin typeface="Microsoft JhengHei" panose="020B0604030504040204" charset="-120"/>
+              <a:ea typeface="Microsoft JhengHei" panose="020B0604030504040204" charset="-120"/>
+              <a:sym typeface="+mn-ea"/>
+            </a:endParaRPr>
+          </a:p>
+          <a:p>
+            <a:pPr>
+              <a:lnSpc>
+                <a:spcPct val="125000"/>
+              </a:lnSpc>
+            </a:pPr>
+            <a:endParaRPr lang="en-US" altLang="zh-CN" dirty="0">
+              <a:latin typeface="Microsoft JhengHei" panose="020B0604030504040204" charset="-120"/>
+              <a:ea typeface="Microsoft JhengHei" panose="020B0604030504040204" charset="-120"/>
+              <a:sym typeface="+mn-ea"/>
+            </a:endParaRPr>
+          </a:p>
+          <a:p>
+            <a:pPr marL="285750" indent="-285750">
+              <a:lnSpc>
+                <a:spcPct val="125000"/>
+              </a:lnSpc>
+              <a:buFont typeface="Arial" panose="020B0604020202020204" pitchFamily="34" charset="0"/>
+              <a:buChar char="•"/>
+            </a:pPr>
+            <a:r>
+              <a:rPr lang="zh-CN" altLang="en-US" dirty="0">
+                <a:latin typeface="Microsoft JhengHei" panose="020B0604030504040204" charset="-120"/>
+                <a:ea typeface="Microsoft JhengHei" panose="020B0604030504040204" charset="-120"/>
+                <a:sym typeface="+mn-ea"/>
+              </a:rPr>
+              <a:t>技术栈：</a:t>
+            </a:r>
+            <a:r>
+              <a:rPr lang="en-US" altLang="zh-CN" dirty="0">
+                <a:latin typeface="Microsoft JhengHei" panose="020B0604030504040204" charset="-120"/>
+                <a:ea typeface="Microsoft JhengHei" panose="020B0604030504040204" charset="-120"/>
+                <a:sym typeface="+mn-ea"/>
+              </a:rPr>
+              <a:t>Vue, </a:t>
+            </a:r>
+            <a:r>
+              <a:rPr lang="en-US" altLang="zh-CN" dirty="0" err="1">
+                <a:latin typeface="Microsoft JhengHei" panose="020B0604030504040204" charset="-120"/>
+                <a:ea typeface="Microsoft JhengHei" panose="020B0604030504040204" charset="-120"/>
+                <a:sym typeface="+mn-ea"/>
+              </a:rPr>
+              <a:t>Mpvue</a:t>
+            </a:r>
+            <a:r>
+              <a:rPr lang="en-US" altLang="zh-CN" dirty="0">
+                <a:latin typeface="Microsoft JhengHei" panose="020B0604030504040204" charset="-120"/>
+                <a:ea typeface="Microsoft JhengHei" panose="020B0604030504040204" charset="-120"/>
+                <a:sym typeface="+mn-ea"/>
+              </a:rPr>
+              <a:t>, </a:t>
+            </a:r>
+            <a:r>
+              <a:rPr lang="en-US" altLang="zh-CN" dirty="0" err="1">
+                <a:latin typeface="Microsoft JhengHei" panose="020B0604030504040204" charset="-120"/>
+                <a:ea typeface="Microsoft JhengHei" panose="020B0604030504040204" charset="-120"/>
+                <a:sym typeface="+mn-ea"/>
+              </a:rPr>
+              <a:t>ElementUI</a:t>
+            </a:r>
+            <a:r>
+              <a:rPr lang="en-US" altLang="zh-CN" dirty="0">
+                <a:latin typeface="Microsoft JhengHei" panose="020B0604030504040204" charset="-120"/>
+                <a:ea typeface="Microsoft JhengHei" panose="020B0604030504040204" charset="-120"/>
+                <a:sym typeface="+mn-ea"/>
+              </a:rPr>
+              <a:t>, </a:t>
+            </a:r>
+            <a:r>
+              <a:rPr lang="en-US" altLang="zh-CN" dirty="0" err="1">
+                <a:latin typeface="Microsoft JhengHei" panose="020B0604030504040204" charset="-120"/>
+                <a:ea typeface="Microsoft JhengHei" panose="020B0604030504040204" charset="-120"/>
+                <a:sym typeface="+mn-ea"/>
+              </a:rPr>
+              <a:t>VantUI</a:t>
+            </a:r>
+            <a:r>
+              <a:rPr lang="en-US" altLang="zh-CN" dirty="0">
+                <a:latin typeface="Microsoft JhengHei" panose="020B0604030504040204" charset="-120"/>
+                <a:ea typeface="Microsoft JhengHei" panose="020B0604030504040204" charset="-120"/>
+                <a:sym typeface="+mn-ea"/>
+              </a:rPr>
+              <a:t>, Node.js, Koa, Nginx, MySQL, Socket.io, weapp.socket.io</a:t>
+            </a:r>
+          </a:p>
+          <a:p>
+            <a:pPr marL="285750" indent="-285750">
+              <a:lnSpc>
+                <a:spcPct val="125000"/>
+              </a:lnSpc>
+              <a:buFont typeface="Arial" panose="020B0604020202020204" pitchFamily="34" charset="0"/>
+              <a:buChar char="•"/>
+            </a:pPr>
+            <a:endParaRPr lang="en-US" altLang="zh-CN" dirty="0">
+              <a:latin typeface="Microsoft JhengHei" panose="020B0604030504040204" charset="-120"/>
+              <a:ea typeface="Microsoft JhengHei" panose="020B0604030504040204" charset="-120"/>
+              <a:sym typeface="+mn-ea"/>
+            </a:endParaRPr>
+          </a:p>
+          <a:p>
+            <a:pPr marL="285750" indent="-285750">
+              <a:lnSpc>
+                <a:spcPct val="125000"/>
+              </a:lnSpc>
+              <a:buFont typeface="Arial" panose="020B0604020202020204" pitchFamily="34" charset="0"/>
+              <a:buChar char="•"/>
+            </a:pPr>
+            <a:r>
+              <a:rPr lang="zh-CN" altLang="en-US" dirty="0">
+                <a:latin typeface="Microsoft JhengHei" panose="020B0604030504040204" charset="-120"/>
+                <a:ea typeface="Microsoft JhengHei" panose="020B0604030504040204" charset="-120"/>
+                <a:sym typeface="+mn-ea"/>
+              </a:rPr>
+              <a:t>进度安排： </a:t>
+            </a:r>
+            <a:r>
+              <a:rPr lang="en-US" altLang="zh-CN" dirty="0">
+                <a:latin typeface="Microsoft JhengHei" panose="020B0604030504040204" charset="-120"/>
+                <a:ea typeface="Microsoft JhengHei" panose="020B0604030504040204" charset="-120"/>
+                <a:sym typeface="+mn-ea"/>
+              </a:rPr>
+              <a:t>1.</a:t>
+            </a:r>
+            <a:r>
+              <a:rPr lang="zh-CN" altLang="en-US" dirty="0">
+                <a:latin typeface="Microsoft JhengHei" panose="020B0604030504040204" charset="-120"/>
+                <a:ea typeface="Microsoft JhengHei" panose="020B0604030504040204" charset="-120"/>
+                <a:sym typeface="+mn-ea"/>
+              </a:rPr>
+              <a:t>确定需求，设计主流程。</a:t>
+            </a:r>
+            <a:r>
+              <a:rPr lang="en-US" altLang="zh-CN" dirty="0">
+                <a:latin typeface="Microsoft JhengHei" panose="020B0604030504040204" charset="-120"/>
+                <a:ea typeface="Microsoft JhengHei" panose="020B0604030504040204" charset="-120"/>
+                <a:sym typeface="+mn-ea"/>
+              </a:rPr>
+              <a:t>2.</a:t>
+            </a:r>
+            <a:r>
+              <a:rPr lang="zh-CN" altLang="en-US" dirty="0">
+                <a:latin typeface="Microsoft JhengHei" panose="020B0604030504040204" charset="-120"/>
+                <a:ea typeface="Microsoft JhengHei" panose="020B0604030504040204" charset="-120"/>
+                <a:sym typeface="+mn-ea"/>
+              </a:rPr>
+              <a:t>制作项目原型，细化需求。</a:t>
+            </a:r>
+            <a:r>
+              <a:rPr lang="en-US" altLang="zh-CN" dirty="0">
+                <a:latin typeface="Microsoft JhengHei" panose="020B0604030504040204" charset="-120"/>
+                <a:ea typeface="Microsoft JhengHei" panose="020B0604030504040204" charset="-120"/>
+                <a:sym typeface="+mn-ea"/>
+              </a:rPr>
+              <a:t>3.</a:t>
+            </a:r>
+            <a:r>
+              <a:rPr lang="zh-CN" altLang="en-US" dirty="0">
+                <a:latin typeface="Microsoft JhengHei" panose="020B0604030504040204" charset="-120"/>
+                <a:ea typeface="Microsoft JhengHei" panose="020B0604030504040204" charset="-120"/>
+                <a:sym typeface="+mn-ea"/>
+              </a:rPr>
+              <a:t>技术调研，确定技术选型。</a:t>
+            </a:r>
+            <a:r>
+              <a:rPr lang="en-US" altLang="zh-CN" dirty="0">
+                <a:latin typeface="Microsoft JhengHei" panose="020B0604030504040204" charset="-120"/>
+                <a:ea typeface="Microsoft JhengHei" panose="020B0604030504040204" charset="-120"/>
+                <a:sym typeface="+mn-ea"/>
+              </a:rPr>
+              <a:t>4.</a:t>
+            </a:r>
+            <a:r>
+              <a:rPr lang="zh-CN" altLang="en-US" dirty="0">
+                <a:latin typeface="Microsoft JhengHei" panose="020B0604030504040204" charset="-120"/>
+                <a:ea typeface="Microsoft JhengHei" panose="020B0604030504040204" charset="-120"/>
+                <a:sym typeface="+mn-ea"/>
+              </a:rPr>
+              <a:t>搭建项目框架，测试所选技术。</a:t>
+            </a:r>
+            <a:r>
+              <a:rPr lang="en-US" altLang="zh-CN" dirty="0">
+                <a:latin typeface="Microsoft JhengHei" panose="020B0604030504040204" charset="-120"/>
+                <a:ea typeface="Microsoft JhengHei" panose="020B0604030504040204" charset="-120"/>
+                <a:sym typeface="+mn-ea"/>
+              </a:rPr>
+              <a:t>5.</a:t>
+            </a:r>
+            <a:r>
+              <a:rPr lang="zh-CN" altLang="en-US" dirty="0">
+                <a:latin typeface="Microsoft JhengHei" panose="020B0604030504040204" charset="-120"/>
+                <a:ea typeface="Microsoft JhengHei" panose="020B0604030504040204" charset="-120"/>
+                <a:sym typeface="+mn-ea"/>
+              </a:rPr>
+              <a:t>设计数据库结构，确定数据交换格式。</a:t>
+            </a:r>
+            <a:r>
+              <a:rPr lang="en-US" altLang="zh-CN" dirty="0">
+                <a:latin typeface="Microsoft JhengHei" panose="020B0604030504040204" charset="-120"/>
+                <a:ea typeface="Microsoft JhengHei" panose="020B0604030504040204" charset="-120"/>
+                <a:sym typeface="+mn-ea"/>
+              </a:rPr>
+              <a:t>6.</a:t>
+            </a:r>
+            <a:r>
+              <a:rPr lang="zh-CN" altLang="en-US" dirty="0">
+                <a:latin typeface="Microsoft JhengHei" panose="020B0604030504040204" charset="-120"/>
+                <a:ea typeface="Microsoft JhengHei" panose="020B0604030504040204" charset="-120"/>
+                <a:sym typeface="+mn-ea"/>
+              </a:rPr>
+              <a:t>编写前端静态页面，按需修改数据结构。</a:t>
+            </a:r>
+            <a:r>
+              <a:rPr lang="en-US" altLang="zh-CN" dirty="0">
+                <a:latin typeface="Microsoft JhengHei" panose="020B0604030504040204" charset="-120"/>
+                <a:ea typeface="Microsoft JhengHei" panose="020B0604030504040204" charset="-120"/>
+                <a:sym typeface="+mn-ea"/>
+              </a:rPr>
+              <a:t>7.</a:t>
+            </a:r>
+            <a:r>
+              <a:rPr lang="zh-CN" altLang="en-US" dirty="0">
+                <a:latin typeface="Microsoft JhengHei" panose="020B0604030504040204" charset="-120"/>
+                <a:ea typeface="Microsoft JhengHei" panose="020B0604030504040204" charset="-120"/>
+                <a:sym typeface="+mn-ea"/>
+              </a:rPr>
+              <a:t>编写后台逻辑，按需修改数据结构。</a:t>
+            </a:r>
+            <a:r>
+              <a:rPr lang="en-US" altLang="zh-CN" dirty="0">
+                <a:latin typeface="Microsoft JhengHei" panose="020B0604030504040204" charset="-120"/>
+                <a:ea typeface="Microsoft JhengHei" panose="020B0604030504040204" charset="-120"/>
+                <a:sym typeface="+mn-ea"/>
+              </a:rPr>
+              <a:t>8.</a:t>
+            </a:r>
+            <a:r>
+              <a:rPr lang="zh-CN" altLang="en-US" dirty="0">
+                <a:latin typeface="Microsoft JhengHei" panose="020B0604030504040204" charset="-120"/>
+                <a:ea typeface="Microsoft JhengHei" panose="020B0604030504040204" charset="-120"/>
+                <a:sym typeface="+mn-ea"/>
+              </a:rPr>
+              <a:t>前后端联调，打通主流程。</a:t>
+            </a:r>
+            <a:r>
+              <a:rPr lang="en-US" altLang="zh-CN" dirty="0">
+                <a:latin typeface="Microsoft JhengHei" panose="020B0604030504040204" charset="-120"/>
+                <a:ea typeface="Microsoft JhengHei" panose="020B0604030504040204" charset="-120"/>
+                <a:sym typeface="+mn-ea"/>
+              </a:rPr>
+              <a:t>9.</a:t>
+            </a:r>
+            <a:r>
+              <a:rPr lang="zh-CN" altLang="en-US" dirty="0">
+                <a:latin typeface="Microsoft JhengHei" panose="020B0604030504040204" charset="-120"/>
+                <a:ea typeface="Microsoft JhengHei" panose="020B0604030504040204" charset="-120"/>
+                <a:sym typeface="+mn-ea"/>
+              </a:rPr>
+              <a:t>完善其余功能，进入测试阶段。</a:t>
+            </a:r>
+            <a:r>
+              <a:rPr lang="en-US" altLang="zh-CN" dirty="0">
+                <a:latin typeface="Microsoft JhengHei" panose="020B0604030504040204" charset="-120"/>
+                <a:ea typeface="Microsoft JhengHei" panose="020B0604030504040204" charset="-120"/>
+                <a:sym typeface="+mn-ea"/>
+              </a:rPr>
+              <a:t>10.</a:t>
+            </a:r>
+            <a:r>
+              <a:rPr lang="zh-CN" altLang="en-US" dirty="0">
+                <a:latin typeface="Microsoft JhengHei" panose="020B0604030504040204" charset="-120"/>
+                <a:ea typeface="Microsoft JhengHei" panose="020B0604030504040204" charset="-120"/>
+                <a:sym typeface="+mn-ea"/>
+              </a:rPr>
+              <a:t>上线回归，编写相关报告归档。</a:t>
+            </a:r>
+          </a:p>
+          <a:p>
+            <a:pPr>
+              <a:lnSpc>
+                <a:spcPct val="125000"/>
+              </a:lnSpc>
+            </a:pPr>
+            <a:endParaRPr lang="zh-CN" altLang="en-US" dirty="0">
+              <a:latin typeface="Microsoft JhengHei" panose="020B0604030504040204" charset="-120"/>
+              <a:ea typeface="Microsoft JhengHei" panose="020B0604030504040204" charset="-120"/>
+              <a:sym typeface="+mn-ea"/>
+            </a:endParaRPr>
+          </a:p>
+        </p:txBody>
+      </p:sp>
+    </p:spTree>
+    <p:extLst>
+      <p:ext uri="{BB962C8B-B14F-4D97-AF65-F5344CB8AC3E}">
+        <p14:creationId xmlns:p14="http://schemas.microsoft.com/office/powerpoint/2010/main" val="1822677337"/>
+      </p:ext>
+    </p:extLst>
+  </p:cSld>
+  <p:clrMapOvr>
+    <a:masterClrMapping/>
+  </p:clrMapOvr>
+  <p:transition>
+    <p:fade/>
+  </p:transition>
+</p:sld>
+</file>
+
+<file path=ppt/slides/slide19.xml><?xml version="1.0" encoding="utf-8"?>
+<p:sld xmlns:a="http://schemas.openxmlformats.org/drawingml/2006/main" xmlns:r="http://schemas.openxmlformats.org/officeDocument/2006/relationships" xmlns:p="http://schemas.openxmlformats.org/presentationml/2006/main">
+  <p:cSld>
+    <p:spTree>
+      <p:nvGrpSpPr>
+        <p:cNvPr id="1" name=""/>
+        <p:cNvGrpSpPr/>
+        <p:nvPr/>
+      </p:nvGrpSpPr>
+      <p:grpSpPr>
+        <a:xfrm>
+          <a:off x="0" y="0"/>
+          <a:ext cx="0" cy="0"/>
+          <a:chOff x="0" y="0"/>
+          <a:chExt cx="0" cy="0"/>
+        </a:xfrm>
+      </p:grpSpPr>
       <p:pic>
         <p:nvPicPr>
           <p:cNvPr id="5" name="图片 4" descr="大学生活动中心"/>
@@ -7006,7 +7399,7 @@
           <p:nvPr/>
         </p:nvPicPr>
         <p:blipFill>
-          <a:blip r:embed="rId1"/>
+          <a:blip r:embed="rId3"/>
           <a:stretch>
             <a:fillRect/>
           </a:stretch>
@@ -7048,6 +7441,7 @@
           <a:bodyPr wrap="square" rtlCol="0">
             <a:spAutoFit/>
           </a:bodyPr>
+          <a:lstStyle/>
           <a:p>
             <a:pPr algn="ctr"/>
             <a:r>
@@ -7070,13 +7464,6 @@
               </a:rPr>
               <a:t> </a:t>
             </a:r>
-            <a:endParaRPr lang="en-US" altLang="zh-CN" sz="4800" b="1">
-              <a:solidFill>
-                <a:schemeClr val="bg1"/>
-              </a:solidFill>
-              <a:latin typeface="Microsoft JhengHei" panose="020B0604030504040204" charset="-120"/>
-              <a:ea typeface="Microsoft JhengHei" panose="020B0604030504040204" charset="-120"/>
-            </a:endParaRPr>
           </a:p>
         </p:txBody>
       </p:sp>
@@ -7107,6 +7494,7 @@
           <a:bodyPr wrap="square" rtlCol="0">
             <a:spAutoFit/>
           </a:bodyPr>
+          <a:lstStyle/>
           <a:p>
             <a:pPr algn="l">
               <a:lnSpc>
@@ -7129,13 +7517,6 @@
               </a:rPr>
               <a:t>余思远 </a:t>
             </a:r>
-            <a:endParaRPr lang="zh-CN" altLang="en-US" sz="1600">
-              <a:solidFill>
-                <a:schemeClr val="bg1"/>
-              </a:solidFill>
-              <a:latin typeface="Microsoft JhengHei" panose="020B0604030504040204" charset="-120"/>
-              <a:ea typeface="Microsoft JhengHei" panose="020B0604030504040204" charset="-120"/>
-            </a:endParaRPr>
           </a:p>
           <a:p>
             <a:pPr algn="l">
@@ -7169,13 +7550,6 @@
               </a:rPr>
               <a:t>152</a:t>
             </a:r>
-            <a:endParaRPr lang="en-US" altLang="zh-CN" sz="1600">
-              <a:solidFill>
-                <a:schemeClr val="bg1"/>
-              </a:solidFill>
-              <a:latin typeface="Microsoft JhengHei" panose="020B0604030504040204" charset="-120"/>
-              <a:ea typeface="Microsoft JhengHei" panose="020B0604030504040204" charset="-120"/>
-            </a:endParaRPr>
           </a:p>
           <a:p>
             <a:pPr algn="l">
@@ -7199,13 +7573,6 @@
               </a:rPr>
               <a:t>5150510116</a:t>
             </a:r>
-            <a:endParaRPr lang="en-US" altLang="zh-CN" sz="1600">
-              <a:solidFill>
-                <a:schemeClr val="bg1"/>
-              </a:solidFill>
-              <a:latin typeface="Microsoft JhengHei" panose="020B0604030504040204" charset="-120"/>
-              <a:ea typeface="Microsoft JhengHei" panose="020B0604030504040204" charset="-120"/>
-            </a:endParaRPr>
           </a:p>
           <a:p>
             <a:pPr algn="l"/>
@@ -7239,7 +7606,14 @@
         <p:cNvGrpSpPr/>
         <p:nvPr/>
       </p:nvGrpSpPr>
-      <p:grpSpPr/>
+      <p:grpSpPr>
+        <a:xfrm>
+          <a:off x="0" y="0"/>
+          <a:ext cx="0" cy="0"/>
+          <a:chOff x="0" y="0"/>
+          <a:chExt cx="0" cy="0"/>
+        </a:xfrm>
+      </p:grpSpPr>
       <p:pic>
         <p:nvPicPr>
           <p:cNvPr id="5" name="图片 4" descr="大学生活动中心"/>
@@ -7249,7 +7623,7 @@
           <p:nvPr/>
         </p:nvPicPr>
         <p:blipFill>
-          <a:blip r:embed="rId1"/>
+          <a:blip r:embed="rId2"/>
           <a:stretch>
             <a:fillRect/>
           </a:stretch>
@@ -7291,6 +7665,7 @@
           <a:bodyPr wrap="square" rtlCol="0">
             <a:spAutoFit/>
           </a:bodyPr>
+          <a:lstStyle/>
           <a:p>
             <a:pPr algn="l">
               <a:lnSpc>
@@ -7304,7 +7679,7 @@
               </a:spcAft>
             </a:pPr>
             <a:r>
-              <a:rPr lang="zh-CN" altLang="en-US" sz="2000">
+              <a:rPr lang="zh-CN" altLang="en-US" sz="2000" dirty="0">
                 <a:solidFill>
                   <a:schemeClr val="bg1"/>
                 </a:solidFill>
@@ -7314,14 +7689,6 @@
               </a:rPr>
               <a:t>选题名称</a:t>
             </a:r>
-            <a:endParaRPr lang="zh-CN" altLang="en-US" sz="2000">
-              <a:solidFill>
-                <a:schemeClr val="bg1"/>
-              </a:solidFill>
-              <a:latin typeface="Microsoft JhengHei" panose="020B0604030504040204" charset="-120"/>
-              <a:ea typeface="Microsoft JhengHei" panose="020B0604030504040204" charset="-120"/>
-              <a:sym typeface="+mn-ea"/>
-            </a:endParaRPr>
           </a:p>
           <a:p>
             <a:pPr indent="0" algn="l">
@@ -7338,7 +7705,7 @@
               <a:buNone/>
             </a:pPr>
             <a:r>
-              <a:rPr lang="en-US" altLang="zh-CN" sz="2800">
+              <a:rPr lang="en-US" altLang="zh-CN" sz="2800" dirty="0">
                 <a:solidFill>
                   <a:schemeClr val="bg1"/>
                 </a:solidFill>
@@ -7348,7 +7715,7 @@
               <a:t>	</a:t>
             </a:r>
             <a:r>
-              <a:rPr lang="zh-CN" altLang="en-US" sz="3200" b="1">
+              <a:rPr lang="zh-CN" altLang="en-US" sz="3200" b="1" dirty="0">
                 <a:solidFill>
                   <a:schemeClr val="bg1"/>
                 </a:solidFill>
@@ -7358,14 +7725,6 @@
               </a:rPr>
               <a:t>《面向高校的医务实时问诊系统》</a:t>
             </a:r>
-            <a:endParaRPr lang="zh-CN" altLang="en-US" sz="3200" b="1">
-              <a:solidFill>
-                <a:schemeClr val="bg1"/>
-              </a:solidFill>
-              <a:latin typeface="Microsoft JhengHei" panose="020B0604030504040204" charset="-120"/>
-              <a:ea typeface="Microsoft JhengHei" panose="020B0604030504040204" charset="-120"/>
-              <a:sym typeface="+mn-ea"/>
-            </a:endParaRPr>
           </a:p>
           <a:p>
             <a:pPr indent="0" algn="l">
@@ -7381,7 +7740,7 @@
               <a:buFont typeface="Arial" panose="020B0604020202020204" pitchFamily="34" charset="0"/>
               <a:buNone/>
             </a:pPr>
-            <a:endParaRPr lang="zh-CN" altLang="en-US" sz="2400">
+            <a:endParaRPr lang="zh-CN" altLang="en-US" sz="2400" dirty="0">
               <a:solidFill>
                 <a:schemeClr val="bg1"/>
               </a:solidFill>
@@ -7405,7 +7764,7 @@
               <a:buNone/>
             </a:pPr>
             <a:r>
-              <a:rPr lang="zh-CN" altLang="en-US" sz="2000">
+              <a:rPr lang="zh-CN" altLang="en-US" sz="2000" dirty="0">
                 <a:solidFill>
                   <a:schemeClr val="bg1"/>
                 </a:solidFill>
@@ -7415,14 +7774,6 @@
               </a:rPr>
               <a:t>项目实际名称</a:t>
             </a:r>
-            <a:endParaRPr lang="zh-CN" altLang="en-US" sz="2000">
-              <a:solidFill>
-                <a:schemeClr val="bg1"/>
-              </a:solidFill>
-              <a:latin typeface="Microsoft JhengHei" panose="020B0604030504040204" charset="-120"/>
-              <a:ea typeface="Microsoft JhengHei" panose="020B0604030504040204" charset="-120"/>
-              <a:sym typeface="+mn-ea"/>
-            </a:endParaRPr>
           </a:p>
           <a:p>
             <a:pPr indent="0" algn="l">
@@ -7439,7 +7790,7 @@
               <a:buNone/>
             </a:pPr>
             <a:r>
-              <a:rPr lang="en-US" altLang="zh-CN" sz="2800" b="1">
+              <a:rPr lang="en-US" altLang="zh-CN" sz="2800" b="1" dirty="0">
                 <a:solidFill>
                   <a:schemeClr val="bg1"/>
                 </a:solidFill>
@@ -7450,7 +7801,7 @@
               <a:t>	</a:t>
             </a:r>
             <a:r>
-              <a:rPr lang="zh-CN" altLang="en-US" sz="3200" b="1">
+              <a:rPr lang="zh-CN" altLang="en-US" sz="3200" b="1" dirty="0">
                 <a:solidFill>
                   <a:schemeClr val="bg1"/>
                 </a:solidFill>
@@ -7460,14 +7811,6 @@
               </a:rPr>
               <a:t>《浙科医务室》</a:t>
             </a:r>
-            <a:endParaRPr lang="zh-CN" altLang="en-US" sz="3200" b="1">
-              <a:solidFill>
-                <a:schemeClr val="bg1"/>
-              </a:solidFill>
-              <a:latin typeface="Microsoft JhengHei" panose="020B0604030504040204" charset="-120"/>
-              <a:ea typeface="Microsoft JhengHei" panose="020B0604030504040204" charset="-120"/>
-              <a:sym typeface="+mn-ea"/>
-            </a:endParaRPr>
           </a:p>
           <a:p>
             <a:pPr indent="0" algn="l">
@@ -7483,7 +7826,7 @@
               <a:buFont typeface="Arial" panose="020B0604020202020204" pitchFamily="34" charset="0"/>
               <a:buNone/>
             </a:pPr>
-            <a:endParaRPr lang="zh-CN" altLang="en-US" sz="2400" b="1">
+            <a:endParaRPr lang="zh-CN" altLang="en-US" sz="2400" b="1" dirty="0">
               <a:solidFill>
                 <a:schemeClr val="bg1"/>
               </a:solidFill>
@@ -7507,7 +7850,7 @@
               <a:buNone/>
             </a:pPr>
             <a:r>
-              <a:rPr lang="zh-CN" altLang="en-US" sz="2000">
+              <a:rPr lang="zh-CN" altLang="en-US" sz="2000" dirty="0">
                 <a:solidFill>
                   <a:schemeClr val="bg1"/>
                 </a:solidFill>
@@ -7517,14 +7860,6 @@
               </a:rPr>
               <a:t>项目简介</a:t>
             </a:r>
-            <a:endParaRPr lang="zh-CN" altLang="en-US" sz="2000">
-              <a:solidFill>
-                <a:schemeClr val="bg1"/>
-              </a:solidFill>
-              <a:latin typeface="Microsoft JhengHei" panose="020B0604030504040204" charset="-120"/>
-              <a:ea typeface="Microsoft JhengHei" panose="020B0604030504040204" charset="-120"/>
-              <a:sym typeface="+mn-ea"/>
-            </a:endParaRPr>
           </a:p>
           <a:p>
             <a:pPr indent="0" algn="l">
@@ -7541,7 +7876,7 @@
               <a:buNone/>
             </a:pPr>
             <a:r>
-              <a:rPr lang="en-US" altLang="zh-CN" sz="2400">
+              <a:rPr lang="en-US" altLang="zh-CN" sz="2400" dirty="0">
                 <a:solidFill>
                   <a:schemeClr val="bg1"/>
                 </a:solidFill>
@@ -7552,7 +7887,7 @@
               <a:t>	</a:t>
             </a:r>
             <a:r>
-              <a:rPr lang="zh-CN" altLang="en-US" sz="2800" b="1">
+              <a:rPr lang="zh-CN" altLang="en-US" sz="2800" b="1" dirty="0">
                 <a:solidFill>
                   <a:schemeClr val="bg1"/>
                 </a:solidFill>
@@ -7562,14 +7897,6 @@
               </a:rPr>
               <a:t>《浙科医务室》项目目的是为在校学生、教职工，在校医务人员提供一个在线问诊的平台。用户和医生可以通过手机端（微信小程序）或电脑端完成在线问诊、开具处方等操作。</a:t>
             </a:r>
-            <a:endParaRPr lang="zh-CN" altLang="en-US" sz="2800" b="1">
-              <a:solidFill>
-                <a:schemeClr val="bg1"/>
-              </a:solidFill>
-              <a:latin typeface="Microsoft JhengHei" panose="020B0604030504040204" charset="-120"/>
-              <a:ea typeface="Microsoft JhengHei" panose="020B0604030504040204" charset="-120"/>
-              <a:sym typeface="+mn-ea"/>
-            </a:endParaRPr>
           </a:p>
           <a:p>
             <a:pPr indent="0" algn="l">
@@ -7586,7 +7913,7 @@
               <a:buNone/>
             </a:pPr>
             <a:r>
-              <a:rPr lang="en-US" altLang="zh-CN" sz="2400">
+              <a:rPr lang="en-US" altLang="zh-CN" sz="2400" dirty="0">
                 <a:solidFill>
                   <a:schemeClr val="bg1"/>
                 </a:solidFill>
@@ -7596,7 +7923,7 @@
               </a:rPr>
               <a:t>	</a:t>
             </a:r>
-            <a:endParaRPr lang="zh-CN" altLang="en-US" sz="2400">
+            <a:endParaRPr lang="zh-CN" altLang="en-US" sz="2400" dirty="0">
               <a:solidFill>
                 <a:schemeClr val="bg1"/>
               </a:solidFill>
@@ -7627,7 +7954,14 @@
         <p:cNvGrpSpPr/>
         <p:nvPr/>
       </p:nvGrpSpPr>
-      <p:grpSpPr/>
+      <p:grpSpPr>
+        <a:xfrm>
+          <a:off x="0" y="0"/>
+          <a:ext cx="0" cy="0"/>
+          <a:chOff x="0" y="0"/>
+          <a:chExt cx="0" cy="0"/>
+        </a:xfrm>
+      </p:grpSpPr>
       <p:pic>
         <p:nvPicPr>
           <p:cNvPr id="5" name="图片 4" descr="大学生活动中心"/>
@@ -7637,7 +7971,7 @@
           <p:nvPr/>
         </p:nvPicPr>
         <p:blipFill>
-          <a:blip r:embed="rId1"/>
+          <a:blip r:embed="rId2"/>
           <a:stretch>
             <a:fillRect/>
           </a:stretch>
@@ -7676,7 +8010,7 @@
             <p:nvPr/>
           </p:nvPicPr>
           <p:blipFill>
-            <a:blip r:embed="rId2"/>
+            <a:blip r:embed="rId3"/>
             <a:stretch>
               <a:fillRect/>
             </a:stretch>
@@ -7718,6 +8052,7 @@
             <a:bodyPr wrap="square" rtlCol="0" anchor="t">
               <a:spAutoFit/>
             </a:bodyPr>
+            <a:lstStyle/>
             <a:p>
               <a:pPr algn="ctr">
                 <a:lnSpc>
@@ -7778,7 +8113,7 @@
             <p:nvPr/>
           </p:nvPicPr>
           <p:blipFill>
-            <a:blip r:embed="rId3"/>
+            <a:blip r:embed="rId4"/>
             <a:stretch>
               <a:fillRect/>
             </a:stretch>
@@ -7820,6 +8155,7 @@
             <a:bodyPr wrap="square" rtlCol="0" anchor="t">
               <a:spAutoFit/>
             </a:bodyPr>
+            <a:lstStyle/>
             <a:p>
               <a:pPr algn="ctr">
                 <a:lnSpc>
@@ -7880,7 +8216,7 @@
             <p:nvPr/>
           </p:nvPicPr>
           <p:blipFill>
-            <a:blip r:embed="rId4"/>
+            <a:blip r:embed="rId5"/>
             <a:stretch>
               <a:fillRect/>
             </a:stretch>
@@ -7922,6 +8258,7 @@
             <a:bodyPr wrap="square" rtlCol="0" anchor="t">
               <a:spAutoFit/>
             </a:bodyPr>
+            <a:lstStyle/>
             <a:p>
               <a:pPr algn="ctr">
                 <a:lnSpc>
@@ -7966,13 +8303,6 @@
   <p:transition>
     <p:fade/>
   </p:transition>
-  <p:timing>
-    <p:tnLst>
-      <p:par>
-        <p:cTn id="1" dur="indefinite" restart="never" nodeType="tmRoot"/>
-      </p:par>
-    </p:tnLst>
-  </p:timing>
 </p:sld>
 </file>
 
@@ -7985,7 +8315,14 @@
         <p:cNvGrpSpPr/>
         <p:nvPr/>
       </p:nvGrpSpPr>
-      <p:grpSpPr/>
+      <p:grpSpPr>
+        <a:xfrm>
+          <a:off x="0" y="0"/>
+          <a:ext cx="0" cy="0"/>
+          <a:chOff x="0" y="0"/>
+          <a:chExt cx="0" cy="0"/>
+        </a:xfrm>
+      </p:grpSpPr>
       <p:pic>
         <p:nvPicPr>
           <p:cNvPr id="5" name="图片 4" descr="大学生活动中心"/>
@@ -7995,7 +8332,7 @@
           <p:nvPr/>
         </p:nvPicPr>
         <p:blipFill>
-          <a:blip r:embed="rId1"/>
+          <a:blip r:embed="rId2"/>
           <a:stretch>
             <a:fillRect/>
           </a:stretch>
@@ -8033,7 +8370,7 @@
             <p:nvPr/>
           </p:nvPicPr>
           <p:blipFill>
-            <a:blip r:embed="rId2"/>
+            <a:blip r:embed="rId3"/>
             <a:stretch>
               <a:fillRect/>
             </a:stretch>
@@ -8075,6 +8412,7 @@
             <a:bodyPr wrap="square" rtlCol="0" anchor="t">
               <a:spAutoFit/>
             </a:bodyPr>
+            <a:lstStyle/>
             <a:p>
               <a:pPr algn="ctr">
                 <a:lnSpc>
@@ -8134,7 +8472,7 @@
             <p:nvPr/>
           </p:nvPicPr>
           <p:blipFill>
-            <a:blip r:embed="rId3"/>
+            <a:blip r:embed="rId4"/>
             <a:stretch>
               <a:fillRect/>
             </a:stretch>
@@ -8176,6 +8514,7 @@
             <a:bodyPr wrap="square" rtlCol="0" anchor="t">
               <a:spAutoFit/>
             </a:bodyPr>
+            <a:lstStyle/>
             <a:p>
               <a:pPr algn="ctr">
                 <a:lnSpc>
@@ -8235,7 +8574,7 @@
             <p:nvPr/>
           </p:nvPicPr>
           <p:blipFill>
-            <a:blip r:embed="rId4"/>
+            <a:blip r:embed="rId5"/>
             <a:stretch>
               <a:fillRect/>
             </a:stretch>
@@ -8277,6 +8616,7 @@
             <a:bodyPr wrap="square" rtlCol="0" anchor="t">
               <a:spAutoFit/>
             </a:bodyPr>
+            <a:lstStyle/>
             <a:p>
               <a:pPr algn="ctr">
                 <a:lnSpc>
@@ -8476,7 +8816,14 @@
         <p:cNvGrpSpPr/>
         <p:nvPr/>
       </p:nvGrpSpPr>
-      <p:grpSpPr/>
+      <p:grpSpPr>
+        <a:xfrm>
+          <a:off x="0" y="0"/>
+          <a:ext cx="0" cy="0"/>
+          <a:chOff x="0" y="0"/>
+          <a:chExt cx="0" cy="0"/>
+        </a:xfrm>
+      </p:grpSpPr>
       <p:pic>
         <p:nvPicPr>
           <p:cNvPr id="5" name="图片 4" descr="大学生活动中心"/>
@@ -8486,7 +8833,7 @@
           <p:nvPr/>
         </p:nvPicPr>
         <p:blipFill>
-          <a:blip r:embed="rId1"/>
+          <a:blip r:embed="rId2"/>
           <a:stretch>
             <a:fillRect/>
           </a:stretch>
@@ -8510,7 +8857,7 @@
           <p:nvPr/>
         </p:nvPicPr>
         <p:blipFill>
-          <a:blip r:embed="rId2"/>
+          <a:blip r:embed="rId3"/>
           <a:stretch>
             <a:fillRect/>
           </a:stretch>
@@ -8559,6 +8906,7 @@
           <a:bodyPr wrap="none" rtlCol="0" anchor="t">
             <a:spAutoFit/>
           </a:bodyPr>
+          <a:lstStyle/>
           <a:p>
             <a:r>
               <a:rPr lang="zh-CN" altLang="en-US" b="1">
@@ -8571,14 +8919,6 @@
               </a:rPr>
               <a:t>患者端</a:t>
             </a:r>
-            <a:endParaRPr lang="zh-CN" altLang="en-US" b="1">
-              <a:solidFill>
-                <a:schemeClr val="bg1"/>
-              </a:solidFill>
-              <a:latin typeface="Microsoft JhengHei" panose="020B0604030504040204" charset="-120"/>
-              <a:ea typeface="Microsoft JhengHei" panose="020B0604030504040204" charset="-120"/>
-              <a:sym typeface="+mn-ea"/>
-            </a:endParaRPr>
           </a:p>
           <a:p>
             <a:r>
@@ -8603,7 +8943,7 @@
           <p:nvPr/>
         </p:nvGrpSpPr>
         <p:grpSpPr>
-          <a:xfrm rot="0">
+          <a:xfrm>
             <a:off x="589915" y="2531745"/>
             <a:ext cx="1238250" cy="566420"/>
             <a:chOff x="1739" y="2547"/>
@@ -8619,7 +8959,7 @@
             <p:nvPr/>
           </p:nvPicPr>
           <p:blipFill>
-            <a:blip r:embed="rId3"/>
+            <a:blip r:embed="rId4"/>
             <a:stretch>
               <a:fillRect/>
             </a:stretch>
@@ -8672,6 +9012,7 @@
           </p:style>
           <p:txBody>
             <a:bodyPr rtlCol="0" anchor="ctr"/>
+            <a:lstStyle/>
             <a:p>
               <a:pPr algn="ctr"/>
               <a:endParaRPr lang="zh-CN" altLang="en-US"/>
@@ -8698,6 +9039,7 @@
             <a:bodyPr wrap="none" rtlCol="0" anchor="t">
               <a:spAutoFit/>
             </a:bodyPr>
+            <a:lstStyle/>
             <a:p>
               <a:r>
                 <a:rPr lang="zh-CN" altLang="en-US" b="1">
@@ -8722,7 +9064,7 @@
           <p:nvPr/>
         </p:nvGrpSpPr>
         <p:grpSpPr>
-          <a:xfrm rot="0">
+          <a:xfrm>
             <a:off x="589915" y="3382645"/>
             <a:ext cx="1238250" cy="566420"/>
             <a:chOff x="884" y="3572"/>
@@ -8738,7 +9080,7 @@
             <p:nvPr/>
           </p:nvPicPr>
           <p:blipFill>
-            <a:blip r:embed="rId4"/>
+            <a:blip r:embed="rId5"/>
             <a:stretch>
               <a:fillRect/>
             </a:stretch>
@@ -8805,6 +9147,7 @@
             </p:style>
             <p:txBody>
               <a:bodyPr rtlCol="0" anchor="ctr"/>
+              <a:lstStyle/>
               <a:p>
                 <a:pPr algn="ctr"/>
                 <a:endParaRPr lang="zh-CN" altLang="en-US"/>
@@ -8831,6 +9174,7 @@
               <a:bodyPr wrap="none" rtlCol="0" anchor="t">
                 <a:spAutoFit/>
               </a:bodyPr>
+              <a:lstStyle/>
               <a:p>
                 <a:r>
                   <a:rPr lang="zh-CN" altLang="en-US" b="1">
@@ -8892,7 +9236,7 @@
           <p:nvPr/>
         </p:nvGrpSpPr>
         <p:grpSpPr>
-          <a:xfrm rot="0">
+          <a:xfrm>
             <a:off x="378460" y="4464050"/>
             <a:ext cx="1656080" cy="566420"/>
             <a:chOff x="880" y="5275"/>
@@ -8951,6 +9295,7 @@
             </p:style>
             <p:txBody>
               <a:bodyPr rtlCol="0" anchor="ctr"/>
+              <a:lstStyle/>
               <a:p>
                 <a:pPr algn="ctr"/>
                 <a:endParaRPr lang="zh-CN" altLang="en-US"/>
@@ -8977,6 +9322,7 @@
               <a:bodyPr wrap="none" rtlCol="0" anchor="t">
                 <a:spAutoFit/>
               </a:bodyPr>
+              <a:lstStyle/>
               <a:p>
                 <a:r>
                   <a:rPr lang="zh-CN" altLang="en-US" b="1">
@@ -9003,7 +9349,7 @@
             <p:nvPr/>
           </p:nvPicPr>
           <p:blipFill>
-            <a:blip r:embed="rId5"/>
+            <a:blip r:embed="rId6"/>
             <a:stretch>
               <a:fillRect/>
             </a:stretch>
@@ -9136,7 +9482,7 @@
           <p:nvPr/>
         </p:nvGrpSpPr>
         <p:grpSpPr>
-          <a:xfrm rot="0">
+          <a:xfrm>
             <a:off x="3182620" y="2531110"/>
             <a:ext cx="1656080" cy="566420"/>
             <a:chOff x="4967" y="2231"/>
@@ -9150,7 +9496,7 @@
             <p:nvPr/>
           </p:nvGrpSpPr>
           <p:grpSpPr>
-            <a:xfrm rot="0">
+            <a:xfrm>
               <a:off x="4967" y="2231"/>
               <a:ext cx="2609" cy="892"/>
               <a:chOff x="1739" y="2547"/>
@@ -9195,6 +9541,7 @@
             </p:style>
             <p:txBody>
               <a:bodyPr rtlCol="0" anchor="ctr"/>
+              <a:lstStyle/>
               <a:p>
                 <a:pPr algn="ctr"/>
                 <a:endParaRPr lang="zh-CN" altLang="en-US"/>
@@ -9221,6 +9568,7 @@
               <a:bodyPr wrap="none" rtlCol="0" anchor="t">
                 <a:spAutoFit/>
               </a:bodyPr>
+              <a:lstStyle/>
               <a:p>
                 <a:r>
                   <a:rPr lang="zh-CN" altLang="en-US" b="1">
@@ -9254,7 +9602,7 @@
             <p:nvPr/>
           </p:nvPicPr>
           <p:blipFill>
-            <a:blip r:embed="rId6"/>
+            <a:blip r:embed="rId7"/>
             <a:stretch>
               <a:fillRect/>
             </a:stretch>
@@ -9277,7 +9625,7 @@
           <p:nvPr/>
         </p:nvGrpSpPr>
         <p:grpSpPr>
-          <a:xfrm rot="0">
+          <a:xfrm>
             <a:off x="5696585" y="2525395"/>
             <a:ext cx="2044700" cy="566420"/>
             <a:chOff x="880" y="5275"/>
@@ -9336,6 +9684,7 @@
             </p:style>
             <p:txBody>
               <a:bodyPr rtlCol="0" anchor="ctr"/>
+              <a:lstStyle/>
               <a:p>
                 <a:pPr algn="ctr"/>
                 <a:endParaRPr lang="zh-CN" altLang="en-US"/>
@@ -9362,6 +9711,7 @@
               <a:bodyPr wrap="none" rtlCol="0" anchor="t">
                 <a:spAutoFit/>
               </a:bodyPr>
+              <a:lstStyle/>
               <a:p>
                 <a:r>
                   <a:rPr lang="zh-CN" altLang="en-US" b="1">
@@ -9388,7 +9738,7 @@
             <p:nvPr/>
           </p:nvPicPr>
           <p:blipFill>
-            <a:blip r:embed="rId7"/>
+            <a:blip r:embed="rId6"/>
             <a:stretch>
               <a:fillRect/>
             </a:stretch>
@@ -9447,7 +9797,7 @@
           <p:nvPr/>
         </p:nvGrpSpPr>
         <p:grpSpPr>
-          <a:xfrm rot="0">
+          <a:xfrm>
             <a:off x="8611235" y="2524125"/>
             <a:ext cx="1656080" cy="566420"/>
             <a:chOff x="13621" y="2220"/>
@@ -9461,7 +9811,7 @@
             <p:nvPr/>
           </p:nvGrpSpPr>
           <p:grpSpPr>
-            <a:xfrm rot="0">
+            <a:xfrm>
               <a:off x="13621" y="2220"/>
               <a:ext cx="2609" cy="892"/>
               <a:chOff x="1739" y="2547"/>
@@ -9506,6 +9856,7 @@
             </p:style>
             <p:txBody>
               <a:bodyPr rtlCol="0" anchor="ctr"/>
+              <a:lstStyle/>
               <a:p>
                 <a:pPr algn="ctr"/>
                 <a:endParaRPr lang="zh-CN" altLang="en-US"/>
@@ -9532,6 +9883,7 @@
               <a:bodyPr wrap="none" rtlCol="0" anchor="t">
                 <a:spAutoFit/>
               </a:bodyPr>
+              <a:lstStyle/>
               <a:p>
                 <a:r>
                   <a:rPr lang="zh-CN" altLang="en-US" b="1">
@@ -9670,6 +10022,7 @@
           </p:style>
           <p:txBody>
             <a:bodyPr rtlCol="0" anchor="ctr"/>
+            <a:lstStyle/>
             <a:p>
               <a:pPr algn="ctr"/>
               <a:endParaRPr lang="zh-CN" altLang="en-US"/>
@@ -9867,6 +10220,7 @@
           <a:bodyPr wrap="none" rtlCol="0" anchor="t">
             <a:spAutoFit/>
           </a:bodyPr>
+          <a:lstStyle/>
           <a:p>
             <a:r>
               <a:rPr lang="zh-CN" altLang="en-US" b="1">
@@ -9903,6 +10257,7 @@
           <a:bodyPr wrap="none" rtlCol="0" anchor="t">
             <a:spAutoFit/>
           </a:bodyPr>
+          <a:lstStyle/>
           <a:p>
             <a:r>
               <a:rPr lang="zh-CN" altLang="en-US" b="1">
@@ -9999,7 +10354,7 @@
           <p:nvPr/>
         </p:nvGrpSpPr>
         <p:grpSpPr>
-          <a:xfrm rot="0">
+          <a:xfrm>
             <a:off x="8611235" y="3865880"/>
             <a:ext cx="1656080" cy="566420"/>
             <a:chOff x="13617" y="4093"/>
@@ -10013,7 +10368,7 @@
             <p:nvPr/>
           </p:nvGrpSpPr>
           <p:grpSpPr>
-            <a:xfrm rot="0">
+            <a:xfrm>
               <a:off x="13617" y="4093"/>
               <a:ext cx="2609" cy="892"/>
               <a:chOff x="1739" y="2547"/>
@@ -10058,6 +10413,7 @@
             </p:style>
             <p:txBody>
               <a:bodyPr rtlCol="0" anchor="ctr"/>
+              <a:lstStyle/>
               <a:p>
                 <a:pPr algn="ctr"/>
                 <a:endParaRPr lang="zh-CN" altLang="en-US"/>
@@ -10084,6 +10440,7 @@
               <a:bodyPr wrap="none" rtlCol="0" anchor="t">
                 <a:spAutoFit/>
               </a:bodyPr>
+              <a:lstStyle/>
               <a:p>
                 <a:r>
                   <a:rPr lang="zh-CN" altLang="en-US" b="1">
@@ -10177,7 +10534,7 @@
           <p:nvPr/>
         </p:nvGrpSpPr>
         <p:grpSpPr>
-          <a:xfrm rot="0">
+          <a:xfrm>
             <a:off x="6085840" y="3865880"/>
             <a:ext cx="1656080" cy="566420"/>
             <a:chOff x="6062" y="4093"/>
@@ -10191,7 +10548,7 @@
             <p:nvPr/>
           </p:nvGrpSpPr>
           <p:grpSpPr>
-            <a:xfrm rot="0">
+            <a:xfrm>
               <a:off x="6062" y="4093"/>
               <a:ext cx="2609" cy="892"/>
               <a:chOff x="1740" y="2547"/>
@@ -10236,6 +10593,7 @@
             </p:style>
             <p:txBody>
               <a:bodyPr rtlCol="0" anchor="ctr"/>
+              <a:lstStyle/>
               <a:p>
                 <a:pPr algn="ctr"/>
                 <a:endParaRPr lang="zh-CN" altLang="en-US"/>
@@ -10262,6 +10620,7 @@
               <a:bodyPr wrap="none" rtlCol="0" anchor="t">
                 <a:spAutoFit/>
               </a:bodyPr>
+              <a:lstStyle/>
               <a:p>
                 <a:r>
                   <a:rPr lang="zh-CN" altLang="en-US" b="1">
@@ -10332,7 +10691,7 @@
             <p:nvPr/>
           </p:nvGrpSpPr>
           <p:grpSpPr>
-            <a:xfrm rot="0">
+            <a:xfrm>
               <a:off x="6844" y="5984"/>
               <a:ext cx="2609" cy="892"/>
               <a:chOff x="1740" y="2547"/>
@@ -10377,6 +10736,7 @@
             </p:style>
             <p:txBody>
               <a:bodyPr rtlCol="0" anchor="ctr"/>
+              <a:lstStyle/>
               <a:p>
                 <a:pPr algn="ctr"/>
                 <a:endParaRPr lang="zh-CN" altLang="en-US"/>
@@ -10403,6 +10763,7 @@
               <a:bodyPr wrap="none" rtlCol="0" anchor="t">
                 <a:spAutoFit/>
               </a:bodyPr>
+              <a:lstStyle/>
               <a:p>
                 <a:r>
                   <a:rPr lang="zh-CN" altLang="en-US" b="1">
@@ -10509,7 +10870,14 @@
         <p:cNvGrpSpPr/>
         <p:nvPr/>
       </p:nvGrpSpPr>
-      <p:grpSpPr/>
+      <p:grpSpPr>
+        <a:xfrm>
+          <a:off x="0" y="0"/>
+          <a:ext cx="0" cy="0"/>
+          <a:chOff x="0" y="0"/>
+          <a:chExt cx="0" cy="0"/>
+        </a:xfrm>
+      </p:grpSpPr>
       <p:pic>
         <p:nvPicPr>
           <p:cNvPr id="5" name="图片 4" descr="大学生活动中心"/>
@@ -10519,7 +10887,7 @@
           <p:nvPr/>
         </p:nvPicPr>
         <p:blipFill>
-          <a:blip r:embed="rId1"/>
+          <a:blip r:embed="rId2"/>
           <a:stretch>
             <a:fillRect/>
           </a:stretch>
@@ -10543,7 +10911,7 @@
           <p:nvPr/>
         </p:nvPicPr>
         <p:blipFill>
-          <a:blip r:embed="rId2"/>
+          <a:blip r:embed="rId3"/>
           <a:stretch>
             <a:fillRect/>
           </a:stretch>
@@ -10592,6 +10960,7 @@
           <a:bodyPr wrap="none" rtlCol="0" anchor="t">
             <a:spAutoFit/>
           </a:bodyPr>
+          <a:lstStyle/>
           <a:p>
             <a:r>
               <a:rPr lang="zh-CN" altLang="en-US" b="1">
@@ -10604,14 +10973,6 @@
               </a:rPr>
               <a:t>医生端</a:t>
             </a:r>
-            <a:endParaRPr lang="zh-CN" altLang="en-US" b="1">
-              <a:solidFill>
-                <a:schemeClr val="bg1"/>
-              </a:solidFill>
-              <a:latin typeface="Microsoft JhengHei" panose="020B0604030504040204" charset="-120"/>
-              <a:ea typeface="Microsoft JhengHei" panose="020B0604030504040204" charset="-120"/>
-              <a:sym typeface="+mn-ea"/>
-            </a:endParaRPr>
           </a:p>
           <a:p>
             <a:r>
@@ -10636,7 +10997,7 @@
           <p:nvPr/>
         </p:nvGrpSpPr>
         <p:grpSpPr>
-          <a:xfrm rot="0">
+          <a:xfrm>
             <a:off x="589915" y="2531745"/>
             <a:ext cx="1238250" cy="566420"/>
             <a:chOff x="1739" y="2547"/>
@@ -10652,7 +11013,7 @@
             <p:nvPr/>
           </p:nvPicPr>
           <p:blipFill>
-            <a:blip r:embed="rId3"/>
+            <a:blip r:embed="rId4"/>
             <a:stretch>
               <a:fillRect/>
             </a:stretch>
@@ -10705,6 +11066,7 @@
           </p:style>
           <p:txBody>
             <a:bodyPr rtlCol="0" anchor="ctr"/>
+            <a:lstStyle/>
             <a:p>
               <a:pPr algn="ctr"/>
               <a:endParaRPr lang="zh-CN" altLang="en-US"/>
@@ -10731,6 +11093,7 @@
             <a:bodyPr wrap="none" rtlCol="0" anchor="t">
               <a:spAutoFit/>
             </a:bodyPr>
+            <a:lstStyle/>
             <a:p>
               <a:r>
                 <a:rPr lang="zh-CN" altLang="en-US" b="1">
@@ -10827,7 +11190,7 @@
           <p:nvPr/>
         </p:nvGrpSpPr>
         <p:grpSpPr>
-          <a:xfrm rot="0">
+          <a:xfrm>
             <a:off x="3182620" y="2531110"/>
             <a:ext cx="2045335" cy="566420"/>
             <a:chOff x="4967" y="2231"/>
@@ -10841,7 +11204,7 @@
             <p:nvPr/>
           </p:nvGrpSpPr>
           <p:grpSpPr>
-            <a:xfrm rot="0">
+            <a:xfrm>
               <a:off x="4967" y="2231"/>
               <a:ext cx="3221" cy="892"/>
               <a:chOff x="1739" y="2547"/>
@@ -10886,6 +11249,7 @@
             </p:style>
             <p:txBody>
               <a:bodyPr rtlCol="0" anchor="ctr"/>
+              <a:lstStyle/>
               <a:p>
                 <a:pPr algn="ctr"/>
                 <a:endParaRPr lang="zh-CN" altLang="en-US"/>
@@ -10912,6 +11276,7 @@
               <a:bodyPr wrap="none" rtlCol="0" anchor="t">
                 <a:spAutoFit/>
               </a:bodyPr>
+              <a:lstStyle/>
               <a:p>
                 <a:r>
                   <a:rPr lang="zh-CN" altLang="en-US" b="1">
@@ -10945,7 +11310,7 @@
             <p:nvPr/>
           </p:nvPicPr>
           <p:blipFill>
-            <a:blip r:embed="rId4"/>
+            <a:blip r:embed="rId5"/>
             <a:stretch>
               <a:fillRect/>
             </a:stretch>
@@ -11050,6 +11415,7 @@
           </p:style>
           <p:txBody>
             <a:bodyPr rtlCol="0" anchor="ctr"/>
+            <a:lstStyle/>
             <a:p>
               <a:pPr algn="ctr"/>
               <a:endParaRPr lang="zh-CN" altLang="en-US"/>
@@ -11065,7 +11431,7 @@
             <p:nvPr/>
           </p:nvPicPr>
           <p:blipFill>
-            <a:blip r:embed="rId5"/>
+            <a:blip r:embed="rId6"/>
             <a:stretch>
               <a:fillRect/>
             </a:stretch>
@@ -11174,6 +11540,7 @@
           <a:bodyPr wrap="none" rtlCol="0" anchor="t">
             <a:spAutoFit/>
           </a:bodyPr>
+          <a:lstStyle/>
           <a:p>
             <a:r>
               <a:rPr lang="zh-CN" altLang="en-US" b="1">
@@ -11246,6 +11613,7 @@
           <a:bodyPr wrap="none" rtlCol="0" anchor="t">
             <a:spAutoFit/>
           </a:bodyPr>
+          <a:lstStyle/>
           <a:p>
             <a:r>
               <a:rPr lang="zh-CN" altLang="en-US" b="1">
@@ -11269,7 +11637,7 @@
           <p:nvPr/>
         </p:nvGrpSpPr>
         <p:grpSpPr>
-          <a:xfrm rot="0">
+          <a:xfrm>
             <a:off x="7875905" y="2540635"/>
             <a:ext cx="1656080" cy="566420"/>
             <a:chOff x="13617" y="4093"/>
@@ -11283,7 +11651,7 @@
             <p:nvPr/>
           </p:nvGrpSpPr>
           <p:grpSpPr>
-            <a:xfrm rot="0">
+            <a:xfrm>
               <a:off x="13617" y="4093"/>
               <a:ext cx="2609" cy="892"/>
               <a:chOff x="1739" y="2547"/>
@@ -11328,6 +11696,7 @@
             </p:style>
             <p:txBody>
               <a:bodyPr rtlCol="0" anchor="ctr"/>
+              <a:lstStyle/>
               <a:p>
                 <a:pPr algn="ctr"/>
                 <a:endParaRPr lang="zh-CN" altLang="en-US"/>
@@ -11354,6 +11723,7 @@
               <a:bodyPr wrap="none" rtlCol="0" anchor="t">
                 <a:spAutoFit/>
               </a:bodyPr>
+              <a:lstStyle/>
               <a:p>
                 <a:r>
                   <a:rPr lang="zh-CN" altLang="en-US" b="1">
@@ -11387,7 +11757,7 @@
             <p:nvPr/>
           </p:nvPicPr>
           <p:blipFill>
-            <a:blip r:embed="rId6"/>
+            <a:blip r:embed="rId7"/>
             <a:stretch>
               <a:fillRect/>
             </a:stretch>
@@ -11533,7 +11903,7 @@
             <p:nvPr/>
           </p:nvGrpSpPr>
           <p:grpSpPr>
-            <a:xfrm rot="0">
+            <a:xfrm>
               <a:off x="12403" y="5322"/>
               <a:ext cx="2609" cy="892"/>
               <a:chOff x="1739" y="2547"/>
@@ -11578,6 +11948,7 @@
             </p:style>
             <p:txBody>
               <a:bodyPr rtlCol="0" anchor="ctr"/>
+              <a:lstStyle/>
               <a:p>
                 <a:pPr algn="ctr"/>
                 <a:endParaRPr lang="zh-CN" altLang="en-US"/>
@@ -11604,6 +11975,7 @@
               <a:bodyPr wrap="none" rtlCol="0" anchor="t">
                 <a:spAutoFit/>
               </a:bodyPr>
+              <a:lstStyle/>
               <a:p>
                 <a:r>
                   <a:rPr lang="zh-CN" altLang="en-US" b="1">
@@ -11637,7 +12009,7 @@
             <p:nvPr/>
           </p:nvPicPr>
           <p:blipFill>
-            <a:blip r:embed="rId7"/>
+            <a:blip r:embed="rId8"/>
             <a:stretch>
               <a:fillRect/>
             </a:stretch>
@@ -11674,7 +12046,7 @@
             <p:nvPr/>
           </p:nvGrpSpPr>
           <p:grpSpPr>
-            <a:xfrm rot="0">
+            <a:xfrm>
               <a:off x="6844" y="5984"/>
               <a:ext cx="2609" cy="892"/>
               <a:chOff x="1740" y="2547"/>
@@ -11719,6 +12091,7 @@
             </p:style>
             <p:txBody>
               <a:bodyPr rtlCol="0" anchor="ctr"/>
+              <a:lstStyle/>
               <a:p>
                 <a:pPr algn="ctr"/>
                 <a:endParaRPr lang="zh-CN" altLang="en-US"/>
@@ -11745,6 +12118,7 @@
               <a:bodyPr wrap="none" rtlCol="0" anchor="t">
                 <a:spAutoFit/>
               </a:bodyPr>
+              <a:lstStyle/>
               <a:p>
                 <a:r>
                   <a:rPr lang="zh-CN" altLang="en-US" b="1">
@@ -11778,7 +12152,7 @@
             <p:nvPr/>
           </p:nvPicPr>
           <p:blipFill>
-            <a:blip r:embed="rId8"/>
+            <a:blip r:embed="rId9"/>
             <a:stretch>
               <a:fillRect/>
             </a:stretch>
@@ -11851,7 +12225,14 @@
         <p:cNvGrpSpPr/>
         <p:nvPr/>
       </p:nvGrpSpPr>
-      <p:grpSpPr/>
+      <p:grpSpPr>
+        <a:xfrm>
+          <a:off x="0" y="0"/>
+          <a:ext cx="0" cy="0"/>
+          <a:chOff x="0" y="0"/>
+          <a:chExt cx="0" cy="0"/>
+        </a:xfrm>
+      </p:grpSpPr>
       <p:pic>
         <p:nvPicPr>
           <p:cNvPr id="5" name="图片 4" descr="大学生活动中心"/>
@@ -11861,7 +12242,7 @@
           <p:nvPr/>
         </p:nvPicPr>
         <p:blipFill>
-          <a:blip r:embed="rId1"/>
+          <a:blip r:embed="rId2"/>
           <a:stretch>
             <a:fillRect/>
           </a:stretch>
@@ -11900,7 +12281,7 @@
             <p:nvPr/>
           </p:nvPicPr>
           <p:blipFill>
-            <a:blip r:embed="rId2"/>
+            <a:blip r:embed="rId3"/>
             <a:stretch>
               <a:fillRect/>
             </a:stretch>
@@ -11942,6 +12323,7 @@
             <a:bodyPr wrap="square" rtlCol="0" anchor="t">
               <a:spAutoFit/>
             </a:bodyPr>
+            <a:lstStyle/>
             <a:p>
               <a:pPr algn="ctr">
                 <a:lnSpc>
@@ -12002,7 +12384,7 @@
             <p:nvPr/>
           </p:nvPicPr>
           <p:blipFill>
-            <a:blip r:embed="rId3"/>
+            <a:blip r:embed="rId4"/>
             <a:stretch>
               <a:fillRect/>
             </a:stretch>
@@ -12044,6 +12426,7 @@
             <a:bodyPr wrap="square" rtlCol="0" anchor="t">
               <a:spAutoFit/>
             </a:bodyPr>
+            <a:lstStyle/>
             <a:p>
               <a:pPr algn="ctr">
                 <a:lnSpc>
@@ -12104,7 +12487,7 @@
             <p:nvPr/>
           </p:nvPicPr>
           <p:blipFill>
-            <a:blip r:embed="rId4"/>
+            <a:blip r:embed="rId5"/>
             <a:stretch>
               <a:fillRect/>
             </a:stretch>
@@ -12146,6 +12529,7 @@
             <a:bodyPr wrap="square" rtlCol="0" anchor="t">
               <a:spAutoFit/>
             </a:bodyPr>
+            <a:lstStyle/>
             <a:p>
               <a:pPr algn="ctr">
                 <a:lnSpc>
@@ -12320,7 +12704,14 @@
         <p:cNvGrpSpPr/>
         <p:nvPr/>
       </p:nvGrpSpPr>
-      <p:grpSpPr/>
+      <p:grpSpPr>
+        <a:xfrm>
+          <a:off x="0" y="0"/>
+          <a:ext cx="0" cy="0"/>
+          <a:chOff x="0" y="0"/>
+          <a:chExt cx="0" cy="0"/>
+        </a:xfrm>
+      </p:grpSpPr>
       <p:pic>
         <p:nvPicPr>
           <p:cNvPr id="3" name="图片 2"/>
@@ -12330,7 +12721,7 @@
           <p:nvPr/>
         </p:nvPicPr>
         <p:blipFill>
-          <a:blip r:embed="rId1"/>
+          <a:blip r:embed="rId2"/>
           <a:stretch>
             <a:fillRect/>
           </a:stretch>
@@ -12365,6 +12756,7 @@
           <a:bodyPr wrap="square" rtlCol="0">
             <a:spAutoFit/>
           </a:bodyPr>
+          <a:lstStyle/>
           <a:p>
             <a:pPr algn="ctr"/>
             <a:r>
@@ -12374,10 +12766,6 @@
               </a:rPr>
               <a:t>学生端（患者端）原型设计稿概览</a:t>
             </a:r>
-            <a:endParaRPr lang="zh-CN" altLang="en-US">
-              <a:latin typeface="Microsoft JhengHei" panose="020B0604030504040204" charset="-120"/>
-              <a:ea typeface="Microsoft JhengHei" panose="020B0604030504040204" charset="-120"/>
-            </a:endParaRPr>
           </a:p>
         </p:txBody>
       </p:sp>
@@ -12401,7 +12789,14 @@
         <p:cNvGrpSpPr/>
         <p:nvPr/>
       </p:nvGrpSpPr>
-      <p:grpSpPr/>
+      <p:grpSpPr>
+        <a:xfrm>
+          <a:off x="0" y="0"/>
+          <a:ext cx="0" cy="0"/>
+          <a:chOff x="0" y="0"/>
+          <a:chExt cx="0" cy="0"/>
+        </a:xfrm>
+      </p:grpSpPr>
       <p:sp>
         <p:nvSpPr>
           <p:cNvPr id="5" name="文本框 4"/>
@@ -12422,6 +12817,7 @@
           <a:bodyPr wrap="square" rtlCol="0">
             <a:spAutoFit/>
           </a:bodyPr>
+          <a:lstStyle/>
           <a:p>
             <a:pPr algn="ctr"/>
             <a:r>
@@ -12431,10 +12827,6 @@
               </a:rPr>
               <a:t>学生端（患者端）原型设计稿概览</a:t>
             </a:r>
-            <a:endParaRPr lang="zh-CN" altLang="en-US">
-              <a:latin typeface="Microsoft JhengHei" panose="020B0604030504040204" charset="-120"/>
-              <a:ea typeface="Microsoft JhengHei" panose="020B0604030504040204" charset="-120"/>
-            </a:endParaRPr>
           </a:p>
         </p:txBody>
       </p:sp>
@@ -12447,7 +12839,7 @@
           <p:nvPr/>
         </p:nvPicPr>
         <p:blipFill>
-          <a:blip r:embed="rId1"/>
+          <a:blip r:embed="rId2"/>
           <a:stretch>
             <a:fillRect/>
           </a:stretch>
@@ -12724,6 +13116,8 @@
       </a:bgFillStyleLst>
     </a:fmtScheme>
   </a:themeElements>
+  <a:objectDefaults/>
+  <a:extraClrSchemeLst/>
   <a:extLst>
     <a:ext uri="{05A4C25C-085E-4340-85A3-A5531E510DB2}">
       <thm15:themeFamily xmlns:thm15="http://schemas.microsoft.com/office/thememl/2012/main" name="Office Theme" id="{62F939B6-93AF-4DB8-9C6B-D6C7DFDC589F}" vid="{4A3C46E8-61CC-4603-A589-7422A47A8E4A}"/>
@@ -12983,6 +13377,8 @@
       </a:bgFillStyleLst>
     </a:fmtScheme>
   </a:themeElements>
+  <a:objectDefaults/>
+  <a:extraClrSchemeLst/>
   <a:extLst>
     <a:ext uri="{05A4C25C-085E-4340-85A3-A5531E510DB2}">
       <thm15:themeFamily xmlns:thm15="http://schemas.microsoft.com/office/thememl/2012/main" name="Office Theme" id="{62F939B6-93AF-4DB8-9C6B-D6C7DFDC589F}" vid="{4A3C46E8-61CC-4603-A589-7422A47A8E4A}"/>
